--- a/SEMINAR-PROJECT-MANAGENMENT.pptx
+++ b/SEMINAR-PROJECT-MANAGENMENT.pptx
@@ -279,7 +279,7 @@
           <a:p>
             <a:fld id="{9F09733D-69F8-45CE-987F-1E3A67C77C5D}" type="datetimeFigureOut">
               <a:rPr lang="en-US" smtClean="0"/>
-              <a:t>10/31/2019</a:t>
+              <a:t>31-10-2019</a:t>
             </a:fld>
             <a:endParaRPr lang="en-US"/>
           </a:p>
@@ -444,7 +444,7 @@
           <a:p>
             <a:fld id="{4BBDC3DB-9C0B-4EEA-BE0C-C823D6258BF2}" type="datetimeFigureOut">
               <a:rPr lang="en-US" smtClean="0"/>
-              <a:t>10/31/2019</a:t>
+              <a:t>31-10-2019</a:t>
             </a:fld>
             <a:endParaRPr lang="en-US"/>
           </a:p>
@@ -946,7 +946,7 @@
             <a:fld id="{349BF3EA-1A78-4F07-BDC0-C8A1BD461199}" type="datetimeFigureOut">
               <a:rPr lang="en-US" smtClean="0"/>
               <a:pPr/>
-              <a:t>10/31/2019</a:t>
+              <a:t>31-10-2019</a:t>
             </a:fld>
             <a:endParaRPr lang="en-US"/>
           </a:p>
@@ -1144,7 +1144,7 @@
             <a:fld id="{349BF3EA-1A78-4F07-BDC0-C8A1BD461199}" type="datetimeFigureOut">
               <a:rPr lang="en-US" smtClean="0"/>
               <a:pPr/>
-              <a:t>10/31/2019</a:t>
+              <a:t>31-10-2019</a:t>
             </a:fld>
             <a:endParaRPr lang="en-US"/>
           </a:p>
@@ -1353,7 +1353,7 @@
             <a:fld id="{349BF3EA-1A78-4F07-BDC0-C8A1BD461199}" type="datetimeFigureOut">
               <a:rPr lang="en-US" smtClean="0"/>
               <a:pPr/>
-              <a:t>10/31/2019</a:t>
+              <a:t>31-10-2019</a:t>
             </a:fld>
             <a:endParaRPr lang="en-US"/>
           </a:p>
@@ -1553,7 +1553,7 @@
           <a:p>
             <a:fld id="{349BF3EA-1A78-4F07-BDC0-C8A1BD461199}" type="datetimeFigureOut">
               <a:rPr lang="en-US" smtClean="0"/>
-              <a:t>10/31/2019</a:t>
+              <a:t>31-10-2019</a:t>
             </a:fld>
             <a:endParaRPr lang="en-US"/>
           </a:p>
@@ -1803,7 +1803,7 @@
           <a:p>
             <a:fld id="{349BF3EA-1A78-4F07-BDC0-C8A1BD461199}" type="datetimeFigureOut">
               <a:rPr lang="en-US" smtClean="0"/>
-              <a:t>10/31/2019</a:t>
+              <a:t>31-10-2019</a:t>
             </a:fld>
             <a:endParaRPr lang="en-US"/>
           </a:p>
@@ -2084,7 +2084,7 @@
             <a:fld id="{349BF3EA-1A78-4F07-BDC0-C8A1BD461199}" type="datetimeFigureOut">
               <a:rPr lang="en-US" smtClean="0"/>
               <a:pPr/>
-              <a:t>10/31/2019</a:t>
+              <a:t>31-10-2019</a:t>
             </a:fld>
             <a:endParaRPr lang="en-US" dirty="0"/>
           </a:p>
@@ -2473,7 +2473,7 @@
           <a:p>
             <a:fld id="{349BF3EA-1A78-4F07-BDC0-C8A1BD461199}" type="datetimeFigureOut">
               <a:rPr lang="en-US" smtClean="0"/>
-              <a:t>10/31/2019</a:t>
+              <a:t>31-10-2019</a:t>
             </a:fld>
             <a:endParaRPr lang="en-US"/>
           </a:p>
@@ -2594,7 +2594,7 @@
           <a:p>
             <a:fld id="{349BF3EA-1A78-4F07-BDC0-C8A1BD461199}" type="datetimeFigureOut">
               <a:rPr lang="en-US" smtClean="0"/>
-              <a:t>10/31/2019</a:t>
+              <a:t>31-10-2019</a:t>
             </a:fld>
             <a:endParaRPr lang="en-US"/>
           </a:p>
@@ -2692,7 +2692,7 @@
           <a:p>
             <a:fld id="{349BF3EA-1A78-4F07-BDC0-C8A1BD461199}" type="datetimeFigureOut">
               <a:rPr lang="en-US" smtClean="0"/>
-              <a:t>10/31/2019</a:t>
+              <a:t>31-10-2019</a:t>
             </a:fld>
             <a:endParaRPr lang="en-US"/>
           </a:p>
@@ -2988,7 +2988,7 @@
           <a:p>
             <a:fld id="{349BF3EA-1A78-4F07-BDC0-C8A1BD461199}" type="datetimeFigureOut">
               <a:rPr lang="en-US" smtClean="0"/>
-              <a:t>10/31/2019</a:t>
+              <a:t>31-10-2019</a:t>
             </a:fld>
             <a:endParaRPr lang="en-US"/>
           </a:p>
@@ -3286,7 +3286,7 @@
             <a:fld id="{349BF3EA-1A78-4F07-BDC0-C8A1BD461199}" type="datetimeFigureOut">
               <a:rPr lang="en-US" smtClean="0"/>
               <a:pPr/>
-              <a:t>10/31/2019</a:t>
+              <a:t>31-10-2019</a:t>
             </a:fld>
             <a:endParaRPr lang="en-US" dirty="0"/>
           </a:p>
@@ -3528,7 +3528,7 @@
             <a:fld id="{349BF3EA-1A78-4F07-BDC0-C8A1BD461199}" type="datetimeFigureOut">
               <a:rPr lang="en-US" smtClean="0"/>
               <a:pPr/>
-              <a:t>10/31/2019</a:t>
+              <a:t>31-10-2019</a:t>
             </a:fld>
             <a:endParaRPr lang="en-US"/>
           </a:p>
@@ -37696,8 +37696,18 @@
           <a:lstStyle/>
           <a:p>
             <a:r>
-              <a:rPr lang="en-US" dirty="0"/>
-              <a:t>Risk Management Planning</a:t>
+              <a:rPr lang="en-US" dirty="0">
+                <a:effectLst>
+                  <a:outerShdw blurRad="38100" dist="38100" dir="2700000" algn="tl">
+                    <a:srgbClr val="000000">
+                      <a:alpha val="43137"/>
+                    </a:srgbClr>
+                  </a:outerShdw>
+                </a:effectLst>
+                <a:latin typeface="Arial" panose="020B0604020202020204" pitchFamily="34" charset="0"/>
+                <a:cs typeface="Arial" panose="020B0604020202020204" pitchFamily="34" charset="0"/>
+              </a:rPr>
+              <a:t>RISK MANAGEMENT PLANNING PROCESS</a:t>
             </a:r>
           </a:p>
         </p:txBody>
@@ -37726,7 +37736,7 @@
         </p:spPr>
         <p:txBody>
           <a:bodyPr>
-            <a:normAutofit lnSpcReduction="10000"/>
+            <a:normAutofit/>
           </a:bodyPr>
           <a:lstStyle/>
           <a:p>
@@ -37735,22 +37745,28 @@
               <a:buChar char="q"/>
             </a:pPr>
             <a:r>
-              <a:rPr lang="en-US" sz="1900" b="1" dirty="0"/>
+              <a:rPr lang="en-US" sz="1900" b="1" dirty="0">
+                <a:solidFill>
+                  <a:schemeClr val="tx1"/>
+                </a:solidFill>
+                <a:latin typeface="Arial" panose="020B0604020202020204" pitchFamily="34" charset="0"/>
+                <a:cs typeface="Arial" panose="020B0604020202020204" pitchFamily="34" charset="0"/>
+              </a:rPr>
               <a:t>Transfer</a:t>
             </a:r>
           </a:p>
           <a:p>
             <a:pPr lvl="2"/>
             <a:r>
-              <a:rPr lang="en-US" sz="1900" dirty="0"/>
+              <a:rPr lang="en-US" sz="1900" dirty="0">
+                <a:solidFill>
+                  <a:schemeClr val="tx1"/>
+                </a:solidFill>
+                <a:latin typeface="Arial" panose="020B0604020202020204" pitchFamily="34" charset="0"/>
+                <a:cs typeface="Arial" panose="020B0604020202020204" pitchFamily="34" charset="0"/>
+              </a:rPr>
               <a:t>Risk transfer is the most ideal model, from rudimentary risk transfer to insurance participation. This is the most effective and effective tool to deal with losses. (For example, instead of transporting a truck of smuggled cigarettes to the male, you divide the cigarette into smaller chunks and transport it to each different vehicle in case the police get caught. whole car cigarette)</a:t>
             </a:r>
-          </a:p>
-          <a:p>
-            <a:pPr marL="914400" lvl="2" indent="0">
-              <a:buNone/>
-            </a:pPr>
-            <a:endParaRPr lang="en-US" sz="1900" dirty="0"/>
           </a:p>
           <a:p>
             <a:pPr lvl="1">
@@ -37758,28 +37774,52 @@
               <a:buChar char="q"/>
             </a:pPr>
             <a:r>
-              <a:rPr lang="en-US" sz="1900" b="1" dirty="0"/>
+              <a:rPr lang="en-US" sz="1900" b="1" dirty="0">
+                <a:solidFill>
+                  <a:schemeClr val="tx1"/>
+                </a:solidFill>
+                <a:latin typeface="Arial" panose="020B0604020202020204" pitchFamily="34" charset="0"/>
+                <a:cs typeface="Arial" panose="020B0604020202020204" pitchFamily="34" charset="0"/>
+              </a:rPr>
               <a:t>Accept</a:t>
             </a:r>
           </a:p>
           <a:p>
             <a:pPr lvl="2"/>
             <a:r>
-              <a:rPr lang="en-US" sz="1900" dirty="0"/>
+              <a:rPr lang="en-US" sz="1900" dirty="0">
+                <a:solidFill>
+                  <a:schemeClr val="tx1"/>
+                </a:solidFill>
+                <a:latin typeface="Arial" panose="020B0604020202020204" pitchFamily="34" charset="0"/>
+                <a:cs typeface="Arial" panose="020B0604020202020204" pitchFamily="34" charset="0"/>
+              </a:rPr>
               <a:t>This is the form by which the victim accepts that loss and usually, there are two ways to accept the risk, which is to be proactive and passive.</a:t>
             </a:r>
           </a:p>
           <a:p>
             <a:pPr lvl="2"/>
             <a:r>
-              <a:rPr lang="en-US" sz="1900" dirty="0"/>
+              <a:rPr lang="en-US" sz="1900" dirty="0">
+                <a:solidFill>
+                  <a:schemeClr val="tx1"/>
+                </a:solidFill>
+                <a:latin typeface="Arial" panose="020B0604020202020204" pitchFamily="34" charset="0"/>
+                <a:cs typeface="Arial" panose="020B0604020202020204" pitchFamily="34" charset="0"/>
+              </a:rPr>
               <a:t>Passive acceptance is the absence of preparation for risk to find a solution and compensate.</a:t>
             </a:r>
           </a:p>
           <a:p>
             <a:pPr lvl="2"/>
             <a:r>
-              <a:rPr lang="en-US" sz="1900" dirty="0"/>
+              <a:rPr lang="en-US" sz="1900" dirty="0">
+                <a:solidFill>
+                  <a:schemeClr val="tx1"/>
+                </a:solidFill>
+                <a:latin typeface="Arial" panose="020B0604020202020204" pitchFamily="34" charset="0"/>
+                <a:cs typeface="Arial" panose="020B0604020202020204" pitchFamily="34" charset="0"/>
+              </a:rPr>
               <a:t>Proactive acceptance is the establishment of a resource reserve fund to compensate for the risks occurring. And often resources will not be used optimally, even very passively because the level of losses is not completely the same and unpredictable.</a:t>
             </a:r>
           </a:p>
@@ -37787,19 +37827,37 @@
             <a:pPr marL="914400" lvl="2" indent="0">
               <a:buNone/>
             </a:pPr>
-            <a:endParaRPr lang="en-US" dirty="0"/>
+            <a:endParaRPr lang="en-US" dirty="0">
+              <a:solidFill>
+                <a:schemeClr val="tx1"/>
+              </a:solidFill>
+              <a:latin typeface="Arial" panose="020B0604020202020204" pitchFamily="34" charset="0"/>
+              <a:cs typeface="Arial" panose="020B0604020202020204" pitchFamily="34" charset="0"/>
+            </a:endParaRPr>
           </a:p>
           <a:p>
             <a:pPr marL="914400" lvl="2" indent="0">
               <a:buNone/>
             </a:pPr>
-            <a:endParaRPr lang="en-US" dirty="0"/>
+            <a:endParaRPr lang="en-US" dirty="0">
+              <a:solidFill>
+                <a:schemeClr val="tx1"/>
+              </a:solidFill>
+              <a:latin typeface="Arial" panose="020B0604020202020204" pitchFamily="34" charset="0"/>
+              <a:cs typeface="Arial" panose="020B0604020202020204" pitchFamily="34" charset="0"/>
+            </a:endParaRPr>
           </a:p>
           <a:p>
             <a:pPr marL="914400" lvl="2" indent="0">
               <a:buNone/>
             </a:pPr>
-            <a:endParaRPr lang="en-US" dirty="0"/>
+            <a:endParaRPr lang="en-US" dirty="0">
+              <a:solidFill>
+                <a:schemeClr val="tx1"/>
+              </a:solidFill>
+              <a:latin typeface="Arial" panose="020B0604020202020204" pitchFamily="34" charset="0"/>
+              <a:cs typeface="Arial" panose="020B0604020202020204" pitchFamily="34" charset="0"/>
+            </a:endParaRPr>
           </a:p>
         </p:txBody>
       </p:sp>
@@ -37855,8 +37913,11 @@
           <a:lstStyle/>
           <a:p>
             <a:r>
-              <a:rPr lang="en-US" dirty="0"/>
-              <a:t>Risk Management Process</a:t>
+              <a:rPr lang="en-US" dirty="0">
+                <a:latin typeface="Arial" panose="020B0604020202020204" pitchFamily="34" charset="0"/>
+                <a:cs typeface="Arial" panose="020B0604020202020204" pitchFamily="34" charset="0"/>
+              </a:rPr>
+              <a:t>RISK MANAGEMENT PLANNING PROCESS</a:t>
             </a:r>
           </a:p>
         </p:txBody>
@@ -37889,7 +37950,13 @@
               <a:buAutoNum type="romanUcPeriod"/>
             </a:pPr>
             <a:r>
-              <a:rPr lang="en-US" sz="2000" b="1" dirty="0"/>
+              <a:rPr lang="en-US" sz="2000" b="1" dirty="0">
+                <a:solidFill>
+                  <a:schemeClr val="tx1"/>
+                </a:solidFill>
+                <a:latin typeface="Arial" panose="020B0604020202020204" pitchFamily="34" charset="0"/>
+                <a:cs typeface="Arial" panose="020B0604020202020204" pitchFamily="34" charset="0"/>
+              </a:rPr>
               <a:t>What’s it?</a:t>
             </a:r>
           </a:p>
@@ -37898,17 +37965,28 @@
               <a:buNone/>
             </a:pPr>
             <a:r>
-              <a:rPr lang="en-US" sz="1200" b="1" dirty="0"/>
+              <a:rPr lang="en-US" sz="1200" b="1" dirty="0">
+                <a:solidFill>
+                  <a:schemeClr val="tx1"/>
+                </a:solidFill>
+                <a:latin typeface="Arial" panose="020B0604020202020204" pitchFamily="34" charset="0"/>
+                <a:cs typeface="Arial" panose="020B0604020202020204" pitchFamily="34" charset="0"/>
+              </a:rPr>
               <a:t>	</a:t>
             </a:r>
           </a:p>
           <a:p>
-            <a:pPr marL="571500" lvl="1" indent="-171450">
-              <a:buFontTx/>
-              <a:buChar char="-"/>
+            <a:pPr marL="400050" lvl="1" indent="0">
+              <a:buNone/>
             </a:pPr>
             <a:r>
-              <a:rPr lang="en-US" sz="2400" dirty="0"/>
+              <a:rPr lang="en-US" sz="2400" dirty="0">
+                <a:solidFill>
+                  <a:schemeClr val="tx1"/>
+                </a:solidFill>
+                <a:latin typeface="Arial" panose="020B0604020202020204" pitchFamily="34" charset="0"/>
+                <a:cs typeface="Arial" panose="020B0604020202020204" pitchFamily="34" charset="0"/>
+              </a:rPr>
               <a:t>The creative process consists of brainstorming sessions in which the team is required to create a list of everything that can go wrong. All ideas are welcome at this stage with the evaluation of ideas coming later.</a:t>
             </a:r>
           </a:p>
@@ -37966,8 +38044,11 @@
           <a:lstStyle/>
           <a:p>
             <a:r>
-              <a:rPr lang="en-US" dirty="0"/>
-              <a:t>Risk Management Process</a:t>
+              <a:rPr lang="en-US" dirty="0">
+                <a:latin typeface="Arial" panose="020B0604020202020204" pitchFamily="34" charset="0"/>
+                <a:cs typeface="Arial" panose="020B0604020202020204" pitchFamily="34" charset="0"/>
+              </a:rPr>
+              <a:t>RISK MANAGEMENT PLANNING PROCESS</a:t>
             </a:r>
           </a:p>
         </p:txBody>
@@ -38005,7 +38086,13 @@
               <a:buAutoNum type="romanUcPeriod" startAt="2"/>
             </a:pPr>
             <a:r>
-              <a:rPr lang="en-US" b="1" dirty="0"/>
+              <a:rPr lang="en-US" b="1" dirty="0">
+                <a:solidFill>
+                  <a:schemeClr val="tx1"/>
+                </a:solidFill>
+                <a:latin typeface="Arial" panose="020B0604020202020204" pitchFamily="34" charset="0"/>
+                <a:cs typeface="Arial" panose="020B0604020202020204" pitchFamily="34" charset="0"/>
+              </a:rPr>
               <a:t>Risk Identification</a:t>
             </a:r>
           </a:p>
@@ -38014,28 +38101,64 @@
               <a:buNone/>
             </a:pPr>
             <a:r>
-              <a:rPr lang="en-US" dirty="0"/>
+              <a:rPr lang="en-US" dirty="0">
+                <a:solidFill>
+                  <a:schemeClr val="tx1"/>
+                </a:solidFill>
+                <a:latin typeface="Arial" panose="020B0604020202020204" pitchFamily="34" charset="0"/>
+                <a:cs typeface="Arial" panose="020B0604020202020204" pitchFamily="34" charset="0"/>
+              </a:rPr>
               <a:t>	</a:t>
             </a:r>
             <a:r>
-              <a:rPr lang="en-US" sz="2000" dirty="0"/>
+              <a:rPr lang="en-US" sz="2000" dirty="0">
+                <a:solidFill>
+                  <a:schemeClr val="tx1"/>
+                </a:solidFill>
+                <a:latin typeface="Arial" panose="020B0604020202020204" pitchFamily="34" charset="0"/>
+                <a:cs typeface="Arial" panose="020B0604020202020204" pitchFamily="34" charset="0"/>
+              </a:rPr>
               <a:t>A more disciplined process consists of using the checklist of potential risks and 	assessing the likelihood that such events may occur within the project. A number of 	companies and industries have developed a risk checklist based on experience from 	past projects. These checklists can be helpful for project managers and project teams in 	identifying both specific risks in checklists and extending team thinking. Past 	experience of the project team, project experience in the company and industry experts 	can be a valuable resource to identify potential risks to a project.</a:t>
             </a:r>
-            <a:endParaRPr lang="en-US" dirty="0"/>
+            <a:endParaRPr lang="en-US" dirty="0">
+              <a:solidFill>
+                <a:schemeClr val="tx1"/>
+              </a:solidFill>
+              <a:latin typeface="Arial" panose="020B0604020202020204" pitchFamily="34" charset="0"/>
+              <a:cs typeface="Arial" panose="020B0604020202020204" pitchFamily="34" charset="0"/>
+            </a:endParaRPr>
           </a:p>
           <a:p>
             <a:pPr marL="0" indent="0">
               <a:buNone/>
             </a:pPr>
             <a:r>
-              <a:rPr lang="en-US" dirty="0"/>
+              <a:rPr lang="en-US" dirty="0">
+                <a:solidFill>
+                  <a:schemeClr val="tx1"/>
+                </a:solidFill>
+                <a:latin typeface="Arial" panose="020B0604020202020204" pitchFamily="34" charset="0"/>
+                <a:cs typeface="Arial" panose="020B0604020202020204" pitchFamily="34" charset="0"/>
+              </a:rPr>
               <a:t>	</a:t>
             </a:r>
             <a:r>
-              <a:rPr lang="en-US" sz="2000" dirty="0"/>
+              <a:rPr lang="en-US" sz="2000" dirty="0">
+                <a:solidFill>
+                  <a:schemeClr val="tx1"/>
+                </a:solidFill>
+                <a:latin typeface="Arial" panose="020B0604020202020204" pitchFamily="34" charset="0"/>
+                <a:cs typeface="Arial" panose="020B0604020202020204" pitchFamily="34" charset="0"/>
+              </a:rPr>
               <a:t>Identifying sources of risk according to the portfolio is another method to explore 	potential risks on a project. Some examples of categories for potential risks 	include:</a:t>
             </a:r>
-            <a:endParaRPr lang="en-US" dirty="0"/>
+            <a:endParaRPr lang="en-US" dirty="0">
+              <a:solidFill>
+                <a:schemeClr val="tx1"/>
+              </a:solidFill>
+              <a:latin typeface="Arial" panose="020B0604020202020204" pitchFamily="34" charset="0"/>
+              <a:cs typeface="Arial" panose="020B0604020202020204" pitchFamily="34" charset="0"/>
+            </a:endParaRPr>
           </a:p>
         </p:txBody>
       </p:sp>
@@ -38091,8 +38214,11 @@
           <a:lstStyle/>
           <a:p>
             <a:r>
-              <a:rPr lang="en-US" dirty="0"/>
-              <a:t>Risk Management Process</a:t>
+              <a:rPr lang="en-US" dirty="0">
+                <a:latin typeface="Arial" panose="020B0604020202020204" pitchFamily="34" charset="0"/>
+                <a:cs typeface="Arial" panose="020B0604020202020204" pitchFamily="34" charset="0"/>
+              </a:rPr>
+              <a:t>RISK MANAGEMENT PLANNING PROCESS</a:t>
             </a:r>
           </a:p>
         </p:txBody>
@@ -38179,8 +38305,11 @@
           <a:lstStyle/>
           <a:p>
             <a:r>
-              <a:rPr lang="en-US" dirty="0"/>
-              <a:t>Risk Management Process</a:t>
+              <a:rPr lang="en-US" dirty="0">
+                <a:latin typeface="Arial" panose="020B0604020202020204" pitchFamily="34" charset="0"/>
+                <a:cs typeface="Arial" panose="020B0604020202020204" pitchFamily="34" charset="0"/>
+              </a:rPr>
+              <a:t>RISK MANAGEMENT PLANNING PROCESS</a:t>
             </a:r>
           </a:p>
         </p:txBody>
@@ -38208,28 +38337,54 @@
           </a:xfrm>
         </p:spPr>
         <p:txBody>
-          <a:bodyPr/>
+          <a:bodyPr>
+            <a:normAutofit/>
+          </a:bodyPr>
           <a:lstStyle/>
           <a:p>
             <a:r>
-              <a:rPr lang="en-US" sz="2000" dirty="0"/>
+              <a:rPr lang="en-US" dirty="0">
+                <a:solidFill>
+                  <a:schemeClr val="tx1"/>
+                </a:solidFill>
+                <a:latin typeface="Arial" panose="020B0604020202020204" pitchFamily="34" charset="0"/>
+                <a:cs typeface="Arial" panose="020B0604020202020204" pitchFamily="34" charset="0"/>
+              </a:rPr>
               <a:t>In fact, depending on the business, the company, there will be different frameworks to divide the work and develop risks.</a:t>
             </a:r>
           </a:p>
           <a:p>
             <a:r>
-              <a:rPr lang="en-US" sz="2000" dirty="0"/>
+              <a:rPr lang="en-US" dirty="0">
+                <a:solidFill>
+                  <a:schemeClr val="tx1"/>
+                </a:solidFill>
+                <a:latin typeface="Arial" panose="020B0604020202020204" pitchFamily="34" charset="0"/>
+                <a:cs typeface="Arial" panose="020B0604020202020204" pitchFamily="34" charset="0"/>
+              </a:rPr>
               <a:t>Here we will describe a framework to divide and develop risks which are WBS (work breakdown structure).</a:t>
             </a:r>
           </a:p>
           <a:p>
             <a:r>
-              <a:rPr lang="en-US" sz="2000" dirty="0"/>
+              <a:rPr lang="en-US" dirty="0">
+                <a:solidFill>
+                  <a:schemeClr val="tx1"/>
+                </a:solidFill>
+                <a:latin typeface="Arial" panose="020B0604020202020204" pitchFamily="34" charset="0"/>
+                <a:cs typeface="Arial" panose="020B0604020202020204" pitchFamily="34" charset="0"/>
+              </a:rPr>
               <a:t>This framework divides the work and risk structure into a table with 2 columns (1 column is the task and 1 column is the possible risk at that task).</a:t>
             </a:r>
           </a:p>
           <a:p>
-            <a:endParaRPr lang="en-US" dirty="0"/>
+            <a:endParaRPr lang="en-US" dirty="0">
+              <a:solidFill>
+                <a:schemeClr val="tx1"/>
+              </a:solidFill>
+              <a:latin typeface="Arial" panose="020B0604020202020204" pitchFamily="34" charset="0"/>
+              <a:cs typeface="Arial" panose="020B0604020202020204" pitchFamily="34" charset="0"/>
+            </a:endParaRPr>
           </a:p>
         </p:txBody>
       </p:sp>
@@ -38285,8 +38440,11 @@
           <a:lstStyle/>
           <a:p>
             <a:r>
-              <a:rPr lang="en-US" dirty="0"/>
-              <a:t>Risk Management Process</a:t>
+              <a:rPr lang="en-US" dirty="0">
+                <a:latin typeface="Arial" panose="020B0604020202020204" pitchFamily="34" charset="0"/>
+                <a:cs typeface="Arial" panose="020B0604020202020204" pitchFamily="34" charset="0"/>
+              </a:rPr>
+              <a:t>RISK MANAGEMENT PLANNING PROCESS</a:t>
             </a:r>
           </a:p>
         </p:txBody>
@@ -38821,8 +38979,11 @@
           <a:lstStyle/>
           <a:p>
             <a:r>
-              <a:rPr lang="en-US" dirty="0"/>
-              <a:t>Risk Management Process</a:t>
+              <a:rPr lang="en-US" dirty="0">
+                <a:latin typeface="Arial" panose="020B0604020202020204" pitchFamily="34" charset="0"/>
+                <a:cs typeface="Arial" panose="020B0604020202020204" pitchFamily="34" charset="0"/>
+              </a:rPr>
+              <a:t>RISK MANAGEMENT PLANNING PROCESS</a:t>
             </a:r>
           </a:p>
         </p:txBody>
@@ -38854,7 +39015,13 @@
           <a:lstStyle/>
           <a:p>
             <a:r>
-              <a:rPr lang="en-US" dirty="0"/>
+              <a:rPr lang="en-US" dirty="0">
+                <a:solidFill>
+                  <a:schemeClr val="tx1"/>
+                </a:solidFill>
+                <a:latin typeface="Arial" panose="020B0604020202020204" pitchFamily="34" charset="0"/>
+                <a:cs typeface="Arial" panose="020B0604020202020204" pitchFamily="34" charset="0"/>
+              </a:rPr>
               <a:t>This approach helps the project team identify known risks, but can be limited and less creative in identifying unknown risks and risks not easily found in WBS.</a:t>
             </a:r>
           </a:p>
@@ -38912,8 +39079,11 @@
           <a:lstStyle/>
           <a:p>
             <a:r>
-              <a:rPr lang="en-US" dirty="0"/>
-              <a:t>Risk Management Process</a:t>
+              <a:rPr lang="en-US" dirty="0">
+                <a:latin typeface="Arial" panose="020B0604020202020204" pitchFamily="34" charset="0"/>
+                <a:cs typeface="Arial" panose="020B0604020202020204" pitchFamily="34" charset="0"/>
+              </a:rPr>
+              <a:t>RISK MANAGEMENT PLANNING PROCESS</a:t>
             </a:r>
           </a:p>
         </p:txBody>
@@ -38951,7 +39121,13 @@
               <a:buAutoNum type="romanUcPeriod" startAt="3"/>
             </a:pPr>
             <a:r>
-              <a:rPr lang="en-US" b="1" dirty="0"/>
+              <a:rPr lang="en-US" b="1" dirty="0">
+                <a:solidFill>
+                  <a:schemeClr val="tx1"/>
+                </a:solidFill>
+                <a:latin typeface="Arial" panose="020B0604020202020204" pitchFamily="34" charset="0"/>
+                <a:cs typeface="Arial" panose="020B0604020202020204" pitchFamily="34" charset="0"/>
+              </a:rPr>
               <a:t>Risk Evaluation</a:t>
             </a:r>
           </a:p>
@@ -38960,7 +39136,13 @@
               <a:buNone/>
             </a:pPr>
             <a:r>
-              <a:rPr lang="en-US" sz="2000" dirty="0"/>
+              <a:rPr lang="en-US" sz="2000" dirty="0">
+                <a:solidFill>
+                  <a:schemeClr val="tx1"/>
+                </a:solidFill>
+                <a:latin typeface="Arial" panose="020B0604020202020204" pitchFamily="34" charset="0"/>
+                <a:cs typeface="Arial" panose="020B0604020202020204" pitchFamily="34" charset="0"/>
+              </a:rPr>
               <a:t>After identifying the potential risks, the project team will evaluate each risk based on the probability of the event of the risk and the potential loss associated with it. Not all risks are the same. Some risk events are more likely to occur than others and risk costs can vary greatly. Assessing the risk of the probability of occurrence and the severity or potential loss to the project is the next step in the risk management process.</a:t>
             </a:r>
           </a:p>
@@ -38968,14 +39150,26 @@
             <a:pPr marL="800100" lvl="2" indent="0">
               <a:buNone/>
             </a:pPr>
-            <a:endParaRPr lang="en-US" sz="2000" dirty="0"/>
+            <a:endParaRPr lang="en-US" sz="2000" dirty="0">
+              <a:solidFill>
+                <a:schemeClr val="tx1"/>
+              </a:solidFill>
+              <a:latin typeface="Arial" panose="020B0604020202020204" pitchFamily="34" charset="0"/>
+              <a:cs typeface="Arial" panose="020B0604020202020204" pitchFamily="34" charset="0"/>
+            </a:endParaRPr>
           </a:p>
           <a:p>
             <a:pPr marL="800100" lvl="2" indent="0">
               <a:buNone/>
             </a:pPr>
             <a:r>
-              <a:rPr lang="en-US" sz="2000" dirty="0"/>
+              <a:rPr lang="en-US" sz="2000" dirty="0">
+                <a:solidFill>
+                  <a:schemeClr val="tx1"/>
+                </a:solidFill>
+                <a:latin typeface="Arial" panose="020B0604020202020204" pitchFamily="34" charset="0"/>
+                <a:cs typeface="Arial" panose="020B0604020202020204" pitchFamily="34" charset="0"/>
+              </a:rPr>
               <a:t>Having criteria to identify high impact risks can help narrow the focus to a few important risks that need to be minimized. For example, suppose that high-impact risks are those that can increase project costs by 5% of the concept budget or 2% of the detailed budget. Only a few potential risk events meet these criteria. Here are a few important potential risk events that the project management team should focus on when developing a project or management risk mitigation plan. The risk assessment is about developing an understanding of what is potentially the most likely to occur and can have the greatest negative impact on the project.</a:t>
             </a:r>
           </a:p>
@@ -39034,7 +39228,7 @@
           <a:p>
             <a:r>
               <a:rPr lang="en-US" dirty="0"/>
-              <a:t>Risk Management Process</a:t>
+              <a:t>RISK MANAGEMENT PLANNING PROCESS</a:t>
             </a:r>
           </a:p>
         </p:txBody>
@@ -39120,8 +39314,11 @@
           <a:lstStyle/>
           <a:p>
             <a:r>
-              <a:rPr lang="en-US" dirty="0"/>
-              <a:t>Risk Management Process</a:t>
+              <a:rPr lang="en-US" dirty="0">
+                <a:latin typeface="Arial" panose="020B0604020202020204" pitchFamily="34" charset="0"/>
+                <a:cs typeface="Arial" panose="020B0604020202020204" pitchFamily="34" charset="0"/>
+              </a:rPr>
+              <a:t>RISK MANAGEMENT PLANNING PROCESS</a:t>
             </a:r>
           </a:p>
         </p:txBody>
@@ -39152,7 +39349,13 @@
               <a:buAutoNum type="romanUcPeriod" startAt="4"/>
             </a:pPr>
             <a:r>
-              <a:rPr lang="en-US" dirty="0"/>
+              <a:rPr lang="en-US" b="1" dirty="0">
+                <a:solidFill>
+                  <a:schemeClr val="tx1"/>
+                </a:solidFill>
+                <a:latin typeface="Arial" panose="020B0604020202020204" pitchFamily="34" charset="0"/>
+                <a:cs typeface="Arial" panose="020B0604020202020204" pitchFamily="34" charset="0"/>
+              </a:rPr>
               <a:t>Risk Mitigation</a:t>
             </a:r>
           </a:p>
@@ -39161,11 +39364,23 @@
               <a:buNone/>
             </a:pPr>
             <a:r>
-              <a:rPr lang="en-US" dirty="0"/>
+              <a:rPr lang="en-US" dirty="0">
+                <a:solidFill>
+                  <a:schemeClr val="tx1"/>
+                </a:solidFill>
+                <a:latin typeface="Arial" panose="020B0604020202020204" pitchFamily="34" charset="0"/>
+                <a:cs typeface="Arial" panose="020B0604020202020204" pitchFamily="34" charset="0"/>
+              </a:rPr>
               <a:t>	</a:t>
             </a:r>
             <a:r>
-              <a:rPr lang="en-US" sz="2000" dirty="0"/>
+              <a:rPr lang="en-US" sz="2000" dirty="0">
+                <a:solidFill>
+                  <a:schemeClr val="tx1"/>
+                </a:solidFill>
+                <a:latin typeface="Arial" panose="020B0604020202020204" pitchFamily="34" charset="0"/>
+                <a:cs typeface="Arial" panose="020B0604020202020204" pitchFamily="34" charset="0"/>
+              </a:rPr>
               <a:t>After identifying and assessing risks, the project team developed a risk mitigation plan, 	which is intended to reduce the impact of an unexpected event. Project teams 	minimize risks in several different ways:</a:t>
             </a:r>
           </a:p>
@@ -39175,7 +39390,13 @@
               <a:buChar char="q"/>
             </a:pPr>
             <a:r>
-              <a:rPr lang="en-US" sz="2000" dirty="0"/>
+              <a:rPr lang="en-US" sz="2000" dirty="0">
+                <a:solidFill>
+                  <a:schemeClr val="tx1"/>
+                </a:solidFill>
+                <a:latin typeface="Arial" panose="020B0604020202020204" pitchFamily="34" charset="0"/>
+                <a:cs typeface="Arial" panose="020B0604020202020204" pitchFamily="34" charset="0"/>
+              </a:rPr>
               <a:t>Avoid</a:t>
             </a:r>
           </a:p>
@@ -39185,7 +39406,13 @@
               <a:buChar char="q"/>
             </a:pPr>
             <a:r>
-              <a:rPr lang="en-US" sz="2000" dirty="0"/>
+              <a:rPr lang="en-US" sz="2000" dirty="0">
+                <a:solidFill>
+                  <a:schemeClr val="tx1"/>
+                </a:solidFill>
+                <a:latin typeface="Arial" panose="020B0604020202020204" pitchFamily="34" charset="0"/>
+                <a:cs typeface="Arial" panose="020B0604020202020204" pitchFamily="34" charset="0"/>
+              </a:rPr>
               <a:t>Mitigate</a:t>
             </a:r>
           </a:p>
@@ -39195,7 +39422,13 @@
               <a:buChar char="q"/>
             </a:pPr>
             <a:r>
-              <a:rPr lang="en-US" sz="2000" dirty="0"/>
+              <a:rPr lang="en-US" sz="2000" dirty="0">
+                <a:solidFill>
+                  <a:schemeClr val="tx1"/>
+                </a:solidFill>
+                <a:latin typeface="Arial" panose="020B0604020202020204" pitchFamily="34" charset="0"/>
+                <a:cs typeface="Arial" panose="020B0604020202020204" pitchFamily="34" charset="0"/>
+              </a:rPr>
               <a:t>Transfer</a:t>
             </a:r>
           </a:p>
@@ -39205,10 +39438,22 @@
               <a:buChar char="q"/>
             </a:pPr>
             <a:r>
-              <a:rPr lang="en-US" sz="2000" dirty="0"/>
+              <a:rPr lang="en-US" sz="2000" dirty="0">
+                <a:solidFill>
+                  <a:schemeClr val="tx1"/>
+                </a:solidFill>
+                <a:latin typeface="Arial" panose="020B0604020202020204" pitchFamily="34" charset="0"/>
+                <a:cs typeface="Arial" panose="020B0604020202020204" pitchFamily="34" charset="0"/>
+              </a:rPr>
               <a:t>Accept		</a:t>
             </a:r>
-            <a:endParaRPr lang="en-US" dirty="0"/>
+            <a:endParaRPr lang="en-US" dirty="0">
+              <a:solidFill>
+                <a:schemeClr val="tx1"/>
+              </a:solidFill>
+              <a:latin typeface="Arial" panose="020B0604020202020204" pitchFamily="34" charset="0"/>
+              <a:cs typeface="Arial" panose="020B0604020202020204" pitchFamily="34" charset="0"/>
+            </a:endParaRPr>
           </a:p>
         </p:txBody>
       </p:sp>
@@ -39258,7 +39503,10 @@
           <a:lstStyle/>
           <a:p>
             <a:r>
-              <a:rPr lang="en-US" dirty="0"/>
+              <a:rPr lang="en-US" dirty="0">
+                <a:latin typeface="Arial" panose="020B0604020202020204" pitchFamily="34" charset="0"/>
+                <a:cs typeface="Arial" panose="020B0604020202020204" pitchFamily="34" charset="0"/>
+              </a:rPr>
               <a:t>MAIN CONTENTS</a:t>
             </a:r>
           </a:p>
@@ -39374,8 +39622,11 @@
           <a:lstStyle/>
           <a:p>
             <a:r>
-              <a:rPr lang="en-US" dirty="0"/>
-              <a:t>Risk Management Process</a:t>
+              <a:rPr lang="en-US" dirty="0">
+                <a:latin typeface="Arial" panose="020B0604020202020204" pitchFamily="34" charset="0"/>
+                <a:cs typeface="Arial" panose="020B0604020202020204" pitchFamily="34" charset="0"/>
+              </a:rPr>
+              <a:t>RISK MANAGEMENT PLANNING PROCESS</a:t>
             </a:r>
           </a:p>
         </p:txBody>
@@ -39396,7 +39647,12 @@
             <p:ph idx="1"/>
           </p:nvPr>
         </p:nvSpPr>
-        <p:spPr/>
+        <p:spPr>
+          <a:xfrm>
+            <a:off x="609600" y="1846261"/>
+            <a:ext cx="10972800" cy="4103965"/>
+          </a:xfrm>
+        </p:spPr>
         <p:txBody>
           <a:bodyPr/>
           <a:lstStyle/>
@@ -39406,7 +39662,13 @@
               <a:buAutoNum type="romanUcPeriod" startAt="5"/>
             </a:pPr>
             <a:r>
-              <a:rPr lang="en-US" b="1" dirty="0"/>
+              <a:rPr lang="en-US" b="1" dirty="0">
+                <a:solidFill>
+                  <a:schemeClr val="tx1"/>
+                </a:solidFill>
+                <a:latin typeface="Arial" panose="020B0604020202020204" pitchFamily="34" charset="0"/>
+                <a:cs typeface="Arial" panose="020B0604020202020204" pitchFamily="34" charset="0"/>
+              </a:rPr>
               <a:t>Contingency Plan</a:t>
             </a:r>
           </a:p>
@@ -39415,7 +39677,13 @@
               <a:buNone/>
             </a:pPr>
             <a:r>
-              <a:rPr lang="en-US" sz="2000" dirty="0"/>
+              <a:rPr lang="en-US" sz="2000" dirty="0">
+                <a:solidFill>
+                  <a:schemeClr val="tx1"/>
+                </a:solidFill>
+                <a:latin typeface="Arial" panose="020B0604020202020204" pitchFamily="34" charset="0"/>
+                <a:cs typeface="Arial" panose="020B0604020202020204" pitchFamily="34" charset="0"/>
+              </a:rPr>
               <a:t>Project teams often develop an alternative method to accomplish a project goal when a risk event has been identified that can discourage the achievement of that goal. These plans are called contingency plans.</a:t>
             </a:r>
           </a:p>
@@ -39423,18 +39691,36 @@
             <a:pPr marL="800100" lvl="2" indent="0">
               <a:buNone/>
             </a:pPr>
-            <a:endParaRPr lang="en-US" sz="2000" dirty="0"/>
+            <a:endParaRPr lang="en-US" sz="2000" dirty="0">
+              <a:solidFill>
+                <a:schemeClr val="tx1"/>
+              </a:solidFill>
+              <a:latin typeface="Arial" panose="020B0604020202020204" pitchFamily="34" charset="0"/>
+              <a:cs typeface="Arial" panose="020B0604020202020204" pitchFamily="34" charset="0"/>
+            </a:endParaRPr>
           </a:p>
           <a:p>
             <a:pPr marL="800100" lvl="2" indent="0">
               <a:buNone/>
             </a:pPr>
             <a:r>
-              <a:rPr lang="en-US" sz="2000" b="1" dirty="0"/>
+              <a:rPr lang="en-US" sz="2000" b="1" dirty="0">
+                <a:solidFill>
+                  <a:schemeClr val="tx1"/>
+                </a:solidFill>
+                <a:latin typeface="Arial" panose="020B0604020202020204" pitchFamily="34" charset="0"/>
+                <a:cs typeface="Arial" panose="020B0604020202020204" pitchFamily="34" charset="0"/>
+              </a:rPr>
               <a:t>Example</a:t>
             </a:r>
             <a:r>
-              <a:rPr lang="en-US" sz="2000" dirty="0"/>
+              <a:rPr lang="en-US" sz="2000" dirty="0">
+                <a:solidFill>
+                  <a:schemeClr val="tx1"/>
+                </a:solidFill>
+                <a:latin typeface="Arial" panose="020B0604020202020204" pitchFamily="34" charset="0"/>
+                <a:cs typeface="Arial" panose="020B0604020202020204" pitchFamily="34" charset="0"/>
+              </a:rPr>
               <a:t>: The risk of a strike truck driver can be mitigated by a contingency plan using a train to transport the equipment needed for the project. If a critical part of the device is late, the impact on the schedule can be minimized by changing the schedule to accommodate late device delivery.</a:t>
             </a:r>
           </a:p>
@@ -39492,8 +39778,11 @@
           <a:lstStyle/>
           <a:p>
             <a:r>
-              <a:rPr lang="en-US" dirty="0"/>
-              <a:t>Risk Management Process</a:t>
+              <a:rPr lang="en-US" dirty="0">
+                <a:latin typeface="Arial" panose="020B0604020202020204" pitchFamily="34" charset="0"/>
+                <a:cs typeface="Arial" panose="020B0604020202020204" pitchFamily="34" charset="0"/>
+              </a:rPr>
+              <a:t>RISK MANAGEMENT PLANNING PROCESS</a:t>
             </a:r>
           </a:p>
         </p:txBody>
@@ -39526,7 +39815,13 @@
               <a:buAutoNum type="romanUcPeriod" startAt="6"/>
             </a:pPr>
             <a:r>
-              <a:rPr lang="en-US" b="1" dirty="0"/>
+              <a:rPr lang="en-US" b="1" dirty="0">
+                <a:solidFill>
+                  <a:schemeClr val="tx1"/>
+                </a:solidFill>
+                <a:latin typeface="Arial" panose="020B0604020202020204" pitchFamily="34" charset="0"/>
+                <a:cs typeface="Arial" panose="020B0604020202020204" pitchFamily="34" charset="0"/>
+              </a:rPr>
               <a:t>Project Risk By Phases</a:t>
             </a:r>
           </a:p>
@@ -39536,11 +39831,23 @@
               <a:buAutoNum type="alphaLcPeriod"/>
             </a:pPr>
             <a:r>
-              <a:rPr lang="en-US" sz="2400" b="1" dirty="0"/>
+              <a:rPr lang="en-US" sz="2400" b="1" dirty="0">
+                <a:solidFill>
+                  <a:schemeClr val="tx1"/>
+                </a:solidFill>
+                <a:latin typeface="Arial" panose="020B0604020202020204" pitchFamily="34" charset="0"/>
+                <a:cs typeface="Arial" panose="020B0604020202020204" pitchFamily="34" charset="0"/>
+              </a:rPr>
               <a:t> </a:t>
             </a:r>
             <a:r>
-              <a:rPr lang="en-US" sz="2400" dirty="0"/>
+              <a:rPr lang="en-US" sz="2400" dirty="0">
+                <a:solidFill>
+                  <a:schemeClr val="tx1"/>
+                </a:solidFill>
+                <a:latin typeface="Arial" panose="020B0604020202020204" pitchFamily="34" charset="0"/>
+                <a:cs typeface="Arial" panose="020B0604020202020204" pitchFamily="34" charset="0"/>
+              </a:rPr>
               <a:t>Initiation</a:t>
             </a:r>
           </a:p>
@@ -39549,7 +39856,13 @@
               <a:buNone/>
             </a:pPr>
             <a:r>
-              <a:rPr lang="en-US" sz="2400" dirty="0"/>
+              <a:rPr lang="en-US" sz="2400" dirty="0">
+                <a:solidFill>
+                  <a:schemeClr val="tx1"/>
+                </a:solidFill>
+                <a:latin typeface="Arial" panose="020B0604020202020204" pitchFamily="34" charset="0"/>
+                <a:cs typeface="Arial" panose="020B0604020202020204" pitchFamily="34" charset="0"/>
+              </a:rPr>
               <a:t>Project risks are handled in different ways depending on the stage of the project.</a:t>
             </a:r>
           </a:p>
@@ -39557,14 +39870,26 @@
             <a:pPr marL="1257300" lvl="3" indent="0">
               <a:buNone/>
             </a:pPr>
-            <a:endParaRPr lang="en-US" sz="2400" dirty="0"/>
+            <a:endParaRPr lang="en-US" sz="2400" dirty="0">
+              <a:solidFill>
+                <a:schemeClr val="tx1"/>
+              </a:solidFill>
+              <a:latin typeface="Arial" panose="020B0604020202020204" pitchFamily="34" charset="0"/>
+              <a:cs typeface="Arial" panose="020B0604020202020204" pitchFamily="34" charset="0"/>
+            </a:endParaRPr>
           </a:p>
           <a:p>
             <a:pPr marL="1257300" lvl="3" indent="0">
               <a:buNone/>
             </a:pPr>
             <a:r>
-              <a:rPr lang="en-US" sz="2400" dirty="0"/>
+              <a:rPr lang="en-US" sz="2400" dirty="0">
+                <a:solidFill>
+                  <a:schemeClr val="tx1"/>
+                </a:solidFill>
+                <a:latin typeface="Arial" panose="020B0604020202020204" pitchFamily="34" charset="0"/>
+                <a:cs typeface="Arial" panose="020B0604020202020204" pitchFamily="34" charset="0"/>
+              </a:rPr>
               <a:t>Start:</a:t>
             </a:r>
           </a:p>
@@ -39573,7 +39898,13 @@
               <a:buNone/>
             </a:pPr>
             <a:r>
-              <a:rPr lang="en-US" sz="2400" dirty="0"/>
+              <a:rPr lang="en-US" sz="2400" dirty="0">
+                <a:solidFill>
+                  <a:schemeClr val="tx1"/>
+                </a:solidFill>
+                <a:latin typeface="Arial" panose="020B0604020202020204" pitchFamily="34" charset="0"/>
+                <a:cs typeface="Arial" panose="020B0604020202020204" pitchFamily="34" charset="0"/>
+              </a:rPr>
               <a:t>Risks related to the unknown. Many things are unknown at the start of the project, but the risks must be considered in the inception phase and weighed against the potential benefits of the project's success to decide whether or not to choose the project.</a:t>
             </a:r>
           </a:p>
@@ -39581,7 +39912,13 @@
             <a:pPr marL="0" indent="0">
               <a:buNone/>
             </a:pPr>
-            <a:endParaRPr lang="en-US" dirty="0"/>
+            <a:endParaRPr lang="en-US" dirty="0">
+              <a:solidFill>
+                <a:schemeClr val="tx1"/>
+              </a:solidFill>
+              <a:latin typeface="Arial" panose="020B0604020202020204" pitchFamily="34" charset="0"/>
+              <a:cs typeface="Arial" panose="020B0604020202020204" pitchFamily="34" charset="0"/>
+            </a:endParaRPr>
           </a:p>
         </p:txBody>
       </p:sp>
@@ -39637,8 +39974,11 @@
           <a:lstStyle/>
           <a:p>
             <a:r>
-              <a:rPr lang="en-US" dirty="0"/>
-              <a:t>Risk Management Process</a:t>
+              <a:rPr lang="en-US" dirty="0">
+                <a:latin typeface="Arial" panose="020B0604020202020204" pitchFamily="34" charset="0"/>
+                <a:cs typeface="Arial" panose="020B0604020202020204" pitchFamily="34" charset="0"/>
+              </a:rPr>
+              <a:t>RISK MANAGEMENT PLANNING PROCESS</a:t>
             </a:r>
           </a:p>
         </p:txBody>
@@ -39678,6 +40018,8 @@
                 <a:solidFill>
                   <a:schemeClr val="tx1"/>
                 </a:solidFill>
+                <a:latin typeface="Arial" panose="020B0604020202020204" pitchFamily="34" charset="0"/>
+                <a:cs typeface="Arial" panose="020B0604020202020204" pitchFamily="34" charset="0"/>
               </a:rPr>
               <a:t> Project Risk By Phases</a:t>
             </a:r>
@@ -39688,10 +40030,12 @@
               <a:buAutoNum type="alphaLcPeriod" startAt="2"/>
             </a:pPr>
             <a:r>
-              <a:rPr lang="en-US" sz="1800" b="1" dirty="0">
+              <a:rPr lang="en-US" sz="2000" b="1" dirty="0">
                 <a:solidFill>
                   <a:schemeClr val="tx1"/>
                 </a:solidFill>
+                <a:latin typeface="Arial" panose="020B0604020202020204" pitchFamily="34" charset="0"/>
+                <a:cs typeface="Arial" panose="020B0604020202020204" pitchFamily="34" charset="0"/>
               </a:rPr>
               <a:t>Planning phases</a:t>
             </a:r>
@@ -39701,10 +40045,12 @@
               <a:buNone/>
             </a:pPr>
             <a:r>
-              <a:rPr lang="en-US" sz="1800" dirty="0">
+              <a:rPr lang="en-US" dirty="0">
                 <a:solidFill>
                   <a:schemeClr val="tx1"/>
                 </a:solidFill>
+                <a:latin typeface="Arial" panose="020B0604020202020204" pitchFamily="34" charset="0"/>
+                <a:cs typeface="Arial" panose="020B0604020202020204" pitchFamily="34" charset="0"/>
               </a:rPr>
               <a:t>Once the project is approved and it moves into the planning stage, risks are identified for each major activity group. A risk division structure (RBS) can be used to determine the level of detailed risk analysis.</a:t>
             </a:r>
@@ -39715,10 +40061,12 @@
               <a:buAutoNum type="alphaLcPeriod" startAt="2"/>
             </a:pPr>
             <a:r>
-              <a:rPr lang="en-US" sz="1800" b="1" dirty="0">
+              <a:rPr lang="en-US" sz="2000" b="1" dirty="0">
                 <a:solidFill>
                   <a:schemeClr val="tx1"/>
                 </a:solidFill>
+                <a:latin typeface="Arial" panose="020B0604020202020204" pitchFamily="34" charset="0"/>
+                <a:cs typeface="Arial" panose="020B0604020202020204" pitchFamily="34" charset="0"/>
               </a:rPr>
               <a:t>Implementation phases</a:t>
             </a:r>
@@ -39728,10 +40076,12 @@
               <a:buNone/>
             </a:pPr>
             <a:r>
-              <a:rPr lang="en-US" sz="1800" dirty="0">
+              <a:rPr lang="en-US" dirty="0">
                 <a:solidFill>
                   <a:schemeClr val="tx1"/>
                 </a:solidFill>
+                <a:latin typeface="Arial" panose="020B0604020202020204" pitchFamily="34" charset="0"/>
+                <a:cs typeface="Arial" panose="020B0604020202020204" pitchFamily="34" charset="0"/>
               </a:rPr>
               <a:t>As the project progresses and more information is available to the project team, the overall risk on the project often decreases, because the activities are carried out without loss. The risk plan should be updated with new information and check the risks associated with the activities performed.</a:t>
             </a:r>
@@ -39742,10 +40092,12 @@
               <a:buAutoNum type="alphaLcPeriod" startAt="2"/>
             </a:pPr>
             <a:r>
-              <a:rPr lang="en-US" sz="1800" b="1" dirty="0">
+              <a:rPr lang="en-US" sz="2000" b="1" dirty="0">
                 <a:solidFill>
                   <a:schemeClr val="tx1"/>
                 </a:solidFill>
+                <a:latin typeface="Arial" panose="020B0604020202020204" pitchFamily="34" charset="0"/>
+                <a:cs typeface="Arial" panose="020B0604020202020204" pitchFamily="34" charset="0"/>
               </a:rPr>
               <a:t>Closeout Phases</a:t>
             </a:r>
@@ -39755,18 +40107,22 @@
               <a:buNone/>
             </a:pPr>
             <a:r>
-              <a:rPr lang="en-US" sz="1800" dirty="0">
+              <a:rPr lang="en-US" dirty="0">
                 <a:solidFill>
                   <a:schemeClr val="tx1"/>
                 </a:solidFill>
+                <a:latin typeface="Arial" panose="020B0604020202020204" pitchFamily="34" charset="0"/>
+                <a:cs typeface="Arial" panose="020B0604020202020204" pitchFamily="34" charset="0"/>
               </a:rPr>
               <a:t>In the closing phase, risk sharing and risk transfer arrangements should be signed and the risk-sharing structure checked to ensure that all risk events have been avoided or minimized. Final estimates of risk losses can be made and recorded as part of the project document</a:t>
             </a:r>
             <a:r>
-              <a:rPr lang="en-US" sz="1800" b="1" dirty="0">
+              <a:rPr lang="en-US" b="1" dirty="0">
                 <a:solidFill>
                   <a:schemeClr val="tx1"/>
                 </a:solidFill>
+                <a:latin typeface="Arial" panose="020B0604020202020204" pitchFamily="34" charset="0"/>
+                <a:cs typeface="Arial" panose="020B0604020202020204" pitchFamily="34" charset="0"/>
               </a:rPr>
               <a:t>.</a:t>
             </a:r>
@@ -39776,6 +40132,8 @@
               <a:solidFill>
                 <a:schemeClr val="tx1"/>
               </a:solidFill>
+              <a:latin typeface="Arial" panose="020B0604020202020204" pitchFamily="34" charset="0"/>
+              <a:cs typeface="Arial" panose="020B0604020202020204" pitchFamily="34" charset="0"/>
             </a:endParaRPr>
           </a:p>
         </p:txBody>
@@ -39834,10 +40192,15 @@
                     </a:srgbClr>
                   </a:outerShdw>
                 </a:effectLst>
+                <a:latin typeface="Arial" panose="020B0604020202020204" pitchFamily="34" charset="0"/>
+                <a:cs typeface="Arial" panose="020B0604020202020204" pitchFamily="34" charset="0"/>
               </a:rPr>
               <a:t>RISK ANALYSIS</a:t>
             </a:r>
-            <a:endParaRPr lang="en-US" dirty="0"/>
+            <a:endParaRPr lang="en-US" dirty="0">
+              <a:latin typeface="Arial" panose="020B0604020202020204" pitchFamily="34" charset="0"/>
+              <a:cs typeface="Arial" panose="020B0604020202020204" pitchFamily="34" charset="0"/>
+            </a:endParaRPr>
           </a:p>
         </p:txBody>
       </p:sp>
@@ -42579,7 +42942,8 @@
             <a:pPr algn="l"/>
             <a:r>
               <a:rPr lang="en-US" sz="5400" dirty="0">
-                <a:latin typeface="+mn-lt"/>
+                <a:latin typeface="Arial" panose="020B0604020202020204" pitchFamily="34" charset="0"/>
+                <a:cs typeface="Arial" panose="020B0604020202020204" pitchFamily="34" charset="0"/>
               </a:rPr>
               <a:t>What is risk/risk management? </a:t>
             </a:r>
@@ -42622,6 +42986,8 @@
                 <a:solidFill>
                   <a:schemeClr val="tx1"/>
                 </a:solidFill>
+                <a:latin typeface="Arial" panose="020B0604020202020204" pitchFamily="34" charset="0"/>
+                <a:cs typeface="Arial" panose="020B0604020202020204" pitchFamily="34" charset="0"/>
               </a:rPr>
               <a:t>What’s risk ?</a:t>
             </a:r>
@@ -42635,6 +43001,8 @@
                 <a:solidFill>
                   <a:schemeClr val="tx1"/>
                 </a:solidFill>
+                <a:latin typeface="Arial" panose="020B0604020202020204" pitchFamily="34" charset="0"/>
+                <a:cs typeface="Arial" panose="020B0604020202020204" pitchFamily="34" charset="0"/>
               </a:rPr>
               <a:t>	- Any time and anything occurred in project and change the result 		  project.</a:t>
             </a:r>
@@ -42648,6 +43016,8 @@
                 <a:solidFill>
                   <a:schemeClr val="tx1"/>
                 </a:solidFill>
+                <a:latin typeface="Arial" panose="020B0604020202020204" pitchFamily="34" charset="0"/>
+                <a:cs typeface="Arial" panose="020B0604020202020204" pitchFamily="34" charset="0"/>
               </a:rPr>
               <a:t>	- It’s make </a:t>
             </a:r>
@@ -42656,6 +43026,8 @@
                 <a:solidFill>
                   <a:schemeClr val="tx1"/>
                 </a:solidFill>
+                <a:latin typeface="Arial" panose="020B0604020202020204" pitchFamily="34" charset="0"/>
+                <a:cs typeface="Arial" panose="020B0604020202020204" pitchFamily="34" charset="0"/>
               </a:rPr>
               <a:t>us have to change plan project before.</a:t>
             </a:r>
@@ -42668,6 +43040,8 @@
               <a:solidFill>
                 <a:schemeClr val="tx1"/>
               </a:solidFill>
+              <a:latin typeface="Arial" panose="020B0604020202020204" pitchFamily="34" charset="0"/>
+              <a:cs typeface="Arial" panose="020B0604020202020204" pitchFamily="34" charset="0"/>
             </a:endParaRPr>
           </a:p>
           <a:p>
@@ -42679,6 +43053,8 @@
                 <a:solidFill>
                   <a:schemeClr val="tx1"/>
                 </a:solidFill>
+                <a:latin typeface="Arial" panose="020B0604020202020204" pitchFamily="34" charset="0"/>
+                <a:cs typeface="Arial" panose="020B0604020202020204" pitchFamily="34" charset="0"/>
               </a:rPr>
               <a:t>What’s risk management ?</a:t>
             </a:r>
@@ -42692,6 +43068,8 @@
                 <a:solidFill>
                   <a:schemeClr val="tx1"/>
                 </a:solidFill>
+                <a:latin typeface="Arial" panose="020B0604020202020204" pitchFamily="34" charset="0"/>
+                <a:cs typeface="Arial" panose="020B0604020202020204" pitchFamily="34" charset="0"/>
               </a:rPr>
               <a:t>	- Risk Management is the process of identifying, analyzing and 	   	  responding.</a:t>
             </a:r>
@@ -45150,7 +45528,8 @@
             <a:pPr algn="l"/>
             <a:r>
               <a:rPr lang="en-US" dirty="0">
-                <a:latin typeface="+mn-lt"/>
+                <a:latin typeface="Arial" panose="020B0604020202020204" pitchFamily="34" charset="0"/>
+                <a:cs typeface="Arial" panose="020B0604020202020204" pitchFamily="34" charset="0"/>
               </a:rPr>
               <a:t>Why need risk management?</a:t>
             </a:r>
@@ -45193,6 +45572,8 @@
                 <a:solidFill>
                   <a:schemeClr val="tx1"/>
                 </a:solidFill>
+                <a:latin typeface="Arial" panose="020B0604020202020204" pitchFamily="34" charset="0"/>
+                <a:cs typeface="Arial" panose="020B0604020202020204" pitchFamily="34" charset="0"/>
               </a:rPr>
               <a:t>The purpose of risk management is to:</a:t>
             </a:r>
@@ -45204,6 +45585,8 @@
                 <a:solidFill>
                   <a:schemeClr val="tx1"/>
                 </a:solidFill>
+                <a:latin typeface="Arial" panose="020B0604020202020204" pitchFamily="34" charset="0"/>
+                <a:cs typeface="Arial" panose="020B0604020202020204" pitchFamily="34" charset="0"/>
               </a:rPr>
               <a:t>Identify possible risks.</a:t>
             </a:r>
@@ -45215,6 +45598,8 @@
                 <a:solidFill>
                   <a:schemeClr val="tx1"/>
                 </a:solidFill>
+                <a:latin typeface="Arial" panose="020B0604020202020204" pitchFamily="34" charset="0"/>
+                <a:cs typeface="Arial" panose="020B0604020202020204" pitchFamily="34" charset="0"/>
               </a:rPr>
               <a:t>Reduce or allocate risks.</a:t>
             </a:r>
@@ -45226,6 +45611,8 @@
                 <a:solidFill>
                   <a:schemeClr val="tx1"/>
                 </a:solidFill>
+                <a:latin typeface="Arial" panose="020B0604020202020204" pitchFamily="34" charset="0"/>
+                <a:cs typeface="Arial" panose="020B0604020202020204" pitchFamily="34" charset="0"/>
               </a:rPr>
               <a:t>Provide a rational basis for better decision making in regards to all risks.</a:t>
             </a:r>
@@ -45239,6 +45626,8 @@
                 <a:solidFill>
                   <a:schemeClr val="tx1"/>
                 </a:solidFill>
+                <a:latin typeface="Arial" panose="020B0604020202020204" pitchFamily="34" charset="0"/>
+                <a:cs typeface="Arial" panose="020B0604020202020204" pitchFamily="34" charset="0"/>
               </a:rPr>
               <a:t>Assessing and managing risks is the best weapon you have against project catastrophes. By evaluating your plan for potential problems and developing strategies to address them, you’ll improve your chances of a successful, if not perfect, project.</a:t>
             </a:r>
@@ -46824,7 +47213,8 @@
             <a:pPr algn="l"/>
             <a:r>
               <a:rPr lang="en-US" dirty="0">
-                <a:latin typeface="+mn-lt"/>
+                <a:latin typeface="Arial" panose="020B0604020202020204" pitchFamily="34" charset="0"/>
+                <a:cs typeface="Arial" panose="020B0604020202020204" pitchFamily="34" charset="0"/>
               </a:rPr>
               <a:t>Why do risk management?</a:t>
             </a:r>
@@ -46860,6 +47250,8 @@
                 <a:solidFill>
                   <a:schemeClr val="tx1"/>
                 </a:solidFill>
+                <a:latin typeface="Arial" panose="020B0604020202020204" pitchFamily="34" charset="0"/>
+                <a:cs typeface="Arial" panose="020B0604020202020204" pitchFamily="34" charset="0"/>
               </a:rPr>
               <a:t>Additionally, continuous risk management will:</a:t>
             </a:r>
@@ -46871,6 +47263,8 @@
                 <a:solidFill>
                   <a:schemeClr val="tx1"/>
                 </a:solidFill>
+                <a:latin typeface="Arial" panose="020B0604020202020204" pitchFamily="34" charset="0"/>
+                <a:cs typeface="Arial" panose="020B0604020202020204" pitchFamily="34" charset="0"/>
               </a:rPr>
               <a:t>Ensure that high priority risks are aggressively managed and that all risks are cost-effectively managed throughout the project.</a:t>
             </a:r>
@@ -46882,12 +47276,17 @@
                 <a:solidFill>
                   <a:schemeClr val="tx1"/>
                 </a:solidFill>
+                <a:latin typeface="Arial" panose="020B0604020202020204" pitchFamily="34" charset="0"/>
+                <a:cs typeface="Arial" panose="020B0604020202020204" pitchFamily="34" charset="0"/>
               </a:rPr>
               <a:t>Provide management at all levels with the information required to make informed decisions on issues critical to project success.</a:t>
             </a:r>
           </a:p>
           <a:p>
-            <a:endParaRPr lang="en-US" dirty="0"/>
+            <a:endParaRPr lang="en-US" dirty="0">
+              <a:latin typeface="Arial" panose="020B0604020202020204" pitchFamily="34" charset="0"/>
+              <a:cs typeface="Arial" panose="020B0604020202020204" pitchFamily="34" charset="0"/>
+            </a:endParaRPr>
           </a:p>
         </p:txBody>
       </p:sp>
@@ -47137,7 +47536,8 @@
           <a:p>
             <a:r>
               <a:rPr lang="en-US" sz="6600" dirty="0">
-                <a:latin typeface="+mn-lt"/>
+                <a:latin typeface="Arial" panose="020B0604020202020204" pitchFamily="34" charset="0"/>
+                <a:cs typeface="Arial" panose="020B0604020202020204" pitchFamily="34" charset="0"/>
               </a:rPr>
               <a:t>How to do risk management?</a:t>
             </a:r>
@@ -47196,9 +47596,13 @@
           <a:lstStyle/>
           <a:p>
             <a:r>
-              <a:rPr lang="en-US" dirty="0"/>
-              <a:t>Risk Management Planning</a:t>
+              <a:rPr lang="en-US" dirty="0">
+                <a:latin typeface="Arial" panose="020B0604020202020204" pitchFamily="34" charset="0"/>
+                <a:cs typeface="Arial" panose="020B0604020202020204" pitchFamily="34" charset="0"/>
+              </a:rPr>
+              <a:t>RISK MANAGEMENT PLANNING</a:t>
             </a:r>
+            <a:endParaRPr lang="en-US" dirty="0"/>
           </a:p>
         </p:txBody>
       </p:sp>
@@ -47220,13 +47624,13 @@
         </p:nvSpPr>
         <p:spPr>
           <a:xfrm>
-            <a:off x="609600" y="1846262"/>
-            <a:ext cx="10972800" cy="2382838"/>
+            <a:off x="609600" y="1846261"/>
+            <a:ext cx="10972800" cy="3414852"/>
           </a:xfrm>
         </p:spPr>
         <p:txBody>
           <a:bodyPr>
-            <a:normAutofit fontScale="92500"/>
+            <a:normAutofit/>
           </a:bodyPr>
           <a:lstStyle/>
           <a:p>
@@ -47235,26 +47639,40 @@
               <a:buAutoNum type="romanUcPeriod"/>
             </a:pPr>
             <a:r>
-              <a:rPr lang="en-US" b="1" dirty="0"/>
+              <a:rPr lang="en-US" b="1" dirty="0">
+                <a:solidFill>
+                  <a:schemeClr val="tx1"/>
+                </a:solidFill>
+                <a:latin typeface="Arial" panose="020B0604020202020204" pitchFamily="34" charset="0"/>
+                <a:cs typeface="Arial" panose="020B0604020202020204" pitchFamily="34" charset="0"/>
+              </a:rPr>
               <a:t>What’s risk management planning</a:t>
             </a:r>
           </a:p>
           <a:p>
-            <a:pPr marL="0" indent="0">
-              <a:buNone/>
-            </a:pPr>
+            <a:pPr lvl="1"/>
             <a:r>
-              <a:rPr lang="en-US" dirty="0"/>
-              <a:t>	-  As stated above, risks are any events or conditions and occurred on project and it 	   make us have to change the plans before and change the outcome of project.</a:t>
+              <a:rPr lang="en-US" sz="2400" dirty="0">
+                <a:solidFill>
+                  <a:schemeClr val="tx1"/>
+                </a:solidFill>
+                <a:latin typeface="Arial" panose="020B0604020202020204" pitchFamily="34" charset="0"/>
+                <a:cs typeface="Arial" panose="020B0604020202020204" pitchFamily="34" charset="0"/>
+              </a:rPr>
+              <a:t>As stated above, risks are any events or conditions and occurred on project and it 	make us have to change the plans before and change the outcome of project.</a:t>
             </a:r>
           </a:p>
           <a:p>
-            <a:pPr marL="0" indent="0">
-              <a:buNone/>
-            </a:pPr>
+            <a:pPr lvl="1"/>
             <a:r>
-              <a:rPr lang="en-US" dirty="0"/>
-              <a:t>	-  So, risk project management planning is process we create the plan to risk 	  	   management, approach, handle to minimize the disadvantages of risks caused.</a:t>
+              <a:rPr lang="en-US" sz="2400" dirty="0">
+                <a:solidFill>
+                  <a:schemeClr val="tx1"/>
+                </a:solidFill>
+                <a:latin typeface="Arial" panose="020B0604020202020204" pitchFamily="34" charset="0"/>
+                <a:cs typeface="Arial" panose="020B0604020202020204" pitchFamily="34" charset="0"/>
+              </a:rPr>
+              <a:t>So, risk project management planning is process we create the plan to risk management, approach, handle to minimize the disadvantages of risks caused.</a:t>
             </a:r>
           </a:p>
         </p:txBody>
@@ -47311,8 +47729,18 @@
           <a:lstStyle/>
           <a:p>
             <a:r>
-              <a:rPr lang="en-US" dirty="0"/>
-              <a:t>Risk Management Planning</a:t>
+              <a:rPr lang="en-US" dirty="0">
+                <a:effectLst>
+                  <a:outerShdw blurRad="38100" dist="38100" dir="2700000" algn="tl">
+                    <a:srgbClr val="000000">
+                      <a:alpha val="43137"/>
+                    </a:srgbClr>
+                  </a:outerShdw>
+                </a:effectLst>
+                <a:latin typeface="Arial" panose="020B0604020202020204" pitchFamily="34" charset="0"/>
+                <a:cs typeface="Arial" panose="020B0604020202020204" pitchFamily="34" charset="0"/>
+              </a:rPr>
+              <a:t>RISK MANAGEMENT PLANNING</a:t>
             </a:r>
           </a:p>
         </p:txBody>
@@ -47335,8 +47763,8 @@
         </p:nvSpPr>
         <p:spPr>
           <a:xfrm>
-            <a:off x="609600" y="1846262"/>
-            <a:ext cx="10972800" cy="3628708"/>
+            <a:off x="609600" y="1846261"/>
+            <a:ext cx="10972800" cy="3891929"/>
           </a:xfrm>
         </p:spPr>
         <p:txBody>
@@ -47350,27 +47778,36 @@
               <a:buAutoNum type="romanUcPeriod" startAt="2"/>
             </a:pPr>
             <a:r>
-              <a:rPr lang="en-US" b="1" dirty="0"/>
+              <a:rPr lang="en-US" b="1" dirty="0">
+                <a:solidFill>
+                  <a:schemeClr val="tx1"/>
+                </a:solidFill>
+              </a:rPr>
               <a:t>Why we need to risk management planning</a:t>
             </a:r>
+            <a:endParaRPr lang="en-US" sz="2200" b="1" dirty="0">
+              <a:solidFill>
+                <a:schemeClr val="tx1"/>
+              </a:solidFill>
+            </a:endParaRPr>
           </a:p>
           <a:p>
-            <a:pPr marL="0" indent="0">
-              <a:buNone/>
-            </a:pPr>
-            <a:endParaRPr lang="en-US" b="1" dirty="0"/>
-          </a:p>
-          <a:p>
-            <a:pPr marL="457200" lvl="1" indent="0">
-              <a:buNone/>
-            </a:pPr>
+            <a:pPr lvl="1"/>
             <a:r>
-              <a:rPr lang="en-US" b="1" dirty="0"/>
+              <a:rPr lang="en-US" sz="2200" b="1" dirty="0">
+                <a:solidFill>
+                  <a:schemeClr val="tx1"/>
+                </a:solidFill>
+              </a:rPr>
               <a:t>	</a:t>
             </a:r>
             <a:r>
-              <a:rPr lang="en-US" sz="2000" dirty="0"/>
-              <a:t>There is no guarantee that your project will go smoothly with the plan you have set, any 	small fluctuations can occur in your project and it will also affect a somehow comes to 	the project plan and changes the results, schedule, plan of the project. And we call it risk.</a:t>
+              <a:rPr lang="en-US" sz="2200" dirty="0">
+                <a:solidFill>
+                  <a:schemeClr val="tx1"/>
+                </a:solidFill>
+              </a:rPr>
+              <a:t>There is no guarantee that your project will go smoothly with the plan you have set, any small fluctuations can occur in your project and it will also affect a somehow comes to the project plan and changes the results, schedule, plan of the project. And we call it risk.</a:t>
             </a:r>
           </a:p>
           <a:p>
@@ -47378,32 +47815,44 @@
               <a:buNone/>
             </a:pPr>
             <a:r>
-              <a:rPr lang="en-US" sz="2000" dirty="0"/>
+              <a:rPr lang="en-US" sz="2200" dirty="0">
+                <a:solidFill>
+                  <a:schemeClr val="tx1"/>
+                </a:solidFill>
+              </a:rPr>
               <a:t>	</a:t>
+            </a:r>
+          </a:p>
+          <a:p>
+            <a:pPr lvl="1"/>
+            <a:r>
+              <a:rPr lang="en-US" sz="2200" dirty="0">
+                <a:solidFill>
+                  <a:schemeClr val="tx1"/>
+                </a:solidFill>
+              </a:rPr>
+              <a:t>	By the time the risk actually occurred to your project, it was too late to do anything about  it. That's why you need to plan for risk in the first place and keep coming back for more  planning throughout the project.</a:t>
             </a:r>
           </a:p>
           <a:p>
             <a:pPr marL="457200" lvl="1" indent="0">
               <a:buNone/>
             </a:pPr>
-            <a:r>
-              <a:rPr lang="en-US" sz="2000" dirty="0"/>
-              <a:t>	By the time the risk actually occurred to your project, it was too late to do anything about 	it. That's why you need to plan for risk in the first place and keep coming back for more 	planning throughout the project.</a:t>
-            </a:r>
+            <a:endParaRPr lang="en-US" sz="2200" dirty="0">
+              <a:solidFill>
+                <a:schemeClr val="tx1"/>
+              </a:solidFill>
+            </a:endParaRPr>
           </a:p>
           <a:p>
-            <a:pPr marL="457200" lvl="1" indent="0">
-              <a:buNone/>
-            </a:pPr>
-            <a:endParaRPr lang="en-US" sz="2000" dirty="0"/>
-          </a:p>
-          <a:p>
-            <a:pPr marL="457200" lvl="1" indent="0">
-              <a:buNone/>
-            </a:pPr>
+            <a:pPr lvl="1"/>
             <a:r>
-              <a:rPr lang="en-US" sz="2000" dirty="0"/>
-              <a:t>	The risk management plan tells you how you will handle risks in your project. This 	document records how you assess the risk, who is responsible for the 	implementation, and how often you conduct risk 	planning.</a:t>
+              <a:rPr lang="en-US" sz="2200" dirty="0">
+                <a:solidFill>
+                  <a:schemeClr val="tx1"/>
+                </a:solidFill>
+              </a:rPr>
+              <a:t>	The risk management plan tells you how you will handle risks in your project. This 	document records how you assess the risk, who is responsible for the	implementation, and how often you conduct risk planning.</a:t>
             </a:r>
           </a:p>
         </p:txBody>
@@ -47460,8 +47909,11 @@
           <a:lstStyle/>
           <a:p>
             <a:r>
-              <a:rPr lang="en-US" dirty="0"/>
-              <a:t>Risk Management Planning</a:t>
+              <a:rPr lang="en-US" dirty="0">
+                <a:latin typeface="Arial" panose="020B0604020202020204" pitchFamily="34" charset="0"/>
+                <a:cs typeface="Arial" panose="020B0604020202020204" pitchFamily="34" charset="0"/>
+              </a:rPr>
+              <a:t>RISK MANAGEMENT PLANNING PROCESS</a:t>
             </a:r>
           </a:p>
         </p:txBody>
@@ -47499,7 +47951,11 @@
               <a:buAutoNum type="romanUcPeriod" startAt="3"/>
             </a:pPr>
             <a:r>
-              <a:rPr lang="en-US" b="1" dirty="0"/>
+              <a:rPr lang="en-US" b="1" dirty="0">
+                <a:solidFill>
+                  <a:schemeClr val="tx1"/>
+                </a:solidFill>
+              </a:rPr>
               <a:t>How to planning with risk.</a:t>
             </a:r>
           </a:p>
@@ -47508,11 +47964,19 @@
               <a:buNone/>
             </a:pPr>
             <a:r>
-              <a:rPr lang="en-US" dirty="0"/>
+              <a:rPr lang="en-US" dirty="0">
+                <a:solidFill>
+                  <a:schemeClr val="tx1"/>
+                </a:solidFill>
+              </a:rPr>
               <a:t>	</a:t>
             </a:r>
             <a:r>
-              <a:rPr lang="en-US" sz="2000" dirty="0"/>
+              <a:rPr lang="en-US" sz="2000" dirty="0">
+                <a:solidFill>
+                  <a:schemeClr val="tx1"/>
+                </a:solidFill>
+              </a:rPr>
               <a:t>When you plan your project, the risks are still uncertain. But in the end, some of the 	risks 	you plan to take place, and that's when you need to deal with them. And here we 	have 	four basic ways to handle risk</a:t>
             </a:r>
           </a:p>
@@ -47520,7 +47984,11 @@
             <a:pPr marL="0" indent="0">
               <a:buNone/>
             </a:pPr>
-            <a:endParaRPr lang="en-US" sz="2000" dirty="0"/>
+            <a:endParaRPr lang="en-US" sz="2000" dirty="0">
+              <a:solidFill>
+                <a:schemeClr val="tx1"/>
+              </a:solidFill>
+            </a:endParaRPr>
           </a:p>
           <a:p>
             <a:pPr lvl="1">
@@ -47528,14 +47996,22 @@
               <a:buChar char="q"/>
             </a:pPr>
             <a:r>
-              <a:rPr lang="en-US" sz="2000" b="1" dirty="0"/>
+              <a:rPr lang="en-US" sz="2000" b="1" dirty="0">
+                <a:solidFill>
+                  <a:schemeClr val="tx1"/>
+                </a:solidFill>
+              </a:rPr>
               <a:t>Avoid</a:t>
             </a:r>
           </a:p>
           <a:p>
             <a:pPr lvl="2"/>
             <a:r>
-              <a:rPr lang="en-US" sz="2000" dirty="0"/>
+              <a:rPr lang="en-US" sz="2000" dirty="0">
+                <a:solidFill>
+                  <a:schemeClr val="tx1"/>
+                </a:solidFill>
+              </a:rPr>
               <a:t>Is trying to avoid, eliminate or minimize the likelihood of risk (it's like you will limit or not go out at 12 pm to avoid being killed)</a:t>
             </a:r>
           </a:p>
@@ -47543,7 +48019,11 @@
             <a:pPr marL="914400" lvl="2" indent="0">
               <a:buNone/>
             </a:pPr>
-            <a:endParaRPr lang="en-US" sz="2000" dirty="0"/>
+            <a:endParaRPr lang="en-US" sz="2000" dirty="0">
+              <a:solidFill>
+                <a:schemeClr val="tx1"/>
+              </a:solidFill>
+            </a:endParaRPr>
           </a:p>
           <a:p>
             <a:pPr lvl="1">
@@ -47551,14 +48031,22 @@
               <a:buChar char="q"/>
             </a:pPr>
             <a:r>
-              <a:rPr lang="en-US" sz="2000" b="1" dirty="0"/>
+              <a:rPr lang="en-US" sz="2000" b="1" dirty="0">
+                <a:solidFill>
+                  <a:schemeClr val="tx1"/>
+                </a:solidFill>
+              </a:rPr>
               <a:t>Mitigate</a:t>
             </a:r>
           </a:p>
           <a:p>
             <a:pPr lvl="2"/>
             <a:r>
-              <a:rPr lang="en-US" sz="2000" dirty="0"/>
+              <a:rPr lang="en-US" sz="2000" dirty="0">
+                <a:solidFill>
+                  <a:schemeClr val="tx1"/>
+                </a:solidFill>
+              </a:rPr>
               <a:t>As a measure to minimize the possible damage (this method is like you wear a helmet when driving to minimize the possibility of an accident and injure you)</a:t>
             </a:r>
           </a:p>
@@ -47566,20 +48054,32 @@
             <a:pPr marL="0" indent="0">
               <a:buNone/>
             </a:pPr>
-            <a:endParaRPr lang="en-US" dirty="0"/>
+            <a:endParaRPr lang="en-US" dirty="0">
+              <a:solidFill>
+                <a:schemeClr val="tx1"/>
+              </a:solidFill>
+            </a:endParaRPr>
           </a:p>
           <a:p>
             <a:pPr marL="514350" indent="-514350">
               <a:buFont typeface="+mj-lt"/>
               <a:buAutoNum type="romanUcPeriod" startAt="3"/>
             </a:pPr>
-            <a:endParaRPr lang="en-US" dirty="0"/>
+            <a:endParaRPr lang="en-US" dirty="0">
+              <a:solidFill>
+                <a:schemeClr val="tx1"/>
+              </a:solidFill>
+            </a:endParaRPr>
           </a:p>
           <a:p>
             <a:pPr marL="0" indent="0">
               <a:buNone/>
             </a:pPr>
-            <a:endParaRPr lang="en-US" dirty="0"/>
+            <a:endParaRPr lang="en-US" dirty="0">
+              <a:solidFill>
+                <a:schemeClr val="tx1"/>
+              </a:solidFill>
+            </a:endParaRPr>
           </a:p>
         </p:txBody>
       </p:sp>

--- a/SEMINAR-PROJECT-MANAGENMENT.pptx
+++ b/SEMINAR-PROJECT-MANAGENMENT.pptx
@@ -5,63 +5,60 @@
     <p:sldMasterId id="2147483696" r:id="rId1"/>
   </p:sldMasterIdLst>
   <p:notesMasterIdLst>
-    <p:notesMasterId r:id="rId53"/>
+    <p:notesMasterId r:id="rId50"/>
   </p:notesMasterIdLst>
   <p:handoutMasterIdLst>
-    <p:handoutMasterId r:id="rId54"/>
+    <p:handoutMasterId r:id="rId51"/>
   </p:handoutMasterIdLst>
   <p:sldIdLst>
     <p:sldId id="259" r:id="rId2"/>
     <p:sldId id="260" r:id="rId3"/>
     <p:sldId id="264" r:id="rId4"/>
     <p:sldId id="265" r:id="rId5"/>
-    <p:sldId id="266" r:id="rId6"/>
-    <p:sldId id="267" r:id="rId7"/>
-    <p:sldId id="268" r:id="rId8"/>
-    <p:sldId id="269" r:id="rId9"/>
-    <p:sldId id="270" r:id="rId10"/>
-    <p:sldId id="271" r:id="rId11"/>
-    <p:sldId id="272" r:id="rId12"/>
-    <p:sldId id="273" r:id="rId13"/>
-    <p:sldId id="274" r:id="rId14"/>
-    <p:sldId id="275" r:id="rId15"/>
-    <p:sldId id="276" r:id="rId16"/>
-    <p:sldId id="277" r:id="rId17"/>
-    <p:sldId id="278" r:id="rId18"/>
-    <p:sldId id="279" r:id="rId19"/>
-    <p:sldId id="280" r:id="rId20"/>
-    <p:sldId id="281" r:id="rId21"/>
-    <p:sldId id="282" r:id="rId22"/>
-    <p:sldId id="283" r:id="rId23"/>
-    <p:sldId id="286" r:id="rId24"/>
-    <p:sldId id="284" r:id="rId25"/>
-    <p:sldId id="285" r:id="rId26"/>
-    <p:sldId id="288" r:id="rId27"/>
-    <p:sldId id="289" r:id="rId28"/>
-    <p:sldId id="290" r:id="rId29"/>
-    <p:sldId id="291" r:id="rId30"/>
-    <p:sldId id="292" r:id="rId31"/>
-    <p:sldId id="293" r:id="rId32"/>
-    <p:sldId id="294" r:id="rId33"/>
-    <p:sldId id="295" r:id="rId34"/>
-    <p:sldId id="300" r:id="rId35"/>
-    <p:sldId id="296" r:id="rId36"/>
-    <p:sldId id="297" r:id="rId37"/>
-    <p:sldId id="298" r:id="rId38"/>
-    <p:sldId id="314" r:id="rId39"/>
-    <p:sldId id="315" r:id="rId40"/>
-    <p:sldId id="316" r:id="rId41"/>
-    <p:sldId id="317" r:id="rId42"/>
-    <p:sldId id="318" r:id="rId43"/>
-    <p:sldId id="319" r:id="rId44"/>
-    <p:sldId id="311" r:id="rId45"/>
-    <p:sldId id="312" r:id="rId46"/>
-    <p:sldId id="313" r:id="rId47"/>
-    <p:sldId id="307" r:id="rId48"/>
-    <p:sldId id="308" r:id="rId49"/>
-    <p:sldId id="309" r:id="rId50"/>
-    <p:sldId id="310" r:id="rId51"/>
-    <p:sldId id="320" r:id="rId52"/>
+    <p:sldId id="267" r:id="rId6"/>
+    <p:sldId id="268" r:id="rId7"/>
+    <p:sldId id="269" r:id="rId8"/>
+    <p:sldId id="270" r:id="rId9"/>
+    <p:sldId id="271" r:id="rId10"/>
+    <p:sldId id="272" r:id="rId11"/>
+    <p:sldId id="273" r:id="rId12"/>
+    <p:sldId id="274" r:id="rId13"/>
+    <p:sldId id="275" r:id="rId14"/>
+    <p:sldId id="276" r:id="rId15"/>
+    <p:sldId id="277" r:id="rId16"/>
+    <p:sldId id="278" r:id="rId17"/>
+    <p:sldId id="279" r:id="rId18"/>
+    <p:sldId id="280" r:id="rId19"/>
+    <p:sldId id="281" r:id="rId20"/>
+    <p:sldId id="286" r:id="rId21"/>
+    <p:sldId id="284" r:id="rId22"/>
+    <p:sldId id="285" r:id="rId23"/>
+    <p:sldId id="288" r:id="rId24"/>
+    <p:sldId id="289" r:id="rId25"/>
+    <p:sldId id="290" r:id="rId26"/>
+    <p:sldId id="291" r:id="rId27"/>
+    <p:sldId id="292" r:id="rId28"/>
+    <p:sldId id="293" r:id="rId29"/>
+    <p:sldId id="294" r:id="rId30"/>
+    <p:sldId id="295" r:id="rId31"/>
+    <p:sldId id="300" r:id="rId32"/>
+    <p:sldId id="296" r:id="rId33"/>
+    <p:sldId id="297" r:id="rId34"/>
+    <p:sldId id="298" r:id="rId35"/>
+    <p:sldId id="314" r:id="rId36"/>
+    <p:sldId id="315" r:id="rId37"/>
+    <p:sldId id="316" r:id="rId38"/>
+    <p:sldId id="317" r:id="rId39"/>
+    <p:sldId id="318" r:id="rId40"/>
+    <p:sldId id="319" r:id="rId41"/>
+    <p:sldId id="311" r:id="rId42"/>
+    <p:sldId id="312" r:id="rId43"/>
+    <p:sldId id="313" r:id="rId44"/>
+    <p:sldId id="307" r:id="rId45"/>
+    <p:sldId id="308" r:id="rId46"/>
+    <p:sldId id="309" r:id="rId47"/>
+    <p:sldId id="310" r:id="rId48"/>
+    <p:sldId id="320" r:id="rId49"/>
   </p:sldIdLst>
   <p:sldSz cx="12192000" cy="6858000"/>
   <p:notesSz cx="6858000" cy="9144000"/>
@@ -279,7 +276,7 @@
           <a:p>
             <a:fld id="{9F09733D-69F8-45CE-987F-1E3A67C77C5D}" type="datetimeFigureOut">
               <a:rPr lang="en-US" smtClean="0"/>
-              <a:t>31-10-2019</a:t>
+              <a:t>10/31/2019</a:t>
             </a:fld>
             <a:endParaRPr lang="en-US"/>
           </a:p>
@@ -444,7 +441,7 @@
           <a:p>
             <a:fld id="{4BBDC3DB-9C0B-4EEA-BE0C-C823D6258BF2}" type="datetimeFigureOut">
               <a:rPr lang="en-US" smtClean="0"/>
-              <a:t>31-10-2019</a:t>
+              <a:t>10/31/2019</a:t>
             </a:fld>
             <a:endParaRPr lang="en-US"/>
           </a:p>
@@ -946,7 +943,7 @@
             <a:fld id="{349BF3EA-1A78-4F07-BDC0-C8A1BD461199}" type="datetimeFigureOut">
               <a:rPr lang="en-US" smtClean="0"/>
               <a:pPr/>
-              <a:t>31-10-2019</a:t>
+              <a:t>10/31/2019</a:t>
             </a:fld>
             <a:endParaRPr lang="en-US"/>
           </a:p>
@@ -1144,7 +1141,7 @@
             <a:fld id="{349BF3EA-1A78-4F07-BDC0-C8A1BD461199}" type="datetimeFigureOut">
               <a:rPr lang="en-US" smtClean="0"/>
               <a:pPr/>
-              <a:t>31-10-2019</a:t>
+              <a:t>10/31/2019</a:t>
             </a:fld>
             <a:endParaRPr lang="en-US"/>
           </a:p>
@@ -1353,7 +1350,7 @@
             <a:fld id="{349BF3EA-1A78-4F07-BDC0-C8A1BD461199}" type="datetimeFigureOut">
               <a:rPr lang="en-US" smtClean="0"/>
               <a:pPr/>
-              <a:t>31-10-2019</a:t>
+              <a:t>10/31/2019</a:t>
             </a:fld>
             <a:endParaRPr lang="en-US"/>
           </a:p>
@@ -1553,7 +1550,7 @@
           <a:p>
             <a:fld id="{349BF3EA-1A78-4F07-BDC0-C8A1BD461199}" type="datetimeFigureOut">
               <a:rPr lang="en-US" smtClean="0"/>
-              <a:t>31-10-2019</a:t>
+              <a:t>10/31/2019</a:t>
             </a:fld>
             <a:endParaRPr lang="en-US"/>
           </a:p>
@@ -1803,7 +1800,7 @@
           <a:p>
             <a:fld id="{349BF3EA-1A78-4F07-BDC0-C8A1BD461199}" type="datetimeFigureOut">
               <a:rPr lang="en-US" smtClean="0"/>
-              <a:t>31-10-2019</a:t>
+              <a:t>10/31/2019</a:t>
             </a:fld>
             <a:endParaRPr lang="en-US"/>
           </a:p>
@@ -2084,7 +2081,7 @@
             <a:fld id="{349BF3EA-1A78-4F07-BDC0-C8A1BD461199}" type="datetimeFigureOut">
               <a:rPr lang="en-US" smtClean="0"/>
               <a:pPr/>
-              <a:t>31-10-2019</a:t>
+              <a:t>10/31/2019</a:t>
             </a:fld>
             <a:endParaRPr lang="en-US" dirty="0"/>
           </a:p>
@@ -2473,7 +2470,7 @@
           <a:p>
             <a:fld id="{349BF3EA-1A78-4F07-BDC0-C8A1BD461199}" type="datetimeFigureOut">
               <a:rPr lang="en-US" smtClean="0"/>
-              <a:t>31-10-2019</a:t>
+              <a:t>10/31/2019</a:t>
             </a:fld>
             <a:endParaRPr lang="en-US"/>
           </a:p>
@@ -2594,7 +2591,7 @@
           <a:p>
             <a:fld id="{349BF3EA-1A78-4F07-BDC0-C8A1BD461199}" type="datetimeFigureOut">
               <a:rPr lang="en-US" smtClean="0"/>
-              <a:t>31-10-2019</a:t>
+              <a:t>10/31/2019</a:t>
             </a:fld>
             <a:endParaRPr lang="en-US"/>
           </a:p>
@@ -2692,7 +2689,7 @@
           <a:p>
             <a:fld id="{349BF3EA-1A78-4F07-BDC0-C8A1BD461199}" type="datetimeFigureOut">
               <a:rPr lang="en-US" smtClean="0"/>
-              <a:t>31-10-2019</a:t>
+              <a:t>10/31/2019</a:t>
             </a:fld>
             <a:endParaRPr lang="en-US"/>
           </a:p>
@@ -2988,7 +2985,7 @@
           <a:p>
             <a:fld id="{349BF3EA-1A78-4F07-BDC0-C8A1BD461199}" type="datetimeFigureOut">
               <a:rPr lang="en-US" smtClean="0"/>
-              <a:t>31-10-2019</a:t>
+              <a:t>10/31/2019</a:t>
             </a:fld>
             <a:endParaRPr lang="en-US"/>
           </a:p>
@@ -3286,7 +3283,7 @@
             <a:fld id="{349BF3EA-1A78-4F07-BDC0-C8A1BD461199}" type="datetimeFigureOut">
               <a:rPr lang="en-US" smtClean="0"/>
               <a:pPr/>
-              <a:t>31-10-2019</a:t>
+              <a:t>10/31/2019</a:t>
             </a:fld>
             <a:endParaRPr lang="en-US" dirty="0"/>
           </a:p>
@@ -3528,7 +3525,7 @@
             <a:fld id="{349BF3EA-1A78-4F07-BDC0-C8A1BD461199}" type="datetimeFigureOut">
               <a:rPr lang="en-US" smtClean="0"/>
               <a:pPr/>
-              <a:t>31-10-2019</a:t>
+              <a:t>10/31/2019</a:t>
             </a:fld>
             <a:endParaRPr lang="en-US"/>
           </a:p>
@@ -37679,223 +37676,6 @@
           <p:cNvPr id="2" name="Title 1">
             <a:extLst>
               <a:ext uri="{FF2B5EF4-FFF2-40B4-BE49-F238E27FC236}">
-                <a16:creationId xmlns:a16="http://schemas.microsoft.com/office/drawing/2014/main" id="{60A3032F-5AF9-4605-A9FF-7A2691055D47}"/>
-              </a:ext>
-            </a:extLst>
-          </p:cNvPr>
-          <p:cNvSpPr>
-            <a:spLocks noGrp="1"/>
-          </p:cNvSpPr>
-          <p:nvPr>
-            <p:ph type="title"/>
-          </p:nvPr>
-        </p:nvSpPr>
-        <p:spPr/>
-        <p:txBody>
-          <a:bodyPr/>
-          <a:lstStyle/>
-          <a:p>
-            <a:r>
-              <a:rPr lang="en-US" dirty="0">
-                <a:effectLst>
-                  <a:outerShdw blurRad="38100" dist="38100" dir="2700000" algn="tl">
-                    <a:srgbClr val="000000">
-                      <a:alpha val="43137"/>
-                    </a:srgbClr>
-                  </a:outerShdw>
-                </a:effectLst>
-                <a:latin typeface="Arial" panose="020B0604020202020204" pitchFamily="34" charset="0"/>
-                <a:cs typeface="Arial" panose="020B0604020202020204" pitchFamily="34" charset="0"/>
-              </a:rPr>
-              <a:t>RISK MANAGEMENT PLANNING PROCESS</a:t>
-            </a:r>
-          </a:p>
-        </p:txBody>
-      </p:sp>
-      <p:sp>
-        <p:nvSpPr>
-          <p:cNvPr id="3" name="Content Placeholder 2">
-            <a:extLst>
-              <a:ext uri="{FF2B5EF4-FFF2-40B4-BE49-F238E27FC236}">
-                <a16:creationId xmlns:a16="http://schemas.microsoft.com/office/drawing/2014/main" id="{E0AA14E8-B8BA-42A3-979B-16D2AEF1E562}"/>
-              </a:ext>
-            </a:extLst>
-          </p:cNvPr>
-          <p:cNvSpPr>
-            <a:spLocks noGrp="1"/>
-          </p:cNvSpPr>
-          <p:nvPr>
-            <p:ph idx="1"/>
-          </p:nvPr>
-        </p:nvSpPr>
-        <p:spPr>
-          <a:xfrm>
-            <a:off x="609600" y="1846262"/>
-            <a:ext cx="10972800" cy="4691698"/>
-          </a:xfrm>
-        </p:spPr>
-        <p:txBody>
-          <a:bodyPr>
-            <a:normAutofit/>
-          </a:bodyPr>
-          <a:lstStyle/>
-          <a:p>
-            <a:pPr lvl="1">
-              <a:buFont typeface="Wingdings" panose="05000000000000000000" pitchFamily="2" charset="2"/>
-              <a:buChar char="q"/>
-            </a:pPr>
-            <a:r>
-              <a:rPr lang="en-US" sz="1900" b="1" dirty="0">
-                <a:solidFill>
-                  <a:schemeClr val="tx1"/>
-                </a:solidFill>
-                <a:latin typeface="Arial" panose="020B0604020202020204" pitchFamily="34" charset="0"/>
-                <a:cs typeface="Arial" panose="020B0604020202020204" pitchFamily="34" charset="0"/>
-              </a:rPr>
-              <a:t>Transfer</a:t>
-            </a:r>
-          </a:p>
-          <a:p>
-            <a:pPr lvl="2"/>
-            <a:r>
-              <a:rPr lang="en-US" sz="1900" dirty="0">
-                <a:solidFill>
-                  <a:schemeClr val="tx1"/>
-                </a:solidFill>
-                <a:latin typeface="Arial" panose="020B0604020202020204" pitchFamily="34" charset="0"/>
-                <a:cs typeface="Arial" panose="020B0604020202020204" pitchFamily="34" charset="0"/>
-              </a:rPr>
-              <a:t>Risk transfer is the most ideal model, from rudimentary risk transfer to insurance participation. This is the most effective and effective tool to deal with losses. (For example, instead of transporting a truck of smuggled cigarettes to the male, you divide the cigarette into smaller chunks and transport it to each different vehicle in case the police get caught. whole car cigarette)</a:t>
-            </a:r>
-          </a:p>
-          <a:p>
-            <a:pPr lvl="1">
-              <a:buFont typeface="Wingdings" panose="05000000000000000000" pitchFamily="2" charset="2"/>
-              <a:buChar char="q"/>
-            </a:pPr>
-            <a:r>
-              <a:rPr lang="en-US" sz="1900" b="1" dirty="0">
-                <a:solidFill>
-                  <a:schemeClr val="tx1"/>
-                </a:solidFill>
-                <a:latin typeface="Arial" panose="020B0604020202020204" pitchFamily="34" charset="0"/>
-                <a:cs typeface="Arial" panose="020B0604020202020204" pitchFamily="34" charset="0"/>
-              </a:rPr>
-              <a:t>Accept</a:t>
-            </a:r>
-          </a:p>
-          <a:p>
-            <a:pPr lvl="2"/>
-            <a:r>
-              <a:rPr lang="en-US" sz="1900" dirty="0">
-                <a:solidFill>
-                  <a:schemeClr val="tx1"/>
-                </a:solidFill>
-                <a:latin typeface="Arial" panose="020B0604020202020204" pitchFamily="34" charset="0"/>
-                <a:cs typeface="Arial" panose="020B0604020202020204" pitchFamily="34" charset="0"/>
-              </a:rPr>
-              <a:t>This is the form by which the victim accepts that loss and usually, there are two ways to accept the risk, which is to be proactive and passive.</a:t>
-            </a:r>
-          </a:p>
-          <a:p>
-            <a:pPr lvl="2"/>
-            <a:r>
-              <a:rPr lang="en-US" sz="1900" dirty="0">
-                <a:solidFill>
-                  <a:schemeClr val="tx1"/>
-                </a:solidFill>
-                <a:latin typeface="Arial" panose="020B0604020202020204" pitchFamily="34" charset="0"/>
-                <a:cs typeface="Arial" panose="020B0604020202020204" pitchFamily="34" charset="0"/>
-              </a:rPr>
-              <a:t>Passive acceptance is the absence of preparation for risk to find a solution and compensate.</a:t>
-            </a:r>
-          </a:p>
-          <a:p>
-            <a:pPr lvl="2"/>
-            <a:r>
-              <a:rPr lang="en-US" sz="1900" dirty="0">
-                <a:solidFill>
-                  <a:schemeClr val="tx1"/>
-                </a:solidFill>
-                <a:latin typeface="Arial" panose="020B0604020202020204" pitchFamily="34" charset="0"/>
-                <a:cs typeface="Arial" panose="020B0604020202020204" pitchFamily="34" charset="0"/>
-              </a:rPr>
-              <a:t>Proactive acceptance is the establishment of a resource reserve fund to compensate for the risks occurring. And often resources will not be used optimally, even very passively because the level of losses is not completely the same and unpredictable.</a:t>
-            </a:r>
-          </a:p>
-          <a:p>
-            <a:pPr marL="914400" lvl="2" indent="0">
-              <a:buNone/>
-            </a:pPr>
-            <a:endParaRPr lang="en-US" dirty="0">
-              <a:solidFill>
-                <a:schemeClr val="tx1"/>
-              </a:solidFill>
-              <a:latin typeface="Arial" panose="020B0604020202020204" pitchFamily="34" charset="0"/>
-              <a:cs typeface="Arial" panose="020B0604020202020204" pitchFamily="34" charset="0"/>
-            </a:endParaRPr>
-          </a:p>
-          <a:p>
-            <a:pPr marL="914400" lvl="2" indent="0">
-              <a:buNone/>
-            </a:pPr>
-            <a:endParaRPr lang="en-US" dirty="0">
-              <a:solidFill>
-                <a:schemeClr val="tx1"/>
-              </a:solidFill>
-              <a:latin typeface="Arial" panose="020B0604020202020204" pitchFamily="34" charset="0"/>
-              <a:cs typeface="Arial" panose="020B0604020202020204" pitchFamily="34" charset="0"/>
-            </a:endParaRPr>
-          </a:p>
-          <a:p>
-            <a:pPr marL="914400" lvl="2" indent="0">
-              <a:buNone/>
-            </a:pPr>
-            <a:endParaRPr lang="en-US" dirty="0">
-              <a:solidFill>
-                <a:schemeClr val="tx1"/>
-              </a:solidFill>
-              <a:latin typeface="Arial" panose="020B0604020202020204" pitchFamily="34" charset="0"/>
-              <a:cs typeface="Arial" panose="020B0604020202020204" pitchFamily="34" charset="0"/>
-            </a:endParaRPr>
-          </a:p>
-        </p:txBody>
-      </p:sp>
-    </p:spTree>
-    <p:extLst>
-      <p:ext uri="{BB962C8B-B14F-4D97-AF65-F5344CB8AC3E}">
-        <p14:creationId xmlns:p14="http://schemas.microsoft.com/office/powerpoint/2010/main" val="3888268968"/>
-      </p:ext>
-    </p:extLst>
-  </p:cSld>
-  <p:clrMapOvr>
-    <a:masterClrMapping/>
-  </p:clrMapOvr>
-</p:sld>
-</file>
-
-<file path=ppt/slides/slide11.xml><?xml version="1.0" encoding="utf-8"?>
-<p:sld xmlns:a="http://schemas.openxmlformats.org/drawingml/2006/main" xmlns:r="http://schemas.openxmlformats.org/officeDocument/2006/relationships" xmlns:p="http://schemas.openxmlformats.org/presentationml/2006/main">
-  <p:cSld>
-    <p:spTree>
-      <p:nvGrpSpPr>
-        <p:cNvPr id="1" name=""/>
-        <p:cNvGrpSpPr/>
-        <p:nvPr/>
-      </p:nvGrpSpPr>
-      <p:grpSpPr>
-        <a:xfrm>
-          <a:off x="0" y="0"/>
-          <a:ext cx="0" cy="0"/>
-          <a:chOff x="0" y="0"/>
-          <a:chExt cx="0" cy="0"/>
-        </a:xfrm>
-      </p:grpSpPr>
-      <p:sp>
-        <p:nvSpPr>
-          <p:cNvPr id="2" name="Title 1">
-            <a:extLst>
-              <a:ext uri="{FF2B5EF4-FFF2-40B4-BE49-F238E27FC236}">
                 <a16:creationId xmlns:a16="http://schemas.microsoft.com/office/drawing/2014/main" id="{8EE0ED8A-E301-4C5F-9D01-45BE7A7E1540}"/>
               </a:ext>
             </a:extLst>
@@ -37938,7 +37718,12 @@
             <p:ph idx="1"/>
           </p:nvPr>
         </p:nvSpPr>
-        <p:spPr/>
+        <p:spPr>
+          <a:xfrm>
+            <a:off x="609600" y="1846262"/>
+            <a:ext cx="10972800" cy="2129390"/>
+          </a:xfrm>
+        </p:spPr>
         <p:txBody>
           <a:bodyPr>
             <a:normAutofit/>
@@ -38005,7 +37790,7 @@
 </p:sld>
 </file>
 
-<file path=ppt/slides/slide12.xml><?xml version="1.0" encoding="utf-8"?>
+<file path=ppt/slides/slide11.xml><?xml version="1.0" encoding="utf-8"?>
 <p:sld xmlns:a="http://schemas.openxmlformats.org/drawingml/2006/main" xmlns:r="http://schemas.openxmlformats.org/officeDocument/2006/relationships" xmlns:p="http://schemas.openxmlformats.org/presentationml/2006/main">
   <p:cSld>
     <p:spTree>
@@ -38175,7 +37960,7 @@
 </p:sld>
 </file>
 
-<file path=ppt/slides/slide13.xml><?xml version="1.0" encoding="utf-8"?>
+<file path=ppt/slides/slide12.xml><?xml version="1.0" encoding="utf-8"?>
 <p:sld xmlns:a="http://schemas.openxmlformats.org/drawingml/2006/main" xmlns:r="http://schemas.openxmlformats.org/officeDocument/2006/relationships" xmlns:p="http://schemas.openxmlformats.org/presentationml/2006/main">
   <p:cSld>
     <p:spTree>
@@ -38266,7 +38051,7 @@
 </p:sld>
 </file>
 
-<file path=ppt/slides/slide14.xml><?xml version="1.0" encoding="utf-8"?>
+<file path=ppt/slides/slide13.xml><?xml version="1.0" encoding="utf-8"?>
 <p:sld xmlns:a="http://schemas.openxmlformats.org/drawingml/2006/main" xmlns:r="http://schemas.openxmlformats.org/officeDocument/2006/relationships" xmlns:p="http://schemas.openxmlformats.org/presentationml/2006/main">
   <p:cSld>
     <p:spTree>
@@ -38401,7 +38186,7 @@
 </p:sld>
 </file>
 
-<file path=ppt/slides/slide15.xml><?xml version="1.0" encoding="utf-8"?>
+<file path=ppt/slides/slide14.xml><?xml version="1.0" encoding="utf-8"?>
 <p:sld xmlns:a="http://schemas.openxmlformats.org/drawingml/2006/main" xmlns:r="http://schemas.openxmlformats.org/officeDocument/2006/relationships" xmlns:p="http://schemas.openxmlformats.org/presentationml/2006/main">
   <p:cSld>
     <p:spTree>
@@ -38940,7 +38725,7 @@
 </p:sld>
 </file>
 
-<file path=ppt/slides/slide16.xml><?xml version="1.0" encoding="utf-8"?>
+<file path=ppt/slides/slide15.xml><?xml version="1.0" encoding="utf-8"?>
 <p:sld xmlns:a="http://schemas.openxmlformats.org/drawingml/2006/main" xmlns:r="http://schemas.openxmlformats.org/officeDocument/2006/relationships" xmlns:p="http://schemas.openxmlformats.org/presentationml/2006/main">
   <p:cSld>
     <p:spTree>
@@ -39040,7 +38825,7 @@
 </p:sld>
 </file>
 
-<file path=ppt/slides/slide17.xml><?xml version="1.0" encoding="utf-8"?>
+<file path=ppt/slides/slide16.xml><?xml version="1.0" encoding="utf-8"?>
 <p:sld xmlns:a="http://schemas.openxmlformats.org/drawingml/2006/main" xmlns:r="http://schemas.openxmlformats.org/officeDocument/2006/relationships" xmlns:p="http://schemas.openxmlformats.org/presentationml/2006/main">
   <p:cSld>
     <p:spTree>
@@ -39188,7 +38973,7 @@
 </p:sld>
 </file>
 
-<file path=ppt/slides/slide18.xml><?xml version="1.0" encoding="utf-8"?>
+<file path=ppt/slides/slide17.xml><?xml version="1.0" encoding="utf-8"?>
 <p:sld xmlns:a="http://schemas.openxmlformats.org/drawingml/2006/main" xmlns:r="http://schemas.openxmlformats.org/officeDocument/2006/relationships" xmlns:p="http://schemas.openxmlformats.org/presentationml/2006/main">
   <p:cSld>
     <p:spTree>
@@ -39257,7 +39042,7 @@
         </p:blipFill>
         <p:spPr>
           <a:xfrm>
-            <a:off x="2986059" y="1931670"/>
+            <a:off x="2866790" y="1746140"/>
             <a:ext cx="5266401" cy="4551303"/>
           </a:xfrm>
         </p:spPr>
@@ -39275,7 +39060,7 @@
 </p:sld>
 </file>
 
-<file path=ppt/slides/slide19.xml><?xml version="1.0" encoding="utf-8"?>
+<file path=ppt/slides/slide18.xml><?xml version="1.0" encoding="utf-8"?>
 <p:sld xmlns:a="http://schemas.openxmlformats.org/drawingml/2006/main" xmlns:r="http://schemas.openxmlformats.org/officeDocument/2006/relationships" xmlns:p="http://schemas.openxmlformats.org/presentationml/2006/main">
   <p:cSld>
     <p:spTree>
@@ -39470,120 +39255,7 @@
 </p:sld>
 </file>
 
-<file path=ppt/slides/slide2.xml><?xml version="1.0" encoding="utf-8"?>
-<p:sld xmlns:a="http://schemas.openxmlformats.org/drawingml/2006/main" xmlns:r="http://schemas.openxmlformats.org/officeDocument/2006/relationships" xmlns:p="http://schemas.openxmlformats.org/presentationml/2006/main">
-  <p:cSld>
-    <p:spTree>
-      <p:nvGrpSpPr>
-        <p:cNvPr id="1" name=""/>
-        <p:cNvGrpSpPr/>
-        <p:nvPr/>
-      </p:nvGrpSpPr>
-      <p:grpSpPr>
-        <a:xfrm>
-          <a:off x="0" y="0"/>
-          <a:ext cx="0" cy="0"/>
-          <a:chOff x="0" y="0"/>
-          <a:chExt cx="0" cy="0"/>
-        </a:xfrm>
-      </p:grpSpPr>
-      <p:sp>
-        <p:nvSpPr>
-          <p:cNvPr id="13" name="Title 12"/>
-          <p:cNvSpPr>
-            <a:spLocks noGrp="1"/>
-          </p:cNvSpPr>
-          <p:nvPr>
-            <p:ph type="title"/>
-          </p:nvPr>
-        </p:nvSpPr>
-        <p:spPr/>
-        <p:txBody>
-          <a:bodyPr/>
-          <a:lstStyle/>
-          <a:p>
-            <a:r>
-              <a:rPr lang="en-US" dirty="0">
-                <a:latin typeface="Arial" panose="020B0604020202020204" pitchFamily="34" charset="0"/>
-                <a:cs typeface="Arial" panose="020B0604020202020204" pitchFamily="34" charset="0"/>
-              </a:rPr>
-              <a:t>MAIN CONTENTS</a:t>
-            </a:r>
-          </a:p>
-        </p:txBody>
-      </p:sp>
-      <p:sp>
-        <p:nvSpPr>
-          <p:cNvPr id="14" name="Content Placeholder 13"/>
-          <p:cNvSpPr>
-            <a:spLocks noGrp="1"/>
-          </p:cNvSpPr>
-          <p:nvPr>
-            <p:ph idx="1"/>
-          </p:nvPr>
-        </p:nvSpPr>
-        <p:spPr/>
-        <p:txBody>
-          <a:bodyPr/>
-          <a:lstStyle/>
-          <a:p>
-            <a:pPr lvl="0"/>
-            <a:r>
-              <a:rPr lang="en-US" dirty="0"/>
-              <a:t>Risk Management Planning</a:t>
-            </a:r>
-          </a:p>
-          <a:p>
-            <a:pPr lvl="0"/>
-            <a:r>
-              <a:rPr lang="en-US" dirty="0"/>
-              <a:t>Risk Management Planning Process</a:t>
-            </a:r>
-          </a:p>
-          <a:p>
-            <a:pPr lvl="0"/>
-            <a:r>
-              <a:rPr lang="en-US" dirty="0"/>
-              <a:t>Qualitative Risk Analysis</a:t>
-            </a:r>
-          </a:p>
-          <a:p>
-            <a:pPr lvl="0"/>
-            <a:r>
-              <a:rPr lang="en-US" dirty="0"/>
-              <a:t>Quantitative Risk Analysis</a:t>
-            </a:r>
-          </a:p>
-          <a:p>
-            <a:pPr lvl="0"/>
-            <a:r>
-              <a:rPr lang="en-US" dirty="0"/>
-              <a:t>Risk Response Planning</a:t>
-            </a:r>
-          </a:p>
-          <a:p>
-            <a:pPr lvl="0"/>
-            <a:r>
-              <a:rPr lang="en-US" dirty="0"/>
-              <a:t>Risk Monitoring and Control</a:t>
-            </a:r>
-          </a:p>
-        </p:txBody>
-      </p:sp>
-    </p:spTree>
-    <p:extLst>
-      <p:ext uri="{BB962C8B-B14F-4D97-AF65-F5344CB8AC3E}">
-        <p14:creationId xmlns:p14="http://schemas.microsoft.com/office/powerpoint/2010/main" val="1260473878"/>
-      </p:ext>
-    </p:extLst>
-  </p:cSld>
-  <p:clrMapOvr>
-    <a:masterClrMapping/>
-  </p:clrMapOvr>
-</p:sld>
-</file>
-
-<file path=ppt/slides/slide20.xml><?xml version="1.0" encoding="utf-8"?>
+<file path=ppt/slides/slide19.xml><?xml version="1.0" encoding="utf-8"?>
 <p:sld xmlns:a="http://schemas.openxmlformats.org/drawingml/2006/main" xmlns:r="http://schemas.openxmlformats.org/officeDocument/2006/relationships" xmlns:p="http://schemas.openxmlformats.org/presentationml/2006/main">
   <p:cSld>
     <p:spTree>
@@ -39739,7 +39411,7 @@
 </p:sld>
 </file>
 
-<file path=ppt/slides/slide21.xml><?xml version="1.0" encoding="utf-8"?>
+<file path=ppt/slides/slide2.xml><?xml version="1.0" encoding="utf-8"?>
 <p:sld xmlns:a="http://schemas.openxmlformats.org/drawingml/2006/main" xmlns:r="http://schemas.openxmlformats.org/officeDocument/2006/relationships" xmlns:p="http://schemas.openxmlformats.org/presentationml/2006/main">
   <p:cSld>
     <p:spTree>
@@ -39758,13 +39430,7 @@
       </p:grpSpPr>
       <p:sp>
         <p:nvSpPr>
-          <p:cNvPr id="2" name="Title 1">
-            <a:extLst>
-              <a:ext uri="{FF2B5EF4-FFF2-40B4-BE49-F238E27FC236}">
-                <a16:creationId xmlns:a16="http://schemas.microsoft.com/office/drawing/2014/main" id="{CD44C8EA-4DC5-4702-84EF-C21AC41BBE91}"/>
-              </a:ext>
-            </a:extLst>
-          </p:cNvPr>
+          <p:cNvPr id="13" name="Title 12"/>
           <p:cNvSpPr>
             <a:spLocks noGrp="1"/>
           </p:cNvSpPr>
@@ -39782,20 +39448,14 @@
                 <a:latin typeface="Arial" panose="020B0604020202020204" pitchFamily="34" charset="0"/>
                 <a:cs typeface="Arial" panose="020B0604020202020204" pitchFamily="34" charset="0"/>
               </a:rPr>
-              <a:t>RISK MANAGEMENT PLANNING PROCESS</a:t>
+              <a:t>MAIN CONTENTS</a:t>
             </a:r>
           </a:p>
         </p:txBody>
       </p:sp>
       <p:sp>
         <p:nvSpPr>
-          <p:cNvPr id="3" name="Content Placeholder 2">
-            <a:extLst>
-              <a:ext uri="{FF2B5EF4-FFF2-40B4-BE49-F238E27FC236}">
-                <a16:creationId xmlns:a16="http://schemas.microsoft.com/office/drawing/2014/main" id="{E5C7DED5-3903-4A10-84A9-6443C79ECB2D}"/>
-              </a:ext>
-            </a:extLst>
-          </p:cNvPr>
+          <p:cNvPr id="14" name="Content Placeholder 13"/>
           <p:cNvSpPr>
             <a:spLocks noGrp="1"/>
           </p:cNvSpPr>
@@ -39805,127 +39465,56 @@
         </p:nvSpPr>
         <p:spPr/>
         <p:txBody>
-          <a:bodyPr>
-            <a:normAutofit fontScale="92500" lnSpcReduction="20000"/>
-          </a:bodyPr>
+          <a:bodyPr/>
           <a:lstStyle/>
           <a:p>
-            <a:pPr marL="514350" indent="-514350">
-              <a:buFont typeface="+mj-lt"/>
-              <a:buAutoNum type="romanUcPeriod" startAt="6"/>
-            </a:pPr>
+            <a:pPr lvl="0"/>
             <a:r>
-              <a:rPr lang="en-US" b="1" dirty="0">
-                <a:solidFill>
-                  <a:schemeClr val="tx1"/>
-                </a:solidFill>
-                <a:latin typeface="Arial" panose="020B0604020202020204" pitchFamily="34" charset="0"/>
-                <a:cs typeface="Arial" panose="020B0604020202020204" pitchFamily="34" charset="0"/>
-              </a:rPr>
-              <a:t>Project Risk By Phases</a:t>
+              <a:rPr lang="en-US" dirty="0"/>
+              <a:t>Risk Management Planning</a:t>
             </a:r>
           </a:p>
           <a:p>
-            <a:pPr lvl="2" indent="-342900">
-              <a:buFont typeface="+mj-lt"/>
-              <a:buAutoNum type="alphaLcPeriod"/>
-            </a:pPr>
+            <a:pPr lvl="0"/>
             <a:r>
-              <a:rPr lang="en-US" sz="2400" b="1" dirty="0">
-                <a:solidFill>
-                  <a:schemeClr val="tx1"/>
-                </a:solidFill>
-                <a:latin typeface="Arial" panose="020B0604020202020204" pitchFamily="34" charset="0"/>
-                <a:cs typeface="Arial" panose="020B0604020202020204" pitchFamily="34" charset="0"/>
-              </a:rPr>
-              <a:t> </a:t>
-            </a:r>
-            <a:r>
-              <a:rPr lang="en-US" sz="2400" dirty="0">
-                <a:solidFill>
-                  <a:schemeClr val="tx1"/>
-                </a:solidFill>
-                <a:latin typeface="Arial" panose="020B0604020202020204" pitchFamily="34" charset="0"/>
-                <a:cs typeface="Arial" panose="020B0604020202020204" pitchFamily="34" charset="0"/>
-              </a:rPr>
-              <a:t>Initiation</a:t>
+              <a:rPr lang="en-US" dirty="0"/>
+              <a:t>Risk Management Planning Process</a:t>
             </a:r>
           </a:p>
           <a:p>
-            <a:pPr marL="1257300" lvl="3" indent="0">
-              <a:buNone/>
-            </a:pPr>
+            <a:pPr lvl="0"/>
             <a:r>
-              <a:rPr lang="en-US" sz="2400" dirty="0">
-                <a:solidFill>
-                  <a:schemeClr val="tx1"/>
-                </a:solidFill>
-                <a:latin typeface="Arial" panose="020B0604020202020204" pitchFamily="34" charset="0"/>
-                <a:cs typeface="Arial" panose="020B0604020202020204" pitchFamily="34" charset="0"/>
-              </a:rPr>
-              <a:t>Project risks are handled in different ways depending on the stage of the project.</a:t>
+              <a:rPr lang="en-US" dirty="0"/>
+              <a:t>Qualitative Risk Analysis</a:t>
             </a:r>
           </a:p>
           <a:p>
-            <a:pPr marL="1257300" lvl="3" indent="0">
-              <a:buNone/>
-            </a:pPr>
-            <a:endParaRPr lang="en-US" sz="2400" dirty="0">
-              <a:solidFill>
-                <a:schemeClr val="tx1"/>
-              </a:solidFill>
-              <a:latin typeface="Arial" panose="020B0604020202020204" pitchFamily="34" charset="0"/>
-              <a:cs typeface="Arial" panose="020B0604020202020204" pitchFamily="34" charset="0"/>
-            </a:endParaRPr>
-          </a:p>
-          <a:p>
-            <a:pPr marL="1257300" lvl="3" indent="0">
-              <a:buNone/>
-            </a:pPr>
+            <a:pPr lvl="0"/>
             <a:r>
-              <a:rPr lang="en-US" sz="2400" dirty="0">
-                <a:solidFill>
-                  <a:schemeClr val="tx1"/>
-                </a:solidFill>
-                <a:latin typeface="Arial" panose="020B0604020202020204" pitchFamily="34" charset="0"/>
-                <a:cs typeface="Arial" panose="020B0604020202020204" pitchFamily="34" charset="0"/>
-              </a:rPr>
-              <a:t>Start:</a:t>
+              <a:rPr lang="en-US" dirty="0"/>
+              <a:t>Quantitative Risk Analysis</a:t>
             </a:r>
           </a:p>
           <a:p>
-            <a:pPr marL="1257300" lvl="3" indent="0">
-              <a:buNone/>
-            </a:pPr>
+            <a:pPr lvl="0"/>
             <a:r>
-              <a:rPr lang="en-US" sz="2400" dirty="0">
-                <a:solidFill>
-                  <a:schemeClr val="tx1"/>
-                </a:solidFill>
-                <a:latin typeface="Arial" panose="020B0604020202020204" pitchFamily="34" charset="0"/>
-                <a:cs typeface="Arial" panose="020B0604020202020204" pitchFamily="34" charset="0"/>
-              </a:rPr>
-              <a:t>Risks related to the unknown. Many things are unknown at the start of the project, but the risks must be considered in the inception phase and weighed against the potential benefits of the project's success to decide whether or not to choose the project.</a:t>
+              <a:rPr lang="en-US" dirty="0"/>
+              <a:t>Risk Response Planning</a:t>
             </a:r>
           </a:p>
           <a:p>
-            <a:pPr marL="0" indent="0">
-              <a:buNone/>
-            </a:pPr>
-            <a:endParaRPr lang="en-US" dirty="0">
-              <a:solidFill>
-                <a:schemeClr val="tx1"/>
-              </a:solidFill>
-              <a:latin typeface="Arial" panose="020B0604020202020204" pitchFamily="34" charset="0"/>
-              <a:cs typeface="Arial" panose="020B0604020202020204" pitchFamily="34" charset="0"/>
-            </a:endParaRPr>
+            <a:pPr lvl="0"/>
+            <a:r>
+              <a:rPr lang="en-US" dirty="0"/>
+              <a:t>Risk Monitoring and Control</a:t>
+            </a:r>
           </a:p>
         </p:txBody>
       </p:sp>
     </p:spTree>
     <p:extLst>
       <p:ext uri="{BB962C8B-B14F-4D97-AF65-F5344CB8AC3E}">
-        <p14:creationId xmlns:p14="http://schemas.microsoft.com/office/powerpoint/2010/main" val="3304505559"/>
+        <p14:creationId xmlns:p14="http://schemas.microsoft.com/office/powerpoint/2010/main" val="1260473878"/>
       </p:ext>
     </p:extLst>
   </p:cSld>
@@ -39935,223 +39524,7 @@
 </p:sld>
 </file>
 
-<file path=ppt/slides/slide22.xml><?xml version="1.0" encoding="utf-8"?>
-<p:sld xmlns:a="http://schemas.openxmlformats.org/drawingml/2006/main" xmlns:r="http://schemas.openxmlformats.org/officeDocument/2006/relationships" xmlns:p="http://schemas.openxmlformats.org/presentationml/2006/main">
-  <p:cSld>
-    <p:spTree>
-      <p:nvGrpSpPr>
-        <p:cNvPr id="1" name=""/>
-        <p:cNvGrpSpPr/>
-        <p:nvPr/>
-      </p:nvGrpSpPr>
-      <p:grpSpPr>
-        <a:xfrm>
-          <a:off x="0" y="0"/>
-          <a:ext cx="0" cy="0"/>
-          <a:chOff x="0" y="0"/>
-          <a:chExt cx="0" cy="0"/>
-        </a:xfrm>
-      </p:grpSpPr>
-      <p:sp>
-        <p:nvSpPr>
-          <p:cNvPr id="2" name="Title 1">
-            <a:extLst>
-              <a:ext uri="{FF2B5EF4-FFF2-40B4-BE49-F238E27FC236}">
-                <a16:creationId xmlns:a16="http://schemas.microsoft.com/office/drawing/2014/main" id="{04B2F0A5-F01F-4193-850C-E6E8BAEEFE0A}"/>
-              </a:ext>
-            </a:extLst>
-          </p:cNvPr>
-          <p:cNvSpPr>
-            <a:spLocks noGrp="1"/>
-          </p:cNvSpPr>
-          <p:nvPr>
-            <p:ph type="title"/>
-          </p:nvPr>
-        </p:nvSpPr>
-        <p:spPr/>
-        <p:txBody>
-          <a:bodyPr/>
-          <a:lstStyle/>
-          <a:p>
-            <a:r>
-              <a:rPr lang="en-US" dirty="0">
-                <a:latin typeface="Arial" panose="020B0604020202020204" pitchFamily="34" charset="0"/>
-                <a:cs typeface="Arial" panose="020B0604020202020204" pitchFamily="34" charset="0"/>
-              </a:rPr>
-              <a:t>RISK MANAGEMENT PLANNING PROCESS</a:t>
-            </a:r>
-          </a:p>
-        </p:txBody>
-      </p:sp>
-      <p:sp>
-        <p:nvSpPr>
-          <p:cNvPr id="3" name="Content Placeholder 2">
-            <a:extLst>
-              <a:ext uri="{FF2B5EF4-FFF2-40B4-BE49-F238E27FC236}">
-                <a16:creationId xmlns:a16="http://schemas.microsoft.com/office/drawing/2014/main" id="{D92F516D-601D-48D4-BE8A-824C0723C62F}"/>
-              </a:ext>
-            </a:extLst>
-          </p:cNvPr>
-          <p:cNvSpPr>
-            <a:spLocks noGrp="1"/>
-          </p:cNvSpPr>
-          <p:nvPr>
-            <p:ph idx="1"/>
-          </p:nvPr>
-        </p:nvSpPr>
-        <p:spPr>
-          <a:xfrm>
-            <a:off x="609600" y="1846262"/>
-            <a:ext cx="10972800" cy="4645978"/>
-          </a:xfrm>
-        </p:spPr>
-        <p:txBody>
-          <a:bodyPr/>
-          <a:lstStyle/>
-          <a:p>
-            <a:pPr marL="514350" indent="-514350">
-              <a:buFont typeface="+mj-lt"/>
-              <a:buAutoNum type="romanUcPeriod" startAt="6"/>
-            </a:pPr>
-            <a:r>
-              <a:rPr lang="en-US" b="1" dirty="0">
-                <a:solidFill>
-                  <a:schemeClr val="tx1"/>
-                </a:solidFill>
-                <a:latin typeface="Arial" panose="020B0604020202020204" pitchFamily="34" charset="0"/>
-                <a:cs typeface="Arial" panose="020B0604020202020204" pitchFamily="34" charset="0"/>
-              </a:rPr>
-              <a:t> Project Risk By Phases</a:t>
-            </a:r>
-          </a:p>
-          <a:p>
-            <a:pPr lvl="2" indent="-342900">
-              <a:buFont typeface="+mj-lt"/>
-              <a:buAutoNum type="alphaLcPeriod" startAt="2"/>
-            </a:pPr>
-            <a:r>
-              <a:rPr lang="en-US" sz="2000" b="1" dirty="0">
-                <a:solidFill>
-                  <a:schemeClr val="tx1"/>
-                </a:solidFill>
-                <a:latin typeface="Arial" panose="020B0604020202020204" pitchFamily="34" charset="0"/>
-                <a:cs typeface="Arial" panose="020B0604020202020204" pitchFamily="34" charset="0"/>
-              </a:rPr>
-              <a:t>Planning phases</a:t>
-            </a:r>
-          </a:p>
-          <a:p>
-            <a:pPr marL="1257300" lvl="3" indent="0">
-              <a:buNone/>
-            </a:pPr>
-            <a:r>
-              <a:rPr lang="en-US" dirty="0">
-                <a:solidFill>
-                  <a:schemeClr val="tx1"/>
-                </a:solidFill>
-                <a:latin typeface="Arial" panose="020B0604020202020204" pitchFamily="34" charset="0"/>
-                <a:cs typeface="Arial" panose="020B0604020202020204" pitchFamily="34" charset="0"/>
-              </a:rPr>
-              <a:t>Once the project is approved and it moves into the planning stage, risks are identified for each major activity group. A risk division structure (RBS) can be used to determine the level of detailed risk analysis.</a:t>
-            </a:r>
-          </a:p>
-          <a:p>
-            <a:pPr lvl="2" indent="-342900">
-              <a:buFont typeface="+mj-lt"/>
-              <a:buAutoNum type="alphaLcPeriod" startAt="2"/>
-            </a:pPr>
-            <a:r>
-              <a:rPr lang="en-US" sz="2000" b="1" dirty="0">
-                <a:solidFill>
-                  <a:schemeClr val="tx1"/>
-                </a:solidFill>
-                <a:latin typeface="Arial" panose="020B0604020202020204" pitchFamily="34" charset="0"/>
-                <a:cs typeface="Arial" panose="020B0604020202020204" pitchFamily="34" charset="0"/>
-              </a:rPr>
-              <a:t>Implementation phases</a:t>
-            </a:r>
-          </a:p>
-          <a:p>
-            <a:pPr marL="1257300" lvl="3" indent="0">
-              <a:buNone/>
-            </a:pPr>
-            <a:r>
-              <a:rPr lang="en-US" dirty="0">
-                <a:solidFill>
-                  <a:schemeClr val="tx1"/>
-                </a:solidFill>
-                <a:latin typeface="Arial" panose="020B0604020202020204" pitchFamily="34" charset="0"/>
-                <a:cs typeface="Arial" panose="020B0604020202020204" pitchFamily="34" charset="0"/>
-              </a:rPr>
-              <a:t>As the project progresses and more information is available to the project team, the overall risk on the project often decreases, because the activities are carried out without loss. The risk plan should be updated with new information and check the risks associated with the activities performed.</a:t>
-            </a:r>
-          </a:p>
-          <a:p>
-            <a:pPr lvl="2" indent="-342900">
-              <a:buFont typeface="+mj-lt"/>
-              <a:buAutoNum type="alphaLcPeriod" startAt="2"/>
-            </a:pPr>
-            <a:r>
-              <a:rPr lang="en-US" sz="2000" b="1" dirty="0">
-                <a:solidFill>
-                  <a:schemeClr val="tx1"/>
-                </a:solidFill>
-                <a:latin typeface="Arial" panose="020B0604020202020204" pitchFamily="34" charset="0"/>
-                <a:cs typeface="Arial" panose="020B0604020202020204" pitchFamily="34" charset="0"/>
-              </a:rPr>
-              <a:t>Closeout Phases</a:t>
-            </a:r>
-          </a:p>
-          <a:p>
-            <a:pPr marL="1257300" lvl="3" indent="0">
-              <a:buNone/>
-            </a:pPr>
-            <a:r>
-              <a:rPr lang="en-US" dirty="0">
-                <a:solidFill>
-                  <a:schemeClr val="tx1"/>
-                </a:solidFill>
-                <a:latin typeface="Arial" panose="020B0604020202020204" pitchFamily="34" charset="0"/>
-                <a:cs typeface="Arial" panose="020B0604020202020204" pitchFamily="34" charset="0"/>
-              </a:rPr>
-              <a:t>In the closing phase, risk sharing and risk transfer arrangements should be signed and the risk-sharing structure checked to ensure that all risk events have been avoided or minimized. Final estimates of risk losses can be made and recorded as part of the project document</a:t>
-            </a:r>
-            <a:r>
-              <a:rPr lang="en-US" b="1" dirty="0">
-                <a:solidFill>
-                  <a:schemeClr val="tx1"/>
-                </a:solidFill>
-                <a:latin typeface="Arial" panose="020B0604020202020204" pitchFamily="34" charset="0"/>
-                <a:cs typeface="Arial" panose="020B0604020202020204" pitchFamily="34" charset="0"/>
-              </a:rPr>
-              <a:t>.</a:t>
-            </a:r>
-          </a:p>
-          <a:p>
-            <a:endParaRPr lang="en-US" dirty="0">
-              <a:solidFill>
-                <a:schemeClr val="tx1"/>
-              </a:solidFill>
-              <a:latin typeface="Arial" panose="020B0604020202020204" pitchFamily="34" charset="0"/>
-              <a:cs typeface="Arial" panose="020B0604020202020204" pitchFamily="34" charset="0"/>
-            </a:endParaRPr>
-          </a:p>
-        </p:txBody>
-      </p:sp>
-    </p:spTree>
-    <p:extLst>
-      <p:ext uri="{BB962C8B-B14F-4D97-AF65-F5344CB8AC3E}">
-        <p14:creationId xmlns:p14="http://schemas.microsoft.com/office/powerpoint/2010/main" val="1795489827"/>
-      </p:ext>
-    </p:extLst>
-  </p:cSld>
-  <p:clrMapOvr>
-    <a:masterClrMapping/>
-  </p:clrMapOvr>
-</p:sld>
-</file>
-
-<file path=ppt/slides/slide23.xml><?xml version="1.0" encoding="utf-8"?>
+<file path=ppt/slides/slide20.xml><?xml version="1.0" encoding="utf-8"?>
 <p:sld xmlns:a="http://schemas.openxmlformats.org/drawingml/2006/main" xmlns:r="http://schemas.openxmlformats.org/officeDocument/2006/relationships" xmlns:p="http://schemas.openxmlformats.org/presentationml/2006/main">
   <p:cSld>
     <p:spTree>
@@ -40373,7 +39746,7 @@
 </p:sld>
 </file>
 
-<file path=ppt/slides/slide24.xml><?xml version="1.0" encoding="utf-8"?>
+<file path=ppt/slides/slide21.xml><?xml version="1.0" encoding="utf-8"?>
 <p:sld xmlns:a="http://schemas.openxmlformats.org/drawingml/2006/main" xmlns:r="http://schemas.openxmlformats.org/officeDocument/2006/relationships" xmlns:p="http://schemas.openxmlformats.org/presentationml/2006/main">
   <p:cSld>
     <p:spTree>
@@ -40553,7 +39926,7 @@
 </p:sld>
 </file>
 
-<file path=ppt/slides/slide25.xml><?xml version="1.0" encoding="utf-8"?>
+<file path=ppt/slides/slide22.xml><?xml version="1.0" encoding="utf-8"?>
 <p:sld xmlns:a="http://schemas.openxmlformats.org/drawingml/2006/main" xmlns:r="http://schemas.openxmlformats.org/officeDocument/2006/relationships" xmlns:p="http://schemas.openxmlformats.org/presentationml/2006/main">
   <p:cSld>
     <p:spTree>
@@ -40714,7 +40087,7 @@
 </p:sld>
 </file>
 
-<file path=ppt/slides/slide26.xml><?xml version="1.0" encoding="utf-8"?>
+<file path=ppt/slides/slide23.xml><?xml version="1.0" encoding="utf-8"?>
 <p:sld xmlns:a="http://schemas.openxmlformats.org/drawingml/2006/main" xmlns:r="http://schemas.openxmlformats.org/officeDocument/2006/relationships" xmlns:p="http://schemas.openxmlformats.org/presentationml/2006/main">
   <p:cSld>
     <p:spTree>
@@ -41555,7 +40928,7 @@
 </p:sld>
 </file>
 
-<file path=ppt/slides/slide27.xml><?xml version="1.0" encoding="utf-8"?>
+<file path=ppt/slides/slide24.xml><?xml version="1.0" encoding="utf-8"?>
 <p:sld xmlns:a="http://schemas.openxmlformats.org/drawingml/2006/main" xmlns:r="http://schemas.openxmlformats.org/officeDocument/2006/relationships" xmlns:p="http://schemas.openxmlformats.org/presentationml/2006/main">
   <p:cSld>
     <p:spTree>
@@ -42589,7 +41962,7 @@
 </p:sld>
 </file>
 
-<file path=ppt/slides/slide28.xml><?xml version="1.0" encoding="utf-8"?>
+<file path=ppt/slides/slide25.xml><?xml version="1.0" encoding="utf-8"?>
 <p:sld xmlns:a="http://schemas.openxmlformats.org/drawingml/2006/main" xmlns:r="http://schemas.openxmlformats.org/officeDocument/2006/relationships" xmlns:p="http://schemas.openxmlformats.org/presentationml/2006/main">
   <p:cSld>
     <p:spTree>
@@ -42717,7 +42090,7 @@
 </p:sld>
 </file>
 
-<file path=ppt/slides/slide29.xml><?xml version="1.0" encoding="utf-8"?>
+<file path=ppt/slides/slide26.xml><?xml version="1.0" encoding="utf-8"?>
 <p:sld xmlns:a="http://schemas.openxmlformats.org/drawingml/2006/main" xmlns:r="http://schemas.openxmlformats.org/officeDocument/2006/relationships" xmlns:p="http://schemas.openxmlformats.org/presentationml/2006/main">
   <p:cSld>
     <p:spTree>
@@ -42896,200 +42269,7 @@
 </p:sld>
 </file>
 
-<file path=ppt/slides/slide3.xml><?xml version="1.0" encoding="utf-8"?>
-<p:sld xmlns:a="http://schemas.openxmlformats.org/drawingml/2006/main" xmlns:r="http://schemas.openxmlformats.org/officeDocument/2006/relationships" xmlns:p="http://schemas.openxmlformats.org/presentationml/2006/main">
-  <p:cSld>
-    <p:spTree>
-      <p:nvGrpSpPr>
-        <p:cNvPr id="1" name=""/>
-        <p:cNvGrpSpPr/>
-        <p:nvPr/>
-      </p:nvGrpSpPr>
-      <p:grpSpPr>
-        <a:xfrm>
-          <a:off x="0" y="0"/>
-          <a:ext cx="0" cy="0"/>
-          <a:chOff x="0" y="0"/>
-          <a:chExt cx="0" cy="0"/>
-        </a:xfrm>
-      </p:grpSpPr>
-      <p:sp>
-        <p:nvSpPr>
-          <p:cNvPr id="2" name="Title 1">
-            <a:extLst>
-              <a:ext uri="{FF2B5EF4-FFF2-40B4-BE49-F238E27FC236}">
-                <a16:creationId xmlns:a16="http://schemas.microsoft.com/office/drawing/2014/main" id="{39FBDB44-412B-41FE-A8A8-DEA79A1417D3}"/>
-              </a:ext>
-            </a:extLst>
-          </p:cNvPr>
-          <p:cNvSpPr>
-            <a:spLocks noGrp="1"/>
-          </p:cNvSpPr>
-          <p:nvPr>
-            <p:ph type="title"/>
-          </p:nvPr>
-        </p:nvSpPr>
-        <p:spPr>
-          <a:xfrm>
-            <a:off x="609600" y="0"/>
-            <a:ext cx="10972800" cy="1431235"/>
-          </a:xfrm>
-        </p:spPr>
-        <p:txBody>
-          <a:bodyPr/>
-          <a:lstStyle/>
-          <a:p>
-            <a:pPr algn="l"/>
-            <a:r>
-              <a:rPr lang="en-US" sz="5400" dirty="0">
-                <a:latin typeface="Arial" panose="020B0604020202020204" pitchFamily="34" charset="0"/>
-                <a:cs typeface="Arial" panose="020B0604020202020204" pitchFamily="34" charset="0"/>
-              </a:rPr>
-              <a:t>What is risk/risk management? </a:t>
-            </a:r>
-          </a:p>
-        </p:txBody>
-      </p:sp>
-      <p:sp>
-        <p:nvSpPr>
-          <p:cNvPr id="3" name="Content Placeholder 2">
-            <a:extLst>
-              <a:ext uri="{FF2B5EF4-FFF2-40B4-BE49-F238E27FC236}">
-                <a16:creationId xmlns:a16="http://schemas.microsoft.com/office/drawing/2014/main" id="{90DFF434-D955-4BC3-BB73-6EB043B12290}"/>
-              </a:ext>
-            </a:extLst>
-          </p:cNvPr>
-          <p:cNvSpPr>
-            <a:spLocks noGrp="1"/>
-          </p:cNvSpPr>
-          <p:nvPr>
-            <p:ph idx="1"/>
-          </p:nvPr>
-        </p:nvSpPr>
-        <p:spPr>
-          <a:xfrm>
-            <a:off x="609600" y="1740245"/>
-            <a:ext cx="10972800" cy="4011199"/>
-          </a:xfrm>
-        </p:spPr>
-        <p:txBody>
-          <a:bodyPr>
-            <a:normAutofit/>
-          </a:bodyPr>
-          <a:lstStyle/>
-          <a:p>
-            <a:pPr marL="0" indent="0">
-              <a:buNone/>
-            </a:pPr>
-            <a:r>
-              <a:rPr lang="en-GB" b="1" dirty="0">
-                <a:solidFill>
-                  <a:schemeClr val="tx1"/>
-                </a:solidFill>
-                <a:latin typeface="Arial" panose="020B0604020202020204" pitchFamily="34" charset="0"/>
-                <a:cs typeface="Arial" panose="020B0604020202020204" pitchFamily="34" charset="0"/>
-              </a:rPr>
-              <a:t>What’s risk ?</a:t>
-            </a:r>
-          </a:p>
-          <a:p>
-            <a:pPr marL="0" indent="0">
-              <a:buNone/>
-            </a:pPr>
-            <a:r>
-              <a:rPr lang="en-GB" dirty="0">
-                <a:solidFill>
-                  <a:schemeClr val="tx1"/>
-                </a:solidFill>
-                <a:latin typeface="Arial" panose="020B0604020202020204" pitchFamily="34" charset="0"/>
-                <a:cs typeface="Arial" panose="020B0604020202020204" pitchFamily="34" charset="0"/>
-              </a:rPr>
-              <a:t>	- Any time and anything occurred in project and change the result 		  project.</a:t>
-            </a:r>
-          </a:p>
-          <a:p>
-            <a:pPr marL="0" indent="0">
-              <a:buNone/>
-            </a:pPr>
-            <a:r>
-              <a:rPr lang="en-GB" dirty="0">
-                <a:solidFill>
-                  <a:schemeClr val="tx1"/>
-                </a:solidFill>
-                <a:latin typeface="Arial" panose="020B0604020202020204" pitchFamily="34" charset="0"/>
-                <a:cs typeface="Arial" panose="020B0604020202020204" pitchFamily="34" charset="0"/>
-              </a:rPr>
-              <a:t>	- It’s make </a:t>
-            </a:r>
-            <a:r>
-              <a:rPr lang="en-US" dirty="0">
-                <a:solidFill>
-                  <a:schemeClr val="tx1"/>
-                </a:solidFill>
-                <a:latin typeface="Arial" panose="020B0604020202020204" pitchFamily="34" charset="0"/>
-                <a:cs typeface="Arial" panose="020B0604020202020204" pitchFamily="34" charset="0"/>
-              </a:rPr>
-              <a:t>us have to change plan project before.</a:t>
-            </a:r>
-          </a:p>
-          <a:p>
-            <a:pPr marL="0" indent="0">
-              <a:buNone/>
-            </a:pPr>
-            <a:endParaRPr lang="en-US" dirty="0">
-              <a:solidFill>
-                <a:schemeClr val="tx1"/>
-              </a:solidFill>
-              <a:latin typeface="Arial" panose="020B0604020202020204" pitchFamily="34" charset="0"/>
-              <a:cs typeface="Arial" panose="020B0604020202020204" pitchFamily="34" charset="0"/>
-            </a:endParaRPr>
-          </a:p>
-          <a:p>
-            <a:pPr marL="0" indent="0">
-              <a:buNone/>
-            </a:pPr>
-            <a:r>
-              <a:rPr lang="en-US" b="1" dirty="0">
-                <a:solidFill>
-                  <a:schemeClr val="tx1"/>
-                </a:solidFill>
-                <a:latin typeface="Arial" panose="020B0604020202020204" pitchFamily="34" charset="0"/>
-                <a:cs typeface="Arial" panose="020B0604020202020204" pitchFamily="34" charset="0"/>
-              </a:rPr>
-              <a:t>What’s risk management ?</a:t>
-            </a:r>
-          </a:p>
-          <a:p>
-            <a:pPr marL="0" indent="0">
-              <a:buNone/>
-            </a:pPr>
-            <a:r>
-              <a:rPr lang="en-US" dirty="0">
-                <a:solidFill>
-                  <a:schemeClr val="tx1"/>
-                </a:solidFill>
-                <a:latin typeface="Arial" panose="020B0604020202020204" pitchFamily="34" charset="0"/>
-                <a:cs typeface="Arial" panose="020B0604020202020204" pitchFamily="34" charset="0"/>
-              </a:rPr>
-              <a:t>	- Risk Management is the process of identifying, analyzing and 	   	  responding.</a:t>
-            </a:r>
-          </a:p>
-        </p:txBody>
-      </p:sp>
-    </p:spTree>
-    <p:extLst>
-      <p:ext uri="{BB962C8B-B14F-4D97-AF65-F5344CB8AC3E}">
-        <p14:creationId xmlns:p14="http://schemas.microsoft.com/office/powerpoint/2010/main" val="1427409133"/>
-      </p:ext>
-    </p:extLst>
-  </p:cSld>
-  <p:clrMapOvr>
-    <a:masterClrMapping/>
-  </p:clrMapOvr>
-</p:sld>
-</file>
-
-<file path=ppt/slides/slide30.xml><?xml version="1.0" encoding="utf-8"?>
+<file path=ppt/slides/slide27.xml><?xml version="1.0" encoding="utf-8"?>
 <p:sld xmlns:a="http://schemas.openxmlformats.org/drawingml/2006/main" xmlns:r="http://schemas.openxmlformats.org/officeDocument/2006/relationships" xmlns:p="http://schemas.openxmlformats.org/presentationml/2006/main">
   <p:cSld>
     <p:spTree>
@@ -43312,7 +42492,7 @@
 </p:sld>
 </file>
 
-<file path=ppt/slides/slide31.xml><?xml version="1.0" encoding="utf-8"?>
+<file path=ppt/slides/slide28.xml><?xml version="1.0" encoding="utf-8"?>
 <p:sld xmlns:a="http://schemas.openxmlformats.org/drawingml/2006/main" xmlns:r="http://schemas.openxmlformats.org/officeDocument/2006/relationships" xmlns:p="http://schemas.openxmlformats.org/presentationml/2006/main">
   <p:cSld>
     <p:spTree>
@@ -43449,7 +42629,7 @@
 </p:sld>
 </file>
 
-<file path=ppt/slides/slide32.xml><?xml version="1.0" encoding="utf-8"?>
+<file path=ppt/slides/slide29.xml><?xml version="1.0" encoding="utf-8"?>
 <p:sld xmlns:a="http://schemas.openxmlformats.org/drawingml/2006/main" xmlns:r="http://schemas.openxmlformats.org/officeDocument/2006/relationships" xmlns:p="http://schemas.openxmlformats.org/presentationml/2006/main">
   <p:cSld>
     <p:spTree>
@@ -43549,7 +42729,200 @@
 </p:sld>
 </file>
 
-<file path=ppt/slides/slide33.xml><?xml version="1.0" encoding="utf-8"?>
+<file path=ppt/slides/slide3.xml><?xml version="1.0" encoding="utf-8"?>
+<p:sld xmlns:a="http://schemas.openxmlformats.org/drawingml/2006/main" xmlns:r="http://schemas.openxmlformats.org/officeDocument/2006/relationships" xmlns:p="http://schemas.openxmlformats.org/presentationml/2006/main">
+  <p:cSld>
+    <p:spTree>
+      <p:nvGrpSpPr>
+        <p:cNvPr id="1" name=""/>
+        <p:cNvGrpSpPr/>
+        <p:nvPr/>
+      </p:nvGrpSpPr>
+      <p:grpSpPr>
+        <a:xfrm>
+          <a:off x="0" y="0"/>
+          <a:ext cx="0" cy="0"/>
+          <a:chOff x="0" y="0"/>
+          <a:chExt cx="0" cy="0"/>
+        </a:xfrm>
+      </p:grpSpPr>
+      <p:sp>
+        <p:nvSpPr>
+          <p:cNvPr id="2" name="Title 1">
+            <a:extLst>
+              <a:ext uri="{FF2B5EF4-FFF2-40B4-BE49-F238E27FC236}">
+                <a16:creationId xmlns:a16="http://schemas.microsoft.com/office/drawing/2014/main" id="{39FBDB44-412B-41FE-A8A8-DEA79A1417D3}"/>
+              </a:ext>
+            </a:extLst>
+          </p:cNvPr>
+          <p:cNvSpPr>
+            <a:spLocks noGrp="1"/>
+          </p:cNvSpPr>
+          <p:nvPr>
+            <p:ph type="title"/>
+          </p:nvPr>
+        </p:nvSpPr>
+        <p:spPr>
+          <a:xfrm>
+            <a:off x="609600" y="0"/>
+            <a:ext cx="10972800" cy="1431235"/>
+          </a:xfrm>
+        </p:spPr>
+        <p:txBody>
+          <a:bodyPr/>
+          <a:lstStyle/>
+          <a:p>
+            <a:pPr algn="l"/>
+            <a:r>
+              <a:rPr lang="en-US" sz="5400" dirty="0">
+                <a:latin typeface="Arial" panose="020B0604020202020204" pitchFamily="34" charset="0"/>
+                <a:cs typeface="Arial" panose="020B0604020202020204" pitchFamily="34" charset="0"/>
+              </a:rPr>
+              <a:t>What is risk/risk management? </a:t>
+            </a:r>
+          </a:p>
+        </p:txBody>
+      </p:sp>
+      <p:sp>
+        <p:nvSpPr>
+          <p:cNvPr id="3" name="Content Placeholder 2">
+            <a:extLst>
+              <a:ext uri="{FF2B5EF4-FFF2-40B4-BE49-F238E27FC236}">
+                <a16:creationId xmlns:a16="http://schemas.microsoft.com/office/drawing/2014/main" id="{90DFF434-D955-4BC3-BB73-6EB043B12290}"/>
+              </a:ext>
+            </a:extLst>
+          </p:cNvPr>
+          <p:cNvSpPr>
+            <a:spLocks noGrp="1"/>
+          </p:cNvSpPr>
+          <p:nvPr>
+            <p:ph idx="1"/>
+          </p:nvPr>
+        </p:nvSpPr>
+        <p:spPr>
+          <a:xfrm>
+            <a:off x="609600" y="1740245"/>
+            <a:ext cx="10972800" cy="4011199"/>
+          </a:xfrm>
+        </p:spPr>
+        <p:txBody>
+          <a:bodyPr>
+            <a:normAutofit/>
+          </a:bodyPr>
+          <a:lstStyle/>
+          <a:p>
+            <a:pPr marL="0" indent="0">
+              <a:buNone/>
+            </a:pPr>
+            <a:r>
+              <a:rPr lang="en-GB" b="1" dirty="0">
+                <a:solidFill>
+                  <a:schemeClr val="tx1"/>
+                </a:solidFill>
+                <a:latin typeface="Arial" panose="020B0604020202020204" pitchFamily="34" charset="0"/>
+                <a:cs typeface="Arial" panose="020B0604020202020204" pitchFamily="34" charset="0"/>
+              </a:rPr>
+              <a:t>What’s risk ?</a:t>
+            </a:r>
+          </a:p>
+          <a:p>
+            <a:pPr marL="0" indent="0">
+              <a:buNone/>
+            </a:pPr>
+            <a:r>
+              <a:rPr lang="en-GB" dirty="0">
+                <a:solidFill>
+                  <a:schemeClr val="tx1"/>
+                </a:solidFill>
+                <a:latin typeface="Arial" panose="020B0604020202020204" pitchFamily="34" charset="0"/>
+                <a:cs typeface="Arial" panose="020B0604020202020204" pitchFamily="34" charset="0"/>
+              </a:rPr>
+              <a:t>	- Any time and anything occurred in project and change the result 		  project.</a:t>
+            </a:r>
+          </a:p>
+          <a:p>
+            <a:pPr marL="0" indent="0">
+              <a:buNone/>
+            </a:pPr>
+            <a:r>
+              <a:rPr lang="en-GB" dirty="0">
+                <a:solidFill>
+                  <a:schemeClr val="tx1"/>
+                </a:solidFill>
+                <a:latin typeface="Arial" panose="020B0604020202020204" pitchFamily="34" charset="0"/>
+                <a:cs typeface="Arial" panose="020B0604020202020204" pitchFamily="34" charset="0"/>
+              </a:rPr>
+              <a:t>	- It’s make </a:t>
+            </a:r>
+            <a:r>
+              <a:rPr lang="en-US" dirty="0">
+                <a:solidFill>
+                  <a:schemeClr val="tx1"/>
+                </a:solidFill>
+                <a:latin typeface="Arial" panose="020B0604020202020204" pitchFamily="34" charset="0"/>
+                <a:cs typeface="Arial" panose="020B0604020202020204" pitchFamily="34" charset="0"/>
+              </a:rPr>
+              <a:t>us have to change plan project before.</a:t>
+            </a:r>
+          </a:p>
+          <a:p>
+            <a:pPr marL="0" indent="0">
+              <a:buNone/>
+            </a:pPr>
+            <a:endParaRPr lang="en-US" dirty="0">
+              <a:solidFill>
+                <a:schemeClr val="tx1"/>
+              </a:solidFill>
+              <a:latin typeface="Arial" panose="020B0604020202020204" pitchFamily="34" charset="0"/>
+              <a:cs typeface="Arial" panose="020B0604020202020204" pitchFamily="34" charset="0"/>
+            </a:endParaRPr>
+          </a:p>
+          <a:p>
+            <a:pPr marL="0" indent="0">
+              <a:buNone/>
+            </a:pPr>
+            <a:r>
+              <a:rPr lang="en-US" b="1" dirty="0">
+                <a:solidFill>
+                  <a:schemeClr val="tx1"/>
+                </a:solidFill>
+                <a:latin typeface="Arial" panose="020B0604020202020204" pitchFamily="34" charset="0"/>
+                <a:cs typeface="Arial" panose="020B0604020202020204" pitchFamily="34" charset="0"/>
+              </a:rPr>
+              <a:t>What’s risk management ?</a:t>
+            </a:r>
+          </a:p>
+          <a:p>
+            <a:pPr marL="0" indent="0">
+              <a:buNone/>
+            </a:pPr>
+            <a:r>
+              <a:rPr lang="en-US" dirty="0">
+                <a:solidFill>
+                  <a:schemeClr val="tx1"/>
+                </a:solidFill>
+                <a:latin typeface="Arial" panose="020B0604020202020204" pitchFamily="34" charset="0"/>
+                <a:cs typeface="Arial" panose="020B0604020202020204" pitchFamily="34" charset="0"/>
+              </a:rPr>
+              <a:t>	- Risk Management is the process of identifying, analyzing and 	   	  responding.</a:t>
+            </a:r>
+          </a:p>
+        </p:txBody>
+      </p:sp>
+    </p:spTree>
+    <p:extLst>
+      <p:ext uri="{BB962C8B-B14F-4D97-AF65-F5344CB8AC3E}">
+        <p14:creationId xmlns:p14="http://schemas.microsoft.com/office/powerpoint/2010/main" val="1427409133"/>
+      </p:ext>
+    </p:extLst>
+  </p:cSld>
+  <p:clrMapOvr>
+    <a:masterClrMapping/>
+  </p:clrMapOvr>
+</p:sld>
+</file>
+
+<file path=ppt/slides/slide30.xml><?xml version="1.0" encoding="utf-8"?>
 <p:sld xmlns:a="http://schemas.openxmlformats.org/drawingml/2006/main" xmlns:r="http://schemas.openxmlformats.org/officeDocument/2006/relationships" xmlns:p="http://schemas.openxmlformats.org/presentationml/2006/main">
   <p:cSld>
     <p:spTree>
@@ -43793,7 +43166,7 @@
 </p:sld>
 </file>
 
-<file path=ppt/slides/slide34.xml><?xml version="1.0" encoding="utf-8"?>
+<file path=ppt/slides/slide31.xml><?xml version="1.0" encoding="utf-8"?>
 <p:sld xmlns:a="http://schemas.openxmlformats.org/drawingml/2006/main" xmlns:r="http://schemas.openxmlformats.org/officeDocument/2006/relationships" xmlns:p="http://schemas.openxmlformats.org/presentationml/2006/main">
   <p:cSld>
     <p:spTree>
@@ -44000,7 +43373,7 @@
 </p:sld>
 </file>
 
-<file path=ppt/slides/slide35.xml><?xml version="1.0" encoding="utf-8"?>
+<file path=ppt/slides/slide32.xml><?xml version="1.0" encoding="utf-8"?>
 <p:sld xmlns:a="http://schemas.openxmlformats.org/drawingml/2006/main" xmlns:r="http://schemas.openxmlformats.org/officeDocument/2006/relationships" xmlns:p="http://schemas.openxmlformats.org/presentationml/2006/main">
   <p:cSld>
     <p:spTree>
@@ -44166,7 +43539,7 @@
 </p:sld>
 </file>
 
-<file path=ppt/slides/slide36.xml><?xml version="1.0" encoding="utf-8"?>
+<file path=ppt/slides/slide33.xml><?xml version="1.0" encoding="utf-8"?>
 <p:sld xmlns:a="http://schemas.openxmlformats.org/drawingml/2006/main" xmlns:r="http://schemas.openxmlformats.org/officeDocument/2006/relationships" xmlns:p="http://schemas.openxmlformats.org/presentationml/2006/main">
   <p:cSld>
     <p:spTree>
@@ -44398,7 +43771,7 @@
 </p:sld>
 </file>
 
-<file path=ppt/slides/slide37.xml><?xml version="1.0" encoding="utf-8"?>
+<file path=ppt/slides/slide34.xml><?xml version="1.0" encoding="utf-8"?>
 <p:sld xmlns:a="http://schemas.openxmlformats.org/drawingml/2006/main" xmlns:r="http://schemas.openxmlformats.org/officeDocument/2006/relationships" xmlns:p="http://schemas.openxmlformats.org/presentationml/2006/main">
   <p:cSld>
     <p:spTree>
@@ -45244,7 +44617,7 @@
 </p:sld>
 </file>
 
-<file path=ppt/slides/slide38.xml><?xml version="1.0" encoding="utf-8"?>
+<file path=ppt/slides/slide35.xml><?xml version="1.0" encoding="utf-8"?>
 <p:sld xmlns:a="http://schemas.openxmlformats.org/drawingml/2006/main" xmlns:r="http://schemas.openxmlformats.org/officeDocument/2006/relationships" xmlns:p="http://schemas.openxmlformats.org/presentationml/2006/main">
   <p:cSld>
     <p:spTree>
@@ -45367,7 +44740,7 @@
 </p:sld>
 </file>
 
-<file path=ppt/slides/slide39.xml><?xml version="1.0" encoding="utf-8"?>
+<file path=ppt/slides/slide36.xml><?xml version="1.0" encoding="utf-8"?>
 <p:sld xmlns:a="http://schemas.openxmlformats.org/drawingml/2006/main" xmlns:r="http://schemas.openxmlformats.org/officeDocument/2006/relationships" xmlns:p="http://schemas.openxmlformats.org/presentationml/2006/main">
   <p:cSld>
     <p:spTree>
@@ -45478,6 +44851,442 @@
     <p:extLst>
       <p:ext uri="{BB962C8B-B14F-4D97-AF65-F5344CB8AC3E}">
         <p14:creationId xmlns:p14="http://schemas.microsoft.com/office/powerpoint/2010/main" val="1047338801"/>
+      </p:ext>
+    </p:extLst>
+  </p:cSld>
+  <p:clrMapOvr>
+    <a:masterClrMapping/>
+  </p:clrMapOvr>
+</p:sld>
+</file>
+
+<file path=ppt/slides/slide37.xml><?xml version="1.0" encoding="utf-8"?>
+<p:sld xmlns:a="http://schemas.openxmlformats.org/drawingml/2006/main" xmlns:r="http://schemas.openxmlformats.org/officeDocument/2006/relationships" xmlns:p="http://schemas.openxmlformats.org/presentationml/2006/main">
+  <p:cSld>
+    <p:spTree>
+      <p:nvGrpSpPr>
+        <p:cNvPr id="1" name=""/>
+        <p:cNvGrpSpPr/>
+        <p:nvPr/>
+      </p:nvGrpSpPr>
+      <p:grpSpPr>
+        <a:xfrm>
+          <a:off x="0" y="0"/>
+          <a:ext cx="0" cy="0"/>
+          <a:chOff x="0" y="0"/>
+          <a:chExt cx="0" cy="0"/>
+        </a:xfrm>
+      </p:grpSpPr>
+      <p:sp>
+        <p:nvSpPr>
+          <p:cNvPr id="2" name="Title 1">
+            <a:extLst>
+              <a:ext uri="{FF2B5EF4-FFF2-40B4-BE49-F238E27FC236}">
+                <a16:creationId xmlns:a16="http://schemas.microsoft.com/office/drawing/2014/main" id="{327BD42E-595F-456F-A7D2-1FB5866E3CDD}"/>
+              </a:ext>
+            </a:extLst>
+          </p:cNvPr>
+          <p:cNvSpPr>
+            <a:spLocks noGrp="1"/>
+          </p:cNvSpPr>
+          <p:nvPr>
+            <p:ph type="title"/>
+          </p:nvPr>
+        </p:nvSpPr>
+        <p:spPr/>
+        <p:txBody>
+          <a:bodyPr/>
+          <a:lstStyle/>
+          <a:p>
+            <a:r>
+              <a:rPr lang="en-US" dirty="0"/>
+              <a:t>RISK RESPONSE PLANNING</a:t>
+            </a:r>
+          </a:p>
+        </p:txBody>
+      </p:sp>
+      <p:sp>
+        <p:nvSpPr>
+          <p:cNvPr id="3" name="Content Placeholder 2">
+            <a:extLst>
+              <a:ext uri="{FF2B5EF4-FFF2-40B4-BE49-F238E27FC236}">
+                <a16:creationId xmlns:a16="http://schemas.microsoft.com/office/drawing/2014/main" id="{AC05F4D0-DEAB-436F-860C-3E16242A25D0}"/>
+              </a:ext>
+            </a:extLst>
+          </p:cNvPr>
+          <p:cNvSpPr>
+            <a:spLocks noGrp="1"/>
+          </p:cNvSpPr>
+          <p:nvPr>
+            <p:ph idx="1"/>
+          </p:nvPr>
+        </p:nvSpPr>
+        <p:spPr/>
+        <p:txBody>
+          <a:bodyPr/>
+          <a:lstStyle/>
+          <a:p>
+            <a:pPr marL="0" indent="0">
+              <a:buNone/>
+            </a:pPr>
+            <a:r>
+              <a:rPr lang="en-US" b="1" u="sng" dirty="0">
+                <a:solidFill>
+                  <a:schemeClr val="tx1"/>
+                </a:solidFill>
+                <a:latin typeface="Arial" panose="020B0604020202020204" pitchFamily="34" charset="0"/>
+                <a:cs typeface="Arial" panose="020B0604020202020204" pitchFamily="34" charset="0"/>
+              </a:rPr>
+              <a:t>Parts of a Risk Response:</a:t>
+            </a:r>
+          </a:p>
+          <a:p>
+            <a:pPr lvl="1"/>
+            <a:r>
+              <a:rPr lang="en-US" sz="2400" dirty="0">
+                <a:solidFill>
+                  <a:schemeClr val="tx1"/>
+                </a:solidFill>
+                <a:latin typeface="Arial" panose="020B0604020202020204" pitchFamily="34" charset="0"/>
+                <a:cs typeface="Arial" panose="020B0604020202020204" pitchFamily="34" charset="0"/>
+              </a:rPr>
+              <a:t>Cost effective relative to the significance of the risk</a:t>
+            </a:r>
+          </a:p>
+          <a:p>
+            <a:pPr lvl="1"/>
+            <a:r>
+              <a:rPr lang="en-US" sz="2400" dirty="0">
+                <a:solidFill>
+                  <a:schemeClr val="tx1"/>
+                </a:solidFill>
+                <a:latin typeface="Arial" panose="020B0604020202020204" pitchFamily="34" charset="0"/>
+                <a:cs typeface="Arial" panose="020B0604020202020204" pitchFamily="34" charset="0"/>
+              </a:rPr>
+              <a:t>Scaled to the magnitude of the risk</a:t>
+            </a:r>
+          </a:p>
+          <a:p>
+            <a:pPr lvl="1"/>
+            <a:r>
+              <a:rPr lang="en-US" sz="2400" dirty="0">
+                <a:solidFill>
+                  <a:schemeClr val="tx1"/>
+                </a:solidFill>
+                <a:latin typeface="Arial" panose="020B0604020202020204" pitchFamily="34" charset="0"/>
+                <a:cs typeface="Arial" panose="020B0604020202020204" pitchFamily="34" charset="0"/>
+              </a:rPr>
+              <a:t>Agreed upon by the applicable project stakeholders</a:t>
+            </a:r>
+          </a:p>
+          <a:p>
+            <a:pPr lvl="1"/>
+            <a:r>
+              <a:rPr lang="en-US" sz="2400" dirty="0">
+                <a:solidFill>
+                  <a:schemeClr val="tx1"/>
+                </a:solidFill>
+                <a:latin typeface="Arial" panose="020B0604020202020204" pitchFamily="34" charset="0"/>
+                <a:cs typeface="Arial" panose="020B0604020202020204" pitchFamily="34" charset="0"/>
+              </a:rPr>
+              <a:t>Achievable and realistic</a:t>
+            </a:r>
+          </a:p>
+          <a:p>
+            <a:endParaRPr lang="en-US" dirty="0"/>
+          </a:p>
+        </p:txBody>
+      </p:sp>
+    </p:spTree>
+    <p:extLst>
+      <p:ext uri="{BB962C8B-B14F-4D97-AF65-F5344CB8AC3E}">
+        <p14:creationId xmlns:p14="http://schemas.microsoft.com/office/powerpoint/2010/main" val="2190623570"/>
+      </p:ext>
+    </p:extLst>
+  </p:cSld>
+  <p:clrMapOvr>
+    <a:masterClrMapping/>
+  </p:clrMapOvr>
+</p:sld>
+</file>
+
+<file path=ppt/slides/slide38.xml><?xml version="1.0" encoding="utf-8"?>
+<p:sld xmlns:a="http://schemas.openxmlformats.org/drawingml/2006/main" xmlns:r="http://schemas.openxmlformats.org/officeDocument/2006/relationships" xmlns:p="http://schemas.openxmlformats.org/presentationml/2006/main">
+  <p:cSld>
+    <p:spTree>
+      <p:nvGrpSpPr>
+        <p:cNvPr id="1" name=""/>
+        <p:cNvGrpSpPr/>
+        <p:nvPr/>
+      </p:nvGrpSpPr>
+      <p:grpSpPr>
+        <a:xfrm>
+          <a:off x="0" y="0"/>
+          <a:ext cx="0" cy="0"/>
+          <a:chOff x="0" y="0"/>
+          <a:chExt cx="0" cy="0"/>
+        </a:xfrm>
+      </p:grpSpPr>
+      <p:sp>
+        <p:nvSpPr>
+          <p:cNvPr id="2" name="Title 1">
+            <a:extLst>
+              <a:ext uri="{FF2B5EF4-FFF2-40B4-BE49-F238E27FC236}">
+                <a16:creationId xmlns:a16="http://schemas.microsoft.com/office/drawing/2014/main" id="{6BF3ECC4-DC90-4319-B663-44B6DD058951}"/>
+              </a:ext>
+            </a:extLst>
+          </p:cNvPr>
+          <p:cNvSpPr>
+            <a:spLocks noGrp="1"/>
+          </p:cNvSpPr>
+          <p:nvPr>
+            <p:ph type="title"/>
+          </p:nvPr>
+        </p:nvSpPr>
+        <p:spPr/>
+        <p:txBody>
+          <a:bodyPr/>
+          <a:lstStyle/>
+          <a:p>
+            <a:r>
+              <a:rPr lang="en-US" dirty="0">
+                <a:latin typeface="Arial" panose="020B0604020202020204" pitchFamily="34" charset="0"/>
+                <a:cs typeface="Arial" panose="020B0604020202020204" pitchFamily="34" charset="0"/>
+              </a:rPr>
+              <a:t>RISK RESPONSE PLANNING</a:t>
+            </a:r>
+          </a:p>
+        </p:txBody>
+      </p:sp>
+      <p:sp>
+        <p:nvSpPr>
+          <p:cNvPr id="3" name="Content Placeholder 2">
+            <a:extLst>
+              <a:ext uri="{FF2B5EF4-FFF2-40B4-BE49-F238E27FC236}">
+                <a16:creationId xmlns:a16="http://schemas.microsoft.com/office/drawing/2014/main" id="{12B0C572-73DD-41D4-A385-98E9B697B8D2}"/>
+              </a:ext>
+            </a:extLst>
+          </p:cNvPr>
+          <p:cNvSpPr>
+            <a:spLocks noGrp="1"/>
+          </p:cNvSpPr>
+          <p:nvPr>
+            <p:ph idx="1"/>
+          </p:nvPr>
+        </p:nvSpPr>
+        <p:spPr/>
+        <p:txBody>
+          <a:bodyPr/>
+          <a:lstStyle/>
+          <a:p>
+            <a:pPr marL="0" indent="0">
+              <a:buNone/>
+            </a:pPr>
+            <a:r>
+              <a:rPr lang="en-US" b="1" u="sng" dirty="0">
+                <a:solidFill>
+                  <a:schemeClr val="tx1"/>
+                </a:solidFill>
+                <a:latin typeface="Arial" panose="020B0604020202020204" pitchFamily="34" charset="0"/>
+                <a:cs typeface="Arial" panose="020B0604020202020204" pitchFamily="34" charset="0"/>
+              </a:rPr>
+              <a:t>How to Response:</a:t>
+            </a:r>
+          </a:p>
+          <a:p>
+            <a:pPr marL="0" indent="0">
+              <a:buNone/>
+            </a:pPr>
+            <a:endParaRPr lang="en-US" dirty="0">
+              <a:solidFill>
+                <a:schemeClr val="tx1"/>
+              </a:solidFill>
+              <a:latin typeface="Arial" panose="020B0604020202020204" pitchFamily="34" charset="0"/>
+              <a:cs typeface="Arial" panose="020B0604020202020204" pitchFamily="34" charset="0"/>
+            </a:endParaRPr>
+          </a:p>
+        </p:txBody>
+      </p:sp>
+      <p:pic>
+        <p:nvPicPr>
+          <p:cNvPr id="4" name="Picture 3" descr="Kết quả hình ảnh cho risk response planning">
+            <a:extLst>
+              <a:ext uri="{FF2B5EF4-FFF2-40B4-BE49-F238E27FC236}">
+                <a16:creationId xmlns:a16="http://schemas.microsoft.com/office/drawing/2014/main" id="{98F751D6-7FF6-45FC-9DE7-272B51775707}"/>
+              </a:ext>
+            </a:extLst>
+          </p:cNvPr>
+          <p:cNvPicPr/>
+          <p:nvPr/>
+        </p:nvPicPr>
+        <p:blipFill>
+          <a:blip r:embed="rId2">
+            <a:extLst>
+              <a:ext uri="{28A0092B-C50C-407E-A947-70E740481C1C}">
+                <a14:useLocalDpi xmlns:a14="http://schemas.microsoft.com/office/drawing/2010/main" val="0"/>
+              </a:ext>
+            </a:extLst>
+          </a:blip>
+          <a:srcRect/>
+          <a:stretch>
+            <a:fillRect/>
+          </a:stretch>
+        </p:blipFill>
+        <p:spPr bwMode="auto">
+          <a:xfrm>
+            <a:off x="4190585" y="1846262"/>
+            <a:ext cx="6424405" cy="4408350"/>
+          </a:xfrm>
+          <a:prstGeom prst="rect">
+            <a:avLst/>
+          </a:prstGeom>
+          <a:noFill/>
+          <a:ln>
+            <a:noFill/>
+          </a:ln>
+        </p:spPr>
+      </p:pic>
+    </p:spTree>
+    <p:extLst>
+      <p:ext uri="{BB962C8B-B14F-4D97-AF65-F5344CB8AC3E}">
+        <p14:creationId xmlns:p14="http://schemas.microsoft.com/office/powerpoint/2010/main" val="1683897907"/>
+      </p:ext>
+    </p:extLst>
+  </p:cSld>
+  <p:clrMapOvr>
+    <a:masterClrMapping/>
+  </p:clrMapOvr>
+</p:sld>
+</file>
+
+<file path=ppt/slides/slide39.xml><?xml version="1.0" encoding="utf-8"?>
+<p:sld xmlns:a="http://schemas.openxmlformats.org/drawingml/2006/main" xmlns:r="http://schemas.openxmlformats.org/officeDocument/2006/relationships" xmlns:p="http://schemas.openxmlformats.org/presentationml/2006/main">
+  <p:cSld>
+    <p:spTree>
+      <p:nvGrpSpPr>
+        <p:cNvPr id="1" name=""/>
+        <p:cNvGrpSpPr/>
+        <p:nvPr/>
+      </p:nvGrpSpPr>
+      <p:grpSpPr>
+        <a:xfrm>
+          <a:off x="0" y="0"/>
+          <a:ext cx="0" cy="0"/>
+          <a:chOff x="0" y="0"/>
+          <a:chExt cx="0" cy="0"/>
+        </a:xfrm>
+      </p:grpSpPr>
+      <p:sp>
+        <p:nvSpPr>
+          <p:cNvPr id="2" name="Title 1">
+            <a:extLst>
+              <a:ext uri="{FF2B5EF4-FFF2-40B4-BE49-F238E27FC236}">
+                <a16:creationId xmlns:a16="http://schemas.microsoft.com/office/drawing/2014/main" id="{F0C5370F-F580-46F0-9CCB-94B55EB5942A}"/>
+              </a:ext>
+            </a:extLst>
+          </p:cNvPr>
+          <p:cNvSpPr>
+            <a:spLocks noGrp="1"/>
+          </p:cNvSpPr>
+          <p:nvPr>
+            <p:ph type="title"/>
+          </p:nvPr>
+        </p:nvSpPr>
+        <p:spPr/>
+        <p:txBody>
+          <a:bodyPr/>
+          <a:lstStyle/>
+          <a:p>
+            <a:r>
+              <a:rPr lang="en-US" dirty="0">
+                <a:latin typeface="Arial" panose="020B0604020202020204" pitchFamily="34" charset="0"/>
+                <a:cs typeface="Arial" panose="020B0604020202020204" pitchFamily="34" charset="0"/>
+              </a:rPr>
+              <a:t>RISK RESPONSE PLANNING</a:t>
+            </a:r>
+          </a:p>
+        </p:txBody>
+      </p:sp>
+      <p:sp>
+        <p:nvSpPr>
+          <p:cNvPr id="3" name="Content Placeholder 2">
+            <a:extLst>
+              <a:ext uri="{FF2B5EF4-FFF2-40B4-BE49-F238E27FC236}">
+                <a16:creationId xmlns:a16="http://schemas.microsoft.com/office/drawing/2014/main" id="{5E3597E3-4A5A-4F9A-9579-EF0034FF207B}"/>
+              </a:ext>
+            </a:extLst>
+          </p:cNvPr>
+          <p:cNvSpPr>
+            <a:spLocks noGrp="1"/>
+          </p:cNvSpPr>
+          <p:nvPr>
+            <p:ph idx="1"/>
+          </p:nvPr>
+        </p:nvSpPr>
+        <p:spPr/>
+        <p:txBody>
+          <a:bodyPr/>
+          <a:lstStyle/>
+          <a:p>
+            <a:pPr marL="0" indent="0">
+              <a:buNone/>
+            </a:pPr>
+            <a:r>
+              <a:rPr lang="en-US" b="1" u="sng" dirty="0">
+                <a:solidFill>
+                  <a:schemeClr val="tx1"/>
+                </a:solidFill>
+                <a:latin typeface="Arial" panose="020B0604020202020204" pitchFamily="34" charset="0"/>
+                <a:cs typeface="Arial" panose="020B0604020202020204" pitchFamily="34" charset="0"/>
+              </a:rPr>
+              <a:t>Example:</a:t>
+            </a:r>
+          </a:p>
+        </p:txBody>
+      </p:sp>
+      <p:pic>
+        <p:nvPicPr>
+          <p:cNvPr id="4" name="Picture 3" descr="Kết quả hình ảnh cho risk response planning">
+            <a:extLst>
+              <a:ext uri="{FF2B5EF4-FFF2-40B4-BE49-F238E27FC236}">
+                <a16:creationId xmlns:a16="http://schemas.microsoft.com/office/drawing/2014/main" id="{4F88675A-7AEB-48E9-8F95-103D09DA6C76}"/>
+              </a:ext>
+            </a:extLst>
+          </p:cNvPr>
+          <p:cNvPicPr/>
+          <p:nvPr/>
+        </p:nvPicPr>
+        <p:blipFill>
+          <a:blip r:embed="rId2">
+            <a:extLst>
+              <a:ext uri="{28A0092B-C50C-407E-A947-70E740481C1C}">
+                <a14:useLocalDpi xmlns:a14="http://schemas.microsoft.com/office/drawing/2010/main" val="0"/>
+              </a:ext>
+            </a:extLst>
+          </a:blip>
+          <a:srcRect/>
+          <a:stretch>
+            <a:fillRect/>
+          </a:stretch>
+        </p:blipFill>
+        <p:spPr bwMode="auto">
+          <a:xfrm>
+            <a:off x="2925417" y="1600199"/>
+            <a:ext cx="7066722" cy="4880113"/>
+          </a:xfrm>
+          <a:prstGeom prst="rect">
+            <a:avLst/>
+          </a:prstGeom>
+          <a:noFill/>
+          <a:ln>
+            <a:noFill/>
+          </a:ln>
+        </p:spPr>
+      </p:pic>
+    </p:spTree>
+    <p:extLst>
+      <p:ext uri="{BB962C8B-B14F-4D97-AF65-F5344CB8AC3E}">
+        <p14:creationId xmlns:p14="http://schemas.microsoft.com/office/powerpoint/2010/main" val="3739937497"/>
       </p:ext>
     </p:extLst>
   </p:cSld>
@@ -45669,442 +45478,6 @@
           <p:cNvPr id="2" name="Title 1">
             <a:extLst>
               <a:ext uri="{FF2B5EF4-FFF2-40B4-BE49-F238E27FC236}">
-                <a16:creationId xmlns:a16="http://schemas.microsoft.com/office/drawing/2014/main" id="{327BD42E-595F-456F-A7D2-1FB5866E3CDD}"/>
-              </a:ext>
-            </a:extLst>
-          </p:cNvPr>
-          <p:cNvSpPr>
-            <a:spLocks noGrp="1"/>
-          </p:cNvSpPr>
-          <p:nvPr>
-            <p:ph type="title"/>
-          </p:nvPr>
-        </p:nvSpPr>
-        <p:spPr/>
-        <p:txBody>
-          <a:bodyPr/>
-          <a:lstStyle/>
-          <a:p>
-            <a:r>
-              <a:rPr lang="en-US" dirty="0"/>
-              <a:t>RISK RESPONSE PLANNING</a:t>
-            </a:r>
-          </a:p>
-        </p:txBody>
-      </p:sp>
-      <p:sp>
-        <p:nvSpPr>
-          <p:cNvPr id="3" name="Content Placeholder 2">
-            <a:extLst>
-              <a:ext uri="{FF2B5EF4-FFF2-40B4-BE49-F238E27FC236}">
-                <a16:creationId xmlns:a16="http://schemas.microsoft.com/office/drawing/2014/main" id="{AC05F4D0-DEAB-436F-860C-3E16242A25D0}"/>
-              </a:ext>
-            </a:extLst>
-          </p:cNvPr>
-          <p:cNvSpPr>
-            <a:spLocks noGrp="1"/>
-          </p:cNvSpPr>
-          <p:nvPr>
-            <p:ph idx="1"/>
-          </p:nvPr>
-        </p:nvSpPr>
-        <p:spPr/>
-        <p:txBody>
-          <a:bodyPr/>
-          <a:lstStyle/>
-          <a:p>
-            <a:pPr marL="0" indent="0">
-              <a:buNone/>
-            </a:pPr>
-            <a:r>
-              <a:rPr lang="en-US" b="1" u="sng" dirty="0">
-                <a:solidFill>
-                  <a:schemeClr val="tx1"/>
-                </a:solidFill>
-                <a:latin typeface="Arial" panose="020B0604020202020204" pitchFamily="34" charset="0"/>
-                <a:cs typeface="Arial" panose="020B0604020202020204" pitchFamily="34" charset="0"/>
-              </a:rPr>
-              <a:t>Parts of a Risk Response:</a:t>
-            </a:r>
-          </a:p>
-          <a:p>
-            <a:pPr lvl="1"/>
-            <a:r>
-              <a:rPr lang="en-US" sz="2400" dirty="0">
-                <a:solidFill>
-                  <a:schemeClr val="tx1"/>
-                </a:solidFill>
-                <a:latin typeface="Arial" panose="020B0604020202020204" pitchFamily="34" charset="0"/>
-                <a:cs typeface="Arial" panose="020B0604020202020204" pitchFamily="34" charset="0"/>
-              </a:rPr>
-              <a:t>Cost effective relative to the significance of the risk</a:t>
-            </a:r>
-          </a:p>
-          <a:p>
-            <a:pPr lvl="1"/>
-            <a:r>
-              <a:rPr lang="en-US" sz="2400" dirty="0">
-                <a:solidFill>
-                  <a:schemeClr val="tx1"/>
-                </a:solidFill>
-                <a:latin typeface="Arial" panose="020B0604020202020204" pitchFamily="34" charset="0"/>
-                <a:cs typeface="Arial" panose="020B0604020202020204" pitchFamily="34" charset="0"/>
-              </a:rPr>
-              <a:t>Scaled to the magnitude of the risk</a:t>
-            </a:r>
-          </a:p>
-          <a:p>
-            <a:pPr lvl="1"/>
-            <a:r>
-              <a:rPr lang="en-US" sz="2400" dirty="0">
-                <a:solidFill>
-                  <a:schemeClr val="tx1"/>
-                </a:solidFill>
-                <a:latin typeface="Arial" panose="020B0604020202020204" pitchFamily="34" charset="0"/>
-                <a:cs typeface="Arial" panose="020B0604020202020204" pitchFamily="34" charset="0"/>
-              </a:rPr>
-              <a:t>Agreed upon by the applicable project stakeholders</a:t>
-            </a:r>
-          </a:p>
-          <a:p>
-            <a:pPr lvl="1"/>
-            <a:r>
-              <a:rPr lang="en-US" sz="2400" dirty="0">
-                <a:solidFill>
-                  <a:schemeClr val="tx1"/>
-                </a:solidFill>
-                <a:latin typeface="Arial" panose="020B0604020202020204" pitchFamily="34" charset="0"/>
-                <a:cs typeface="Arial" panose="020B0604020202020204" pitchFamily="34" charset="0"/>
-              </a:rPr>
-              <a:t>Achievable and realistic</a:t>
-            </a:r>
-          </a:p>
-          <a:p>
-            <a:endParaRPr lang="en-US" dirty="0"/>
-          </a:p>
-        </p:txBody>
-      </p:sp>
-    </p:spTree>
-    <p:extLst>
-      <p:ext uri="{BB962C8B-B14F-4D97-AF65-F5344CB8AC3E}">
-        <p14:creationId xmlns:p14="http://schemas.microsoft.com/office/powerpoint/2010/main" val="2190623570"/>
-      </p:ext>
-    </p:extLst>
-  </p:cSld>
-  <p:clrMapOvr>
-    <a:masterClrMapping/>
-  </p:clrMapOvr>
-</p:sld>
-</file>
-
-<file path=ppt/slides/slide41.xml><?xml version="1.0" encoding="utf-8"?>
-<p:sld xmlns:a="http://schemas.openxmlformats.org/drawingml/2006/main" xmlns:r="http://schemas.openxmlformats.org/officeDocument/2006/relationships" xmlns:p="http://schemas.openxmlformats.org/presentationml/2006/main">
-  <p:cSld>
-    <p:spTree>
-      <p:nvGrpSpPr>
-        <p:cNvPr id="1" name=""/>
-        <p:cNvGrpSpPr/>
-        <p:nvPr/>
-      </p:nvGrpSpPr>
-      <p:grpSpPr>
-        <a:xfrm>
-          <a:off x="0" y="0"/>
-          <a:ext cx="0" cy="0"/>
-          <a:chOff x="0" y="0"/>
-          <a:chExt cx="0" cy="0"/>
-        </a:xfrm>
-      </p:grpSpPr>
-      <p:sp>
-        <p:nvSpPr>
-          <p:cNvPr id="2" name="Title 1">
-            <a:extLst>
-              <a:ext uri="{FF2B5EF4-FFF2-40B4-BE49-F238E27FC236}">
-                <a16:creationId xmlns:a16="http://schemas.microsoft.com/office/drawing/2014/main" id="{6BF3ECC4-DC90-4319-B663-44B6DD058951}"/>
-              </a:ext>
-            </a:extLst>
-          </p:cNvPr>
-          <p:cNvSpPr>
-            <a:spLocks noGrp="1"/>
-          </p:cNvSpPr>
-          <p:nvPr>
-            <p:ph type="title"/>
-          </p:nvPr>
-        </p:nvSpPr>
-        <p:spPr/>
-        <p:txBody>
-          <a:bodyPr/>
-          <a:lstStyle/>
-          <a:p>
-            <a:r>
-              <a:rPr lang="en-US" dirty="0">
-                <a:latin typeface="Arial" panose="020B0604020202020204" pitchFamily="34" charset="0"/>
-                <a:cs typeface="Arial" panose="020B0604020202020204" pitchFamily="34" charset="0"/>
-              </a:rPr>
-              <a:t>RISK RESPONSE PLANNING</a:t>
-            </a:r>
-          </a:p>
-        </p:txBody>
-      </p:sp>
-      <p:sp>
-        <p:nvSpPr>
-          <p:cNvPr id="3" name="Content Placeholder 2">
-            <a:extLst>
-              <a:ext uri="{FF2B5EF4-FFF2-40B4-BE49-F238E27FC236}">
-                <a16:creationId xmlns:a16="http://schemas.microsoft.com/office/drawing/2014/main" id="{12B0C572-73DD-41D4-A385-98E9B697B8D2}"/>
-              </a:ext>
-            </a:extLst>
-          </p:cNvPr>
-          <p:cNvSpPr>
-            <a:spLocks noGrp="1"/>
-          </p:cNvSpPr>
-          <p:nvPr>
-            <p:ph idx="1"/>
-          </p:nvPr>
-        </p:nvSpPr>
-        <p:spPr/>
-        <p:txBody>
-          <a:bodyPr/>
-          <a:lstStyle/>
-          <a:p>
-            <a:pPr marL="0" indent="0">
-              <a:buNone/>
-            </a:pPr>
-            <a:r>
-              <a:rPr lang="en-US" b="1" u="sng" dirty="0">
-                <a:solidFill>
-                  <a:schemeClr val="tx1"/>
-                </a:solidFill>
-                <a:latin typeface="Arial" panose="020B0604020202020204" pitchFamily="34" charset="0"/>
-                <a:cs typeface="Arial" panose="020B0604020202020204" pitchFamily="34" charset="0"/>
-              </a:rPr>
-              <a:t>How to Response:</a:t>
-            </a:r>
-          </a:p>
-          <a:p>
-            <a:pPr marL="0" indent="0">
-              <a:buNone/>
-            </a:pPr>
-            <a:endParaRPr lang="en-US" dirty="0">
-              <a:solidFill>
-                <a:schemeClr val="tx1"/>
-              </a:solidFill>
-              <a:latin typeface="Arial" panose="020B0604020202020204" pitchFamily="34" charset="0"/>
-              <a:cs typeface="Arial" panose="020B0604020202020204" pitchFamily="34" charset="0"/>
-            </a:endParaRPr>
-          </a:p>
-        </p:txBody>
-      </p:sp>
-      <p:pic>
-        <p:nvPicPr>
-          <p:cNvPr id="4" name="Picture 3" descr="Kết quả hình ảnh cho risk response planning">
-            <a:extLst>
-              <a:ext uri="{FF2B5EF4-FFF2-40B4-BE49-F238E27FC236}">
-                <a16:creationId xmlns:a16="http://schemas.microsoft.com/office/drawing/2014/main" id="{98F751D6-7FF6-45FC-9DE7-272B51775707}"/>
-              </a:ext>
-            </a:extLst>
-          </p:cNvPr>
-          <p:cNvPicPr/>
-          <p:nvPr/>
-        </p:nvPicPr>
-        <p:blipFill>
-          <a:blip r:embed="rId2">
-            <a:extLst>
-              <a:ext uri="{28A0092B-C50C-407E-A947-70E740481C1C}">
-                <a14:useLocalDpi xmlns:a14="http://schemas.microsoft.com/office/drawing/2010/main" val="0"/>
-              </a:ext>
-            </a:extLst>
-          </a:blip>
-          <a:srcRect/>
-          <a:stretch>
-            <a:fillRect/>
-          </a:stretch>
-        </p:blipFill>
-        <p:spPr bwMode="auto">
-          <a:xfrm>
-            <a:off x="4190585" y="1846262"/>
-            <a:ext cx="6424405" cy="4408350"/>
-          </a:xfrm>
-          <a:prstGeom prst="rect">
-            <a:avLst/>
-          </a:prstGeom>
-          <a:noFill/>
-          <a:ln>
-            <a:noFill/>
-          </a:ln>
-        </p:spPr>
-      </p:pic>
-    </p:spTree>
-    <p:extLst>
-      <p:ext uri="{BB962C8B-B14F-4D97-AF65-F5344CB8AC3E}">
-        <p14:creationId xmlns:p14="http://schemas.microsoft.com/office/powerpoint/2010/main" val="1683897907"/>
-      </p:ext>
-    </p:extLst>
-  </p:cSld>
-  <p:clrMapOvr>
-    <a:masterClrMapping/>
-  </p:clrMapOvr>
-</p:sld>
-</file>
-
-<file path=ppt/slides/slide42.xml><?xml version="1.0" encoding="utf-8"?>
-<p:sld xmlns:a="http://schemas.openxmlformats.org/drawingml/2006/main" xmlns:r="http://schemas.openxmlformats.org/officeDocument/2006/relationships" xmlns:p="http://schemas.openxmlformats.org/presentationml/2006/main">
-  <p:cSld>
-    <p:spTree>
-      <p:nvGrpSpPr>
-        <p:cNvPr id="1" name=""/>
-        <p:cNvGrpSpPr/>
-        <p:nvPr/>
-      </p:nvGrpSpPr>
-      <p:grpSpPr>
-        <a:xfrm>
-          <a:off x="0" y="0"/>
-          <a:ext cx="0" cy="0"/>
-          <a:chOff x="0" y="0"/>
-          <a:chExt cx="0" cy="0"/>
-        </a:xfrm>
-      </p:grpSpPr>
-      <p:sp>
-        <p:nvSpPr>
-          <p:cNvPr id="2" name="Title 1">
-            <a:extLst>
-              <a:ext uri="{FF2B5EF4-FFF2-40B4-BE49-F238E27FC236}">
-                <a16:creationId xmlns:a16="http://schemas.microsoft.com/office/drawing/2014/main" id="{F0C5370F-F580-46F0-9CCB-94B55EB5942A}"/>
-              </a:ext>
-            </a:extLst>
-          </p:cNvPr>
-          <p:cNvSpPr>
-            <a:spLocks noGrp="1"/>
-          </p:cNvSpPr>
-          <p:nvPr>
-            <p:ph type="title"/>
-          </p:nvPr>
-        </p:nvSpPr>
-        <p:spPr/>
-        <p:txBody>
-          <a:bodyPr/>
-          <a:lstStyle/>
-          <a:p>
-            <a:r>
-              <a:rPr lang="en-US" dirty="0">
-                <a:latin typeface="Arial" panose="020B0604020202020204" pitchFamily="34" charset="0"/>
-                <a:cs typeface="Arial" panose="020B0604020202020204" pitchFamily="34" charset="0"/>
-              </a:rPr>
-              <a:t>RISK RESPONSE PLANNING</a:t>
-            </a:r>
-          </a:p>
-        </p:txBody>
-      </p:sp>
-      <p:sp>
-        <p:nvSpPr>
-          <p:cNvPr id="3" name="Content Placeholder 2">
-            <a:extLst>
-              <a:ext uri="{FF2B5EF4-FFF2-40B4-BE49-F238E27FC236}">
-                <a16:creationId xmlns:a16="http://schemas.microsoft.com/office/drawing/2014/main" id="{5E3597E3-4A5A-4F9A-9579-EF0034FF207B}"/>
-              </a:ext>
-            </a:extLst>
-          </p:cNvPr>
-          <p:cNvSpPr>
-            <a:spLocks noGrp="1"/>
-          </p:cNvSpPr>
-          <p:nvPr>
-            <p:ph idx="1"/>
-          </p:nvPr>
-        </p:nvSpPr>
-        <p:spPr/>
-        <p:txBody>
-          <a:bodyPr/>
-          <a:lstStyle/>
-          <a:p>
-            <a:pPr marL="0" indent="0">
-              <a:buNone/>
-            </a:pPr>
-            <a:r>
-              <a:rPr lang="en-US" b="1" u="sng" dirty="0">
-                <a:solidFill>
-                  <a:schemeClr val="tx1"/>
-                </a:solidFill>
-                <a:latin typeface="Arial" panose="020B0604020202020204" pitchFamily="34" charset="0"/>
-                <a:cs typeface="Arial" panose="020B0604020202020204" pitchFamily="34" charset="0"/>
-              </a:rPr>
-              <a:t>Example:</a:t>
-            </a:r>
-          </a:p>
-        </p:txBody>
-      </p:sp>
-      <p:pic>
-        <p:nvPicPr>
-          <p:cNvPr id="4" name="Picture 3" descr="Kết quả hình ảnh cho risk response planning">
-            <a:extLst>
-              <a:ext uri="{FF2B5EF4-FFF2-40B4-BE49-F238E27FC236}">
-                <a16:creationId xmlns:a16="http://schemas.microsoft.com/office/drawing/2014/main" id="{4F88675A-7AEB-48E9-8F95-103D09DA6C76}"/>
-              </a:ext>
-            </a:extLst>
-          </p:cNvPr>
-          <p:cNvPicPr/>
-          <p:nvPr/>
-        </p:nvPicPr>
-        <p:blipFill>
-          <a:blip r:embed="rId2">
-            <a:extLst>
-              <a:ext uri="{28A0092B-C50C-407E-A947-70E740481C1C}">
-                <a14:useLocalDpi xmlns:a14="http://schemas.microsoft.com/office/drawing/2010/main" val="0"/>
-              </a:ext>
-            </a:extLst>
-          </a:blip>
-          <a:srcRect/>
-          <a:stretch>
-            <a:fillRect/>
-          </a:stretch>
-        </p:blipFill>
-        <p:spPr bwMode="auto">
-          <a:xfrm>
-            <a:off x="2925417" y="1600199"/>
-            <a:ext cx="7066722" cy="4880113"/>
-          </a:xfrm>
-          <a:prstGeom prst="rect">
-            <a:avLst/>
-          </a:prstGeom>
-          <a:noFill/>
-          <a:ln>
-            <a:noFill/>
-          </a:ln>
-        </p:spPr>
-      </p:pic>
-    </p:spTree>
-    <p:extLst>
-      <p:ext uri="{BB962C8B-B14F-4D97-AF65-F5344CB8AC3E}">
-        <p14:creationId xmlns:p14="http://schemas.microsoft.com/office/powerpoint/2010/main" val="3739937497"/>
-      </p:ext>
-    </p:extLst>
-  </p:cSld>
-  <p:clrMapOvr>
-    <a:masterClrMapping/>
-  </p:clrMapOvr>
-</p:sld>
-</file>
-
-<file path=ppt/slides/slide43.xml><?xml version="1.0" encoding="utf-8"?>
-<p:sld xmlns:a="http://schemas.openxmlformats.org/drawingml/2006/main" xmlns:r="http://schemas.openxmlformats.org/officeDocument/2006/relationships" xmlns:p="http://schemas.openxmlformats.org/presentationml/2006/main">
-  <p:cSld>
-    <p:spTree>
-      <p:nvGrpSpPr>
-        <p:cNvPr id="1" name=""/>
-        <p:cNvGrpSpPr/>
-        <p:nvPr/>
-      </p:nvGrpSpPr>
-      <p:grpSpPr>
-        <a:xfrm>
-          <a:off x="0" y="0"/>
-          <a:ext cx="0" cy="0"/>
-          <a:chOff x="0" y="0"/>
-          <a:chExt cx="0" cy="0"/>
-        </a:xfrm>
-      </p:grpSpPr>
-      <p:sp>
-        <p:nvSpPr>
-          <p:cNvPr id="2" name="Title 1">
-            <a:extLst>
-              <a:ext uri="{FF2B5EF4-FFF2-40B4-BE49-F238E27FC236}">
                 <a16:creationId xmlns:a16="http://schemas.microsoft.com/office/drawing/2014/main" id="{7834C09A-2BAC-45C1-BE49-105810536B14}"/>
               </a:ext>
             </a:extLst>
@@ -46188,7 +45561,7 @@
 </p:sld>
 </file>
 
-<file path=ppt/slides/slide44.xml><?xml version="1.0" encoding="utf-8"?>
+<file path=ppt/slides/slide41.xml><?xml version="1.0" encoding="utf-8"?>
 <p:sld xmlns:a="http://schemas.openxmlformats.org/drawingml/2006/main" xmlns:r="http://schemas.openxmlformats.org/officeDocument/2006/relationships" xmlns:p="http://schemas.openxmlformats.org/presentationml/2006/main">
   <p:cSld>
     <p:spTree>
@@ -46306,7 +45679,7 @@
 </p:sld>
 </file>
 
-<file path=ppt/slides/slide45.xml><?xml version="1.0" encoding="utf-8"?>
+<file path=ppt/slides/slide42.xml><?xml version="1.0" encoding="utf-8"?>
 <p:sld xmlns:a="http://schemas.openxmlformats.org/drawingml/2006/main" xmlns:r="http://schemas.openxmlformats.org/officeDocument/2006/relationships" xmlns:p="http://schemas.openxmlformats.org/presentationml/2006/main">
   <p:cSld>
     <p:spTree>
@@ -46469,7 +45842,7 @@
 </p:sld>
 </file>
 
-<file path=ppt/slides/slide46.xml><?xml version="1.0" encoding="utf-8"?>
+<file path=ppt/slides/slide43.xml><?xml version="1.0" encoding="utf-8"?>
 <p:sld xmlns:a="http://schemas.openxmlformats.org/drawingml/2006/main" xmlns:r="http://schemas.openxmlformats.org/officeDocument/2006/relationships" xmlns:p="http://schemas.openxmlformats.org/presentationml/2006/main">
   <p:cSld>
     <p:spTree>
@@ -46665,7 +46038,7 @@
 </p:sld>
 </file>
 
-<file path=ppt/slides/slide47.xml><?xml version="1.0" encoding="utf-8"?>
+<file path=ppt/slides/slide44.xml><?xml version="1.0" encoding="utf-8"?>
 <p:sld xmlns:a="http://schemas.openxmlformats.org/drawingml/2006/main" xmlns:r="http://schemas.openxmlformats.org/officeDocument/2006/relationships" xmlns:p="http://schemas.openxmlformats.org/presentationml/2006/main">
   <p:cSld>
     <p:spTree>
@@ -46769,7 +46142,7 @@
 </p:sld>
 </file>
 
-<file path=ppt/slides/slide48.xml><?xml version="1.0" encoding="utf-8"?>
+<file path=ppt/slides/slide45.xml><?xml version="1.0" encoding="utf-8"?>
 <p:sld xmlns:a="http://schemas.openxmlformats.org/drawingml/2006/main" xmlns:r="http://schemas.openxmlformats.org/officeDocument/2006/relationships" xmlns:p="http://schemas.openxmlformats.org/presentationml/2006/main">
   <p:cSld>
     <p:spTree>
@@ -46964,7 +46337,7 @@
 </p:sld>
 </file>
 
-<file path=ppt/slides/slide49.xml><?xml version="1.0" encoding="utf-8"?>
+<file path=ppt/slides/slide46.xml><?xml version="1.0" encoding="utf-8"?>
 <p:sld xmlns:a="http://schemas.openxmlformats.org/drawingml/2006/main" xmlns:r="http://schemas.openxmlformats.org/officeDocument/2006/relationships" xmlns:p="http://schemas.openxmlformats.org/presentationml/2006/main">
   <p:cSld>
     <p:spTree>
@@ -47172,138 +46545,7 @@
 </p:sld>
 </file>
 
-<file path=ppt/slides/slide5.xml><?xml version="1.0" encoding="utf-8"?>
-<p:sld xmlns:a="http://schemas.openxmlformats.org/drawingml/2006/main" xmlns:r="http://schemas.openxmlformats.org/officeDocument/2006/relationships" xmlns:p="http://schemas.openxmlformats.org/presentationml/2006/main">
-  <p:cSld>
-    <p:spTree>
-      <p:nvGrpSpPr>
-        <p:cNvPr id="1" name=""/>
-        <p:cNvGrpSpPr/>
-        <p:nvPr/>
-      </p:nvGrpSpPr>
-      <p:grpSpPr>
-        <a:xfrm>
-          <a:off x="0" y="0"/>
-          <a:ext cx="0" cy="0"/>
-          <a:chOff x="0" y="0"/>
-          <a:chExt cx="0" cy="0"/>
-        </a:xfrm>
-      </p:grpSpPr>
-      <p:sp>
-        <p:nvSpPr>
-          <p:cNvPr id="2" name="Title 1">
-            <a:extLst>
-              <a:ext uri="{FF2B5EF4-FFF2-40B4-BE49-F238E27FC236}">
-                <a16:creationId xmlns:a16="http://schemas.microsoft.com/office/drawing/2014/main" id="{10F52F6A-5317-48C3-AA1E-E69C5C0B475A}"/>
-              </a:ext>
-            </a:extLst>
-          </p:cNvPr>
-          <p:cNvSpPr>
-            <a:spLocks noGrp="1"/>
-          </p:cNvSpPr>
-          <p:nvPr>
-            <p:ph type="title"/>
-          </p:nvPr>
-        </p:nvSpPr>
-        <p:spPr/>
-        <p:txBody>
-          <a:bodyPr/>
-          <a:lstStyle/>
-          <a:p>
-            <a:pPr algn="l"/>
-            <a:r>
-              <a:rPr lang="en-US" dirty="0">
-                <a:latin typeface="Arial" panose="020B0604020202020204" pitchFamily="34" charset="0"/>
-                <a:cs typeface="Arial" panose="020B0604020202020204" pitchFamily="34" charset="0"/>
-              </a:rPr>
-              <a:t>Why do risk management?</a:t>
-            </a:r>
-          </a:p>
-        </p:txBody>
-      </p:sp>
-      <p:sp>
-        <p:nvSpPr>
-          <p:cNvPr id="3" name="Content Placeholder 2">
-            <a:extLst>
-              <a:ext uri="{FF2B5EF4-FFF2-40B4-BE49-F238E27FC236}">
-                <a16:creationId xmlns:a16="http://schemas.microsoft.com/office/drawing/2014/main" id="{ED2F350C-540D-4BE5-955F-687F42E7C797}"/>
-              </a:ext>
-            </a:extLst>
-          </p:cNvPr>
-          <p:cNvSpPr>
-            <a:spLocks noGrp="1"/>
-          </p:cNvSpPr>
-          <p:nvPr>
-            <p:ph idx="1"/>
-          </p:nvPr>
-        </p:nvSpPr>
-        <p:spPr/>
-        <p:txBody>
-          <a:bodyPr/>
-          <a:lstStyle/>
-          <a:p>
-            <a:pPr marL="0" indent="0" fontAlgn="base">
-              <a:buNone/>
-            </a:pPr>
-            <a:r>
-              <a:rPr lang="en-US" dirty="0">
-                <a:solidFill>
-                  <a:schemeClr val="tx1"/>
-                </a:solidFill>
-                <a:latin typeface="Arial" panose="020B0604020202020204" pitchFamily="34" charset="0"/>
-                <a:cs typeface="Arial" panose="020B0604020202020204" pitchFamily="34" charset="0"/>
-              </a:rPr>
-              <a:t>Additionally, continuous risk management will:</a:t>
-            </a:r>
-          </a:p>
-          <a:p>
-            <a:pPr fontAlgn="base"/>
-            <a:r>
-              <a:rPr lang="en-US" dirty="0">
-                <a:solidFill>
-                  <a:schemeClr val="tx1"/>
-                </a:solidFill>
-                <a:latin typeface="Arial" panose="020B0604020202020204" pitchFamily="34" charset="0"/>
-                <a:cs typeface="Arial" panose="020B0604020202020204" pitchFamily="34" charset="0"/>
-              </a:rPr>
-              <a:t>Ensure that high priority risks are aggressively managed and that all risks are cost-effectively managed throughout the project.</a:t>
-            </a:r>
-          </a:p>
-          <a:p>
-            <a:pPr fontAlgn="base"/>
-            <a:r>
-              <a:rPr lang="en-US" dirty="0">
-                <a:solidFill>
-                  <a:schemeClr val="tx1"/>
-                </a:solidFill>
-                <a:latin typeface="Arial" panose="020B0604020202020204" pitchFamily="34" charset="0"/>
-                <a:cs typeface="Arial" panose="020B0604020202020204" pitchFamily="34" charset="0"/>
-              </a:rPr>
-              <a:t>Provide management at all levels with the information required to make informed decisions on issues critical to project success.</a:t>
-            </a:r>
-          </a:p>
-          <a:p>
-            <a:endParaRPr lang="en-US" dirty="0">
-              <a:latin typeface="Arial" panose="020B0604020202020204" pitchFamily="34" charset="0"/>
-              <a:cs typeface="Arial" panose="020B0604020202020204" pitchFamily="34" charset="0"/>
-            </a:endParaRPr>
-          </a:p>
-        </p:txBody>
-      </p:sp>
-    </p:spTree>
-    <p:extLst>
-      <p:ext uri="{BB962C8B-B14F-4D97-AF65-F5344CB8AC3E}">
-        <p14:creationId xmlns:p14="http://schemas.microsoft.com/office/powerpoint/2010/main" val="1824879802"/>
-      </p:ext>
-    </p:extLst>
-  </p:cSld>
-  <p:clrMapOvr>
-    <a:masterClrMapping/>
-  </p:clrMapOvr>
-</p:sld>
-</file>
-
-<file path=ppt/slides/slide50.xml><?xml version="1.0" encoding="utf-8"?>
+<file path=ppt/slides/slide47.xml><?xml version="1.0" encoding="utf-8"?>
 <p:sld xmlns:a="http://schemas.openxmlformats.org/drawingml/2006/main" xmlns:r="http://schemas.openxmlformats.org/officeDocument/2006/relationships" xmlns:p="http://schemas.openxmlformats.org/presentationml/2006/main">
   <p:cSld>
     <p:spTree>
@@ -47407,7 +46649,7 @@
 </p:sld>
 </file>
 
-<file path=ppt/slides/slide51.xml><?xml version="1.0" encoding="utf-8"?>
+<file path=ppt/slides/slide48.xml><?xml version="1.0" encoding="utf-8"?>
 <p:sld xmlns:a="http://schemas.openxmlformats.org/drawingml/2006/main" xmlns:r="http://schemas.openxmlformats.org/officeDocument/2006/relationships" xmlns:p="http://schemas.openxmlformats.org/presentationml/2006/main">
   <p:cSld>
     <p:spTree>
@@ -47491,7 +46733,7 @@
 </p:sld>
 </file>
 
-<file path=ppt/slides/slide6.xml><?xml version="1.0" encoding="utf-8"?>
+<file path=ppt/slides/slide5.xml><?xml version="1.0" encoding="utf-8"?>
 <p:sld xmlns:a="http://schemas.openxmlformats.org/drawingml/2006/main" xmlns:r="http://schemas.openxmlformats.org/officeDocument/2006/relationships" xmlns:p="http://schemas.openxmlformats.org/presentationml/2006/main">
   <p:cSld>
     <p:spTree>
@@ -47557,7 +46799,7 @@
 </p:sld>
 </file>
 
-<file path=ppt/slides/slide7.xml><?xml version="1.0" encoding="utf-8"?>
+<file path=ppt/slides/slide6.xml><?xml version="1.0" encoding="utf-8"?>
 <p:sld xmlns:a="http://schemas.openxmlformats.org/drawingml/2006/main" xmlns:r="http://schemas.openxmlformats.org/officeDocument/2006/relationships" xmlns:p="http://schemas.openxmlformats.org/presentationml/2006/main">
   <p:cSld>
     <p:spTree>
@@ -47690,7 +46932,7 @@
 </p:sld>
 </file>
 
-<file path=ppt/slides/slide8.xml><?xml version="1.0" encoding="utf-8"?>
+<file path=ppt/slides/slide7.xml><?xml version="1.0" encoding="utf-8"?>
 <p:sld xmlns:a="http://schemas.openxmlformats.org/drawingml/2006/main" xmlns:r="http://schemas.openxmlformats.org/officeDocument/2006/relationships" xmlns:p="http://schemas.openxmlformats.org/presentationml/2006/main">
   <p:cSld>
     <p:spTree>
@@ -47870,7 +47112,7 @@
 </p:sld>
 </file>
 
-<file path=ppt/slides/slide9.xml><?xml version="1.0" encoding="utf-8"?>
+<file path=ppt/slides/slide8.xml><?xml version="1.0" encoding="utf-8"?>
 <p:sld xmlns:a="http://schemas.openxmlformats.org/drawingml/2006/main" xmlns:r="http://schemas.openxmlformats.org/officeDocument/2006/relationships" xmlns:p="http://schemas.openxmlformats.org/presentationml/2006/main">
   <p:cSld>
     <p:spTree>
@@ -47936,8 +47178,8 @@
         </p:nvSpPr>
         <p:spPr>
           <a:xfrm>
-            <a:off x="609600" y="1846262"/>
-            <a:ext cx="10972800" cy="3903028"/>
+            <a:off x="609600" y="1948070"/>
+            <a:ext cx="10972800" cy="3801220"/>
           </a:xfrm>
         </p:spPr>
         <p:txBody>
@@ -48087,6 +47329,223 @@
     <p:extLst>
       <p:ext uri="{BB962C8B-B14F-4D97-AF65-F5344CB8AC3E}">
         <p14:creationId xmlns:p14="http://schemas.microsoft.com/office/powerpoint/2010/main" val="3296775831"/>
+      </p:ext>
+    </p:extLst>
+  </p:cSld>
+  <p:clrMapOvr>
+    <a:masterClrMapping/>
+  </p:clrMapOvr>
+</p:sld>
+</file>
+
+<file path=ppt/slides/slide9.xml><?xml version="1.0" encoding="utf-8"?>
+<p:sld xmlns:a="http://schemas.openxmlformats.org/drawingml/2006/main" xmlns:r="http://schemas.openxmlformats.org/officeDocument/2006/relationships" xmlns:p="http://schemas.openxmlformats.org/presentationml/2006/main">
+  <p:cSld>
+    <p:spTree>
+      <p:nvGrpSpPr>
+        <p:cNvPr id="1" name=""/>
+        <p:cNvGrpSpPr/>
+        <p:nvPr/>
+      </p:nvGrpSpPr>
+      <p:grpSpPr>
+        <a:xfrm>
+          <a:off x="0" y="0"/>
+          <a:ext cx="0" cy="0"/>
+          <a:chOff x="0" y="0"/>
+          <a:chExt cx="0" cy="0"/>
+        </a:xfrm>
+      </p:grpSpPr>
+      <p:sp>
+        <p:nvSpPr>
+          <p:cNvPr id="2" name="Title 1">
+            <a:extLst>
+              <a:ext uri="{FF2B5EF4-FFF2-40B4-BE49-F238E27FC236}">
+                <a16:creationId xmlns:a16="http://schemas.microsoft.com/office/drawing/2014/main" id="{60A3032F-5AF9-4605-A9FF-7A2691055D47}"/>
+              </a:ext>
+            </a:extLst>
+          </p:cNvPr>
+          <p:cNvSpPr>
+            <a:spLocks noGrp="1"/>
+          </p:cNvSpPr>
+          <p:nvPr>
+            <p:ph type="title"/>
+          </p:nvPr>
+        </p:nvSpPr>
+        <p:spPr/>
+        <p:txBody>
+          <a:bodyPr/>
+          <a:lstStyle/>
+          <a:p>
+            <a:r>
+              <a:rPr lang="en-US" dirty="0">
+                <a:effectLst>
+                  <a:outerShdw blurRad="38100" dist="38100" dir="2700000" algn="tl">
+                    <a:srgbClr val="000000">
+                      <a:alpha val="43137"/>
+                    </a:srgbClr>
+                  </a:outerShdw>
+                </a:effectLst>
+                <a:latin typeface="Arial" panose="020B0604020202020204" pitchFamily="34" charset="0"/>
+                <a:cs typeface="Arial" panose="020B0604020202020204" pitchFamily="34" charset="0"/>
+              </a:rPr>
+              <a:t>RISK MANAGEMENT PLANNING PROCESS</a:t>
+            </a:r>
+          </a:p>
+        </p:txBody>
+      </p:sp>
+      <p:sp>
+        <p:nvSpPr>
+          <p:cNvPr id="3" name="Content Placeholder 2">
+            <a:extLst>
+              <a:ext uri="{FF2B5EF4-FFF2-40B4-BE49-F238E27FC236}">
+                <a16:creationId xmlns:a16="http://schemas.microsoft.com/office/drawing/2014/main" id="{E0AA14E8-B8BA-42A3-979B-16D2AEF1E562}"/>
+              </a:ext>
+            </a:extLst>
+          </p:cNvPr>
+          <p:cNvSpPr>
+            <a:spLocks noGrp="1"/>
+          </p:cNvSpPr>
+          <p:nvPr>
+            <p:ph idx="1"/>
+          </p:nvPr>
+        </p:nvSpPr>
+        <p:spPr>
+          <a:xfrm>
+            <a:off x="609600" y="1846262"/>
+            <a:ext cx="10972800" cy="4691698"/>
+          </a:xfrm>
+        </p:spPr>
+        <p:txBody>
+          <a:bodyPr>
+            <a:normAutofit/>
+          </a:bodyPr>
+          <a:lstStyle/>
+          <a:p>
+            <a:pPr lvl="1">
+              <a:buFont typeface="Wingdings" panose="05000000000000000000" pitchFamily="2" charset="2"/>
+              <a:buChar char="q"/>
+            </a:pPr>
+            <a:r>
+              <a:rPr lang="en-US" sz="1900" b="1" dirty="0">
+                <a:solidFill>
+                  <a:schemeClr val="tx1"/>
+                </a:solidFill>
+                <a:latin typeface="Arial" panose="020B0604020202020204" pitchFamily="34" charset="0"/>
+                <a:cs typeface="Arial" panose="020B0604020202020204" pitchFamily="34" charset="0"/>
+              </a:rPr>
+              <a:t>Transfer</a:t>
+            </a:r>
+          </a:p>
+          <a:p>
+            <a:pPr lvl="2"/>
+            <a:r>
+              <a:rPr lang="en-US" sz="1900" dirty="0">
+                <a:solidFill>
+                  <a:schemeClr val="tx1"/>
+                </a:solidFill>
+                <a:latin typeface="Arial" panose="020B0604020202020204" pitchFamily="34" charset="0"/>
+                <a:cs typeface="Arial" panose="020B0604020202020204" pitchFamily="34" charset="0"/>
+              </a:rPr>
+              <a:t>Risk transfer is the most ideal model, from rudimentary risk transfer to insurance participation. This is the most effective and effective tool to deal with losses. (For example, instead of transporting a truck of smuggled cigarettes to the male, you divide the cigarette into smaller chunks and transport it to each different vehicle in case the police get caught. whole car cigarette)</a:t>
+            </a:r>
+          </a:p>
+          <a:p>
+            <a:pPr lvl="1">
+              <a:buFont typeface="Wingdings" panose="05000000000000000000" pitchFamily="2" charset="2"/>
+              <a:buChar char="q"/>
+            </a:pPr>
+            <a:r>
+              <a:rPr lang="en-US" sz="1900" b="1" dirty="0">
+                <a:solidFill>
+                  <a:schemeClr val="tx1"/>
+                </a:solidFill>
+                <a:latin typeface="Arial" panose="020B0604020202020204" pitchFamily="34" charset="0"/>
+                <a:cs typeface="Arial" panose="020B0604020202020204" pitchFamily="34" charset="0"/>
+              </a:rPr>
+              <a:t>Accept</a:t>
+            </a:r>
+          </a:p>
+          <a:p>
+            <a:pPr lvl="2"/>
+            <a:r>
+              <a:rPr lang="en-US" sz="1900" dirty="0">
+                <a:solidFill>
+                  <a:schemeClr val="tx1"/>
+                </a:solidFill>
+                <a:latin typeface="Arial" panose="020B0604020202020204" pitchFamily="34" charset="0"/>
+                <a:cs typeface="Arial" panose="020B0604020202020204" pitchFamily="34" charset="0"/>
+              </a:rPr>
+              <a:t>This is the form by which the victim accepts that loss and usually, there are two ways to accept the risk, which is to be proactive and passive.</a:t>
+            </a:r>
+          </a:p>
+          <a:p>
+            <a:pPr lvl="2"/>
+            <a:r>
+              <a:rPr lang="en-US" sz="1900" dirty="0">
+                <a:solidFill>
+                  <a:schemeClr val="tx1"/>
+                </a:solidFill>
+                <a:latin typeface="Arial" panose="020B0604020202020204" pitchFamily="34" charset="0"/>
+                <a:cs typeface="Arial" panose="020B0604020202020204" pitchFamily="34" charset="0"/>
+              </a:rPr>
+              <a:t>Passive acceptance is the absence of preparation for risk to find a solution and compensate.</a:t>
+            </a:r>
+          </a:p>
+          <a:p>
+            <a:pPr lvl="2"/>
+            <a:r>
+              <a:rPr lang="en-US" sz="1900" dirty="0">
+                <a:solidFill>
+                  <a:schemeClr val="tx1"/>
+                </a:solidFill>
+                <a:latin typeface="Arial" panose="020B0604020202020204" pitchFamily="34" charset="0"/>
+                <a:cs typeface="Arial" panose="020B0604020202020204" pitchFamily="34" charset="0"/>
+              </a:rPr>
+              <a:t>Proactive acceptance is the establishment of a resource reserve fund to compensate for the risks occurring. And often resources will not be used optimally, even very passively because the level of losses is not completely the same and unpredictable.</a:t>
+            </a:r>
+          </a:p>
+          <a:p>
+            <a:pPr marL="914400" lvl="2" indent="0">
+              <a:buNone/>
+            </a:pPr>
+            <a:endParaRPr lang="en-US" dirty="0">
+              <a:solidFill>
+                <a:schemeClr val="tx1"/>
+              </a:solidFill>
+              <a:latin typeface="Arial" panose="020B0604020202020204" pitchFamily="34" charset="0"/>
+              <a:cs typeface="Arial" panose="020B0604020202020204" pitchFamily="34" charset="0"/>
+            </a:endParaRPr>
+          </a:p>
+          <a:p>
+            <a:pPr marL="914400" lvl="2" indent="0">
+              <a:buNone/>
+            </a:pPr>
+            <a:endParaRPr lang="en-US" dirty="0">
+              <a:solidFill>
+                <a:schemeClr val="tx1"/>
+              </a:solidFill>
+              <a:latin typeface="Arial" panose="020B0604020202020204" pitchFamily="34" charset="0"/>
+              <a:cs typeface="Arial" panose="020B0604020202020204" pitchFamily="34" charset="0"/>
+            </a:endParaRPr>
+          </a:p>
+          <a:p>
+            <a:pPr marL="914400" lvl="2" indent="0">
+              <a:buNone/>
+            </a:pPr>
+            <a:endParaRPr lang="en-US" dirty="0">
+              <a:solidFill>
+                <a:schemeClr val="tx1"/>
+              </a:solidFill>
+              <a:latin typeface="Arial" panose="020B0604020202020204" pitchFamily="34" charset="0"/>
+              <a:cs typeface="Arial" panose="020B0604020202020204" pitchFamily="34" charset="0"/>
+            </a:endParaRPr>
+          </a:p>
+        </p:txBody>
+      </p:sp>
+    </p:spTree>
+    <p:extLst>
+      <p:ext uri="{BB962C8B-B14F-4D97-AF65-F5344CB8AC3E}">
+        <p14:creationId xmlns:p14="http://schemas.microsoft.com/office/powerpoint/2010/main" val="3888268968"/>
       </p:ext>
     </p:extLst>
   </p:cSld>
